--- a/WORKSHOP_INTRO/mean-finance-manager-workshop-intro.pptx
+++ b/WORKSHOP_INTRO/mean-finance-manager-workshop-intro.pptx
@@ -5,24 +5,25 @@
     <p:sldMasterId id="2147483648" r:id="rId1"/>
   </p:sldMasterIdLst>
   <p:notesMasterIdLst>
-    <p:notesMasterId r:id="rId17"/>
+    <p:notesMasterId r:id="rId18"/>
   </p:notesMasterIdLst>
   <p:sldIdLst>
     <p:sldId id="351" r:id="rId2"/>
-    <p:sldId id="353" r:id="rId3"/>
-    <p:sldId id="267" r:id="rId4"/>
-    <p:sldId id="258" r:id="rId5"/>
+    <p:sldId id="360" r:id="rId3"/>
+    <p:sldId id="353" r:id="rId4"/>
+    <p:sldId id="267" r:id="rId5"/>
     <p:sldId id="352" r:id="rId6"/>
-    <p:sldId id="259" r:id="rId7"/>
-    <p:sldId id="257" r:id="rId8"/>
-    <p:sldId id="261" r:id="rId9"/>
+    <p:sldId id="359" r:id="rId7"/>
+    <p:sldId id="358" r:id="rId8"/>
+    <p:sldId id="356" r:id="rId9"/>
     <p:sldId id="269" r:id="rId10"/>
-    <p:sldId id="268" r:id="rId11"/>
-    <p:sldId id="298" r:id="rId12"/>
-    <p:sldId id="299" r:id="rId13"/>
-    <p:sldId id="300" r:id="rId14"/>
-    <p:sldId id="301" r:id="rId15"/>
-    <p:sldId id="350" r:id="rId16"/>
+    <p:sldId id="355" r:id="rId11"/>
+    <p:sldId id="354" r:id="rId12"/>
+    <p:sldId id="298" r:id="rId13"/>
+    <p:sldId id="279" r:id="rId14"/>
+    <p:sldId id="281" r:id="rId15"/>
+    <p:sldId id="280" r:id="rId16"/>
+    <p:sldId id="350" r:id="rId17"/>
   </p:sldIdLst>
   <p:sldSz cx="12192000" cy="6858000"/>
   <p:notesSz cx="6858000" cy="9144000"/>
@@ -3907,7 +3908,7 @@
         <p:spPr bwMode="auto">
           <a:xfrm>
             <a:off x="2713703" y="2427914"/>
-            <a:ext cx="7128387" cy="5205679"/>
+            <a:ext cx="7531309" cy="5205679"/>
           </a:xfrm>
           <a:prstGeom prst="rect">
             <a:avLst/>
@@ -3938,7 +3939,7 @@
         </p:nvSpPr>
         <p:spPr>
           <a:xfrm>
-            <a:off x="3558325" y="618183"/>
+            <a:off x="3987534" y="310273"/>
             <a:ext cx="6458138" cy="2585323"/>
           </a:xfrm>
           <a:prstGeom prst="rect">
@@ -4014,8 +4015,8 @@
         </p:blipFill>
         <p:spPr>
           <a:xfrm>
-            <a:off x="4120872" y="3203506"/>
-            <a:ext cx="1125066" cy="554476"/>
+            <a:off x="7769141" y="4738380"/>
+            <a:ext cx="1125066" cy="587828"/>
           </a:xfrm>
           <a:prstGeom prst="rect">
             <a:avLst/>
@@ -4052,56 +4053,12 @@
           <a:chExt cx="0" cy="0"/>
         </a:xfrm>
       </p:grpSpPr>
-      <p:sp>
-        <p:nvSpPr>
-          <p:cNvPr id="4" name="TextBox 3">
-            <a:extLst>
-              <a:ext uri="{FF2B5EF4-FFF2-40B4-BE49-F238E27FC236}">
-                <a16:creationId xmlns:a16="http://schemas.microsoft.com/office/drawing/2014/main" id="{9E33C833-79E4-DAFA-14D8-D19EA49D919B}"/>
-              </a:ext>
-            </a:extLst>
-          </p:cNvPr>
-          <p:cNvSpPr txBox="1"/>
-          <p:nvPr/>
-        </p:nvSpPr>
-        <p:spPr>
-          <a:xfrm>
-            <a:off x="4422711" y="671805"/>
-            <a:ext cx="6419461" cy="769441"/>
-          </a:xfrm>
-          <a:prstGeom prst="rect">
-            <a:avLst/>
-          </a:prstGeom>
-          <a:noFill/>
-        </p:spPr>
-        <p:txBody>
-          <a:bodyPr wrap="square" rtlCol="0">
-            <a:spAutoFit/>
-          </a:bodyPr>
-          <a:lstStyle/>
-          <a:p>
-            <a:r>
-              <a:rPr lang="en-US" sz="4400" b="1" dirty="0">
-                <a:solidFill>
-                  <a:srgbClr val="002060"/>
-                </a:solidFill>
-              </a:rPr>
-              <a:t>Domain Model</a:t>
-            </a:r>
-            <a:endParaRPr lang="en-AE" sz="4400" b="1" dirty="0">
-              <a:solidFill>
-                <a:srgbClr val="002060"/>
-              </a:solidFill>
-            </a:endParaRPr>
-          </a:p>
-        </p:txBody>
-      </p:sp>
       <p:pic>
         <p:nvPicPr>
-          <p:cNvPr id="3" name="Picture 2">
-            <a:extLst>
-              <a:ext uri="{FF2B5EF4-FFF2-40B4-BE49-F238E27FC236}">
-                <a16:creationId xmlns:a16="http://schemas.microsoft.com/office/drawing/2014/main" id="{3D132F24-6DD7-6744-3887-FE72167013FD}"/>
+          <p:cNvPr id="5" name="Picture 4">
+            <a:extLst>
+              <a:ext uri="{FF2B5EF4-FFF2-40B4-BE49-F238E27FC236}">
+                <a16:creationId xmlns:a16="http://schemas.microsoft.com/office/drawing/2014/main" id="{4DF576E7-31D9-9768-E97E-3514F6D4B1FA}"/>
               </a:ext>
             </a:extLst>
           </p:cNvPr>
@@ -4118,8 +4075,8 @@
         </p:blipFill>
         <p:spPr>
           <a:xfrm>
-            <a:off x="1615878" y="1810139"/>
-            <a:ext cx="5857942" cy="4721289"/>
+            <a:off x="2296585" y="1222310"/>
+            <a:ext cx="2368721" cy="4954555"/>
           </a:xfrm>
           <a:prstGeom prst="rect">
             <a:avLst/>
@@ -4128,10 +4085,10 @@
       </p:pic>
       <p:pic>
         <p:nvPicPr>
-          <p:cNvPr id="6" name="Picture 5">
-            <a:extLst>
-              <a:ext uri="{FF2B5EF4-FFF2-40B4-BE49-F238E27FC236}">
-                <a16:creationId xmlns:a16="http://schemas.microsoft.com/office/drawing/2014/main" id="{4C6367E0-D1BC-5A03-0E16-D7987CE4278C}"/>
+          <p:cNvPr id="7" name="Picture 6">
+            <a:extLst>
+              <a:ext uri="{FF2B5EF4-FFF2-40B4-BE49-F238E27FC236}">
+                <a16:creationId xmlns:a16="http://schemas.microsoft.com/office/drawing/2014/main" id="{4CD0F141-576F-1525-5CD4-EBB97FD5609E}"/>
               </a:ext>
             </a:extLst>
           </p:cNvPr>
@@ -4148,48 +4105,62 @@
         </p:blipFill>
         <p:spPr>
           <a:xfrm>
-            <a:off x="8420280" y="3184045"/>
-            <a:ext cx="3640891" cy="3340359"/>
+            <a:off x="6342335" y="1254966"/>
+            <a:ext cx="2368722" cy="4954555"/>
           </a:xfrm>
           <a:prstGeom prst="rect">
             <a:avLst/>
           </a:prstGeom>
         </p:spPr>
       </p:pic>
-      <p:pic>
-        <p:nvPicPr>
-          <p:cNvPr id="8" name="Picture 7">
-            <a:extLst>
-              <a:ext uri="{FF2B5EF4-FFF2-40B4-BE49-F238E27FC236}">
-                <a16:creationId xmlns:a16="http://schemas.microsoft.com/office/drawing/2014/main" id="{C601118F-8A64-C522-9371-9CCE514114F7}"/>
-              </a:ext>
-            </a:extLst>
-          </p:cNvPr>
-          <p:cNvPicPr>
-            <a:picLocks noChangeAspect="1"/>
-          </p:cNvPicPr>
+      <p:sp>
+        <p:nvSpPr>
+          <p:cNvPr id="11" name="TextBox 10">
+            <a:extLst>
+              <a:ext uri="{FF2B5EF4-FFF2-40B4-BE49-F238E27FC236}">
+                <a16:creationId xmlns:a16="http://schemas.microsoft.com/office/drawing/2014/main" id="{B1040892-2496-31AA-78CA-547EE4D7D3A1}"/>
+              </a:ext>
+            </a:extLst>
+          </p:cNvPr>
+          <p:cNvSpPr txBox="1"/>
           <p:nvPr/>
-        </p:nvPicPr>
-        <p:blipFill>
-          <a:blip r:embed="rId4"/>
-          <a:stretch>
-            <a:fillRect/>
-          </a:stretch>
-        </p:blipFill>
-        <p:spPr>
-          <a:xfrm>
-            <a:off x="10013588" y="6254190"/>
-            <a:ext cx="1342669" cy="554476"/>
+        </p:nvSpPr>
+        <p:spPr>
+          <a:xfrm>
+            <a:off x="4177783" y="182147"/>
+            <a:ext cx="6097554" cy="769441"/>
           </a:xfrm>
           <a:prstGeom prst="rect">
             <a:avLst/>
           </a:prstGeom>
-        </p:spPr>
-      </p:pic>
+          <a:noFill/>
+        </p:spPr>
+        <p:txBody>
+          <a:bodyPr wrap="square">
+            <a:spAutoFit/>
+          </a:bodyPr>
+          <a:lstStyle/>
+          <a:p>
+            <a:r>
+              <a:rPr lang="en-US" sz="4400" b="1" dirty="0">
+                <a:solidFill>
+                  <a:srgbClr val="002060"/>
+                </a:solidFill>
+              </a:rPr>
+              <a:t>Domain Model</a:t>
+            </a:r>
+            <a:endParaRPr lang="en-AE" sz="4400" b="1" dirty="0">
+              <a:solidFill>
+                <a:srgbClr val="002060"/>
+              </a:solidFill>
+            </a:endParaRPr>
+          </a:p>
+        </p:txBody>
+      </p:sp>
     </p:spTree>
     <p:extLst>
       <p:ext uri="{BB962C8B-B14F-4D97-AF65-F5344CB8AC3E}">
-        <p14:creationId xmlns:p14="http://schemas.microsoft.com/office/powerpoint/2010/main" val="1638797227"/>
+        <p14:creationId xmlns:p14="http://schemas.microsoft.com/office/powerpoint/2010/main" val="4248240781"/>
       </p:ext>
     </p:extLst>
   </p:cSld>
@@ -4218,6 +4189,78 @@
       </p:grpSpPr>
       <p:sp>
         <p:nvSpPr>
+          <p:cNvPr id="2" name="Title 1">
+            <a:extLst>
+              <a:ext uri="{FF2B5EF4-FFF2-40B4-BE49-F238E27FC236}">
+                <a16:creationId xmlns:a16="http://schemas.microsoft.com/office/drawing/2014/main" id="{A34E5CB3-2F17-FA82-C09E-D2FBCEC7F4DB}"/>
+              </a:ext>
+            </a:extLst>
+          </p:cNvPr>
+          <p:cNvSpPr>
+            <a:spLocks noGrp="1"/>
+          </p:cNvSpPr>
+          <p:nvPr>
+            <p:ph type="title"/>
+          </p:nvPr>
+        </p:nvSpPr>
+        <p:spPr>
+          <a:xfrm>
+            <a:off x="1528666" y="2595141"/>
+            <a:ext cx="10515600" cy="1325563"/>
+          </a:xfrm>
+        </p:spPr>
+        <p:txBody>
+          <a:bodyPr/>
+          <a:lstStyle/>
+          <a:p>
+            <a:r>
+              <a:rPr lang="en-US" b="1" dirty="0">
+                <a:solidFill>
+                  <a:srgbClr val="002060"/>
+                </a:solidFill>
+              </a:rPr>
+              <a:t>Components of Personal finance manager</a:t>
+            </a:r>
+            <a:endParaRPr lang="en-AE" b="1" dirty="0">
+              <a:solidFill>
+                <a:srgbClr val="002060"/>
+              </a:solidFill>
+            </a:endParaRPr>
+          </a:p>
+        </p:txBody>
+      </p:sp>
+    </p:spTree>
+    <p:extLst>
+      <p:ext uri="{BB962C8B-B14F-4D97-AF65-F5344CB8AC3E}">
+        <p14:creationId xmlns:p14="http://schemas.microsoft.com/office/powerpoint/2010/main" val="1538968107"/>
+      </p:ext>
+    </p:extLst>
+  </p:cSld>
+  <p:clrMapOvr>
+    <a:masterClrMapping/>
+  </p:clrMapOvr>
+</p:sld>
+</file>
+
+<file path=ppt/slides/slide12.xml><?xml version="1.0" encoding="utf-8"?>
+<p:sld xmlns:a="http://schemas.openxmlformats.org/drawingml/2006/main" xmlns:r="http://schemas.openxmlformats.org/officeDocument/2006/relationships" xmlns:p="http://schemas.openxmlformats.org/presentationml/2006/main">
+  <p:cSld>
+    <p:spTree>
+      <p:nvGrpSpPr>
+        <p:cNvPr id="1" name=""/>
+        <p:cNvGrpSpPr/>
+        <p:nvPr/>
+      </p:nvGrpSpPr>
+      <p:grpSpPr>
+        <a:xfrm>
+          <a:off x="0" y="0"/>
+          <a:ext cx="0" cy="0"/>
+          <a:chOff x="0" y="0"/>
+          <a:chExt cx="0" cy="0"/>
+        </a:xfrm>
+      </p:grpSpPr>
+      <p:sp>
+        <p:nvSpPr>
           <p:cNvPr id="4" name="Rectangle 3">
             <a:extLst>
               <a:ext uri="{FF2B5EF4-FFF2-40B4-BE49-F238E27FC236}">
@@ -4231,7 +4274,7 @@
         <p:spPr>
           <a:xfrm>
             <a:off x="0" y="0"/>
-            <a:ext cx="12192000" cy="6858000"/>
+            <a:ext cx="12192000" cy="7133027"/>
           </a:xfrm>
           <a:prstGeom prst="rect">
             <a:avLst/>
@@ -4295,12 +4338,209 @@
           </a:prstGeom>
         </p:spPr>
       </p:pic>
+      <p:sp>
+        <p:nvSpPr>
+          <p:cNvPr id="13" name="Rectangle 12">
+            <a:extLst>
+              <a:ext uri="{FF2B5EF4-FFF2-40B4-BE49-F238E27FC236}">
+                <a16:creationId xmlns:a16="http://schemas.microsoft.com/office/drawing/2014/main" id="{980A5BF8-6F20-045B-9869-3734FF274605}"/>
+              </a:ext>
+            </a:extLst>
+          </p:cNvPr>
+          <p:cNvSpPr/>
+          <p:nvPr/>
+        </p:nvSpPr>
+        <p:spPr>
+          <a:xfrm>
+            <a:off x="934893" y="2573892"/>
+            <a:ext cx="2750699" cy="317240"/>
+          </a:xfrm>
+          <a:prstGeom prst="rect">
+            <a:avLst/>
+          </a:prstGeom>
+          <a:solidFill>
+            <a:schemeClr val="accent1">
+              <a:alpha val="19000"/>
+            </a:schemeClr>
+          </a:solidFill>
+        </p:spPr>
+        <p:style>
+          <a:lnRef idx="2">
+            <a:schemeClr val="accent1">
+              <a:shade val="15000"/>
+            </a:schemeClr>
+          </a:lnRef>
+          <a:fillRef idx="1">
+            <a:schemeClr val="accent1"/>
+          </a:fillRef>
+          <a:effectRef idx="0">
+            <a:schemeClr val="accent1"/>
+          </a:effectRef>
+          <a:fontRef idx="minor">
+            <a:schemeClr val="lt1"/>
+          </a:fontRef>
+        </p:style>
+        <p:txBody>
+          <a:bodyPr rtlCol="0" anchor="ctr"/>
+          <a:lstStyle/>
+          <a:p>
+            <a:pPr algn="ctr"/>
+            <a:endParaRPr lang="en-AE"/>
+          </a:p>
+        </p:txBody>
+      </p:sp>
+      <p:sp>
+        <p:nvSpPr>
+          <p:cNvPr id="14" name="Rectangle 13">
+            <a:extLst>
+              <a:ext uri="{FF2B5EF4-FFF2-40B4-BE49-F238E27FC236}">
+                <a16:creationId xmlns:a16="http://schemas.microsoft.com/office/drawing/2014/main" id="{9554DD73-0FF3-BA43-6E9E-920BC935450F}"/>
+              </a:ext>
+            </a:extLst>
+          </p:cNvPr>
+          <p:cNvSpPr/>
+          <p:nvPr/>
+        </p:nvSpPr>
+        <p:spPr>
+          <a:xfrm>
+            <a:off x="934892" y="2925719"/>
+            <a:ext cx="2750699" cy="317240"/>
+          </a:xfrm>
+          <a:prstGeom prst="rect">
+            <a:avLst/>
+          </a:prstGeom>
+          <a:solidFill>
+            <a:schemeClr val="accent1">
+              <a:alpha val="19000"/>
+            </a:schemeClr>
+          </a:solidFill>
+        </p:spPr>
+        <p:style>
+          <a:lnRef idx="2">
+            <a:schemeClr val="accent1">
+              <a:shade val="15000"/>
+            </a:schemeClr>
+          </a:lnRef>
+          <a:fillRef idx="1">
+            <a:schemeClr val="accent1"/>
+          </a:fillRef>
+          <a:effectRef idx="0">
+            <a:schemeClr val="accent1"/>
+          </a:effectRef>
+          <a:fontRef idx="minor">
+            <a:schemeClr val="lt1"/>
+          </a:fontRef>
+        </p:style>
+        <p:txBody>
+          <a:bodyPr rtlCol="0" anchor="ctr"/>
+          <a:lstStyle/>
+          <a:p>
+            <a:pPr algn="ctr"/>
+            <a:endParaRPr lang="en-AE"/>
+          </a:p>
+        </p:txBody>
+      </p:sp>
+      <p:sp>
+        <p:nvSpPr>
+          <p:cNvPr id="15" name="Rectangle 14">
+            <a:extLst>
+              <a:ext uri="{FF2B5EF4-FFF2-40B4-BE49-F238E27FC236}">
+                <a16:creationId xmlns:a16="http://schemas.microsoft.com/office/drawing/2014/main" id="{A21488D6-1A0D-0F57-7799-0068F4554FE3}"/>
+              </a:ext>
+            </a:extLst>
+          </p:cNvPr>
+          <p:cNvSpPr/>
+          <p:nvPr/>
+        </p:nvSpPr>
+        <p:spPr>
+          <a:xfrm>
+            <a:off x="934891" y="3354355"/>
+            <a:ext cx="2750699" cy="317240"/>
+          </a:xfrm>
+          <a:prstGeom prst="rect">
+            <a:avLst/>
+          </a:prstGeom>
+          <a:solidFill>
+            <a:schemeClr val="accent1">
+              <a:alpha val="19000"/>
+            </a:schemeClr>
+          </a:solidFill>
+        </p:spPr>
+        <p:style>
+          <a:lnRef idx="2">
+            <a:schemeClr val="accent1">
+              <a:shade val="15000"/>
+            </a:schemeClr>
+          </a:lnRef>
+          <a:fillRef idx="1">
+            <a:schemeClr val="accent1"/>
+          </a:fillRef>
+          <a:effectRef idx="0">
+            <a:schemeClr val="accent1"/>
+          </a:effectRef>
+          <a:fontRef idx="minor">
+            <a:schemeClr val="lt1"/>
+          </a:fontRef>
+        </p:style>
+        <p:txBody>
+          <a:bodyPr rtlCol="0" anchor="ctr"/>
+          <a:lstStyle/>
+          <a:p>
+            <a:pPr algn="ctr"/>
+            <a:endParaRPr lang="en-AE"/>
+          </a:p>
+        </p:txBody>
+      </p:sp>
+      <p:sp>
+        <p:nvSpPr>
+          <p:cNvPr id="2" name="TextBox 1">
+            <a:extLst>
+              <a:ext uri="{FF2B5EF4-FFF2-40B4-BE49-F238E27FC236}">
+                <a16:creationId xmlns:a16="http://schemas.microsoft.com/office/drawing/2014/main" id="{9D7D6FC6-1BE1-8006-DAC3-F56FCC09FECD}"/>
+              </a:ext>
+            </a:extLst>
+          </p:cNvPr>
+          <p:cNvSpPr txBox="1"/>
+          <p:nvPr/>
+        </p:nvSpPr>
+        <p:spPr>
+          <a:xfrm>
+            <a:off x="2416629" y="223935"/>
+            <a:ext cx="7203232" cy="646331"/>
+          </a:xfrm>
+          <a:prstGeom prst="rect">
+            <a:avLst/>
+          </a:prstGeom>
+          <a:noFill/>
+        </p:spPr>
+        <p:txBody>
+          <a:bodyPr wrap="square" rtlCol="0">
+            <a:spAutoFit/>
+          </a:bodyPr>
+          <a:lstStyle/>
+          <a:p>
+            <a:r>
+              <a:rPr lang="en-US" sz="3600" b="1" dirty="0">
+                <a:solidFill>
+                  <a:srgbClr val="002060"/>
+                </a:solidFill>
+              </a:rPr>
+              <a:t>       Personal Finance Manager</a:t>
+            </a:r>
+            <a:endParaRPr lang="en-AE" sz="3600" b="1" dirty="0">
+              <a:solidFill>
+                <a:srgbClr val="002060"/>
+              </a:solidFill>
+            </a:endParaRPr>
+          </a:p>
+        </p:txBody>
+      </p:sp>
       <p:pic>
         <p:nvPicPr>
-          <p:cNvPr id="8" name="Picture 7">
-            <a:extLst>
-              <a:ext uri="{FF2B5EF4-FFF2-40B4-BE49-F238E27FC236}">
-                <a16:creationId xmlns:a16="http://schemas.microsoft.com/office/drawing/2014/main" id="{4D0A909C-B9F7-BF96-2867-72D5564D8139}"/>
+          <p:cNvPr id="5" name="Picture 4">
+            <a:extLst>
+              <a:ext uri="{FF2B5EF4-FFF2-40B4-BE49-F238E27FC236}">
+                <a16:creationId xmlns:a16="http://schemas.microsoft.com/office/drawing/2014/main" id="{80AECA76-97F3-F421-9D39-ACB8BFE26074}"/>
               </a:ext>
             </a:extLst>
           </p:cNvPr>
@@ -4317,8 +4557,8 @@
         </p:blipFill>
         <p:spPr>
           <a:xfrm>
-            <a:off x="4357039" y="1099436"/>
-            <a:ext cx="7585788" cy="4105848"/>
+            <a:off x="10561002" y="6060527"/>
+            <a:ext cx="1125066" cy="554476"/>
           </a:xfrm>
           <a:prstGeom prst="rect">
             <a:avLst/>
@@ -4327,10 +4567,10 @@
       </p:pic>
       <p:pic>
         <p:nvPicPr>
-          <p:cNvPr id="10" name="Picture 9">
-            <a:extLst>
-              <a:ext uri="{FF2B5EF4-FFF2-40B4-BE49-F238E27FC236}">
-                <a16:creationId xmlns:a16="http://schemas.microsoft.com/office/drawing/2014/main" id="{7B7FA013-103F-21FF-DA29-B65CCD865399}"/>
+          <p:cNvPr id="11" name="Picture 10">
+            <a:extLst>
+              <a:ext uri="{FF2B5EF4-FFF2-40B4-BE49-F238E27FC236}">
+                <a16:creationId xmlns:a16="http://schemas.microsoft.com/office/drawing/2014/main" id="{1CCDCABD-C181-68F3-A5E1-4BC71B22338D}"/>
               </a:ext>
             </a:extLst>
           </p:cNvPr>
@@ -4340,15 +4580,21 @@
           <p:nvPr/>
         </p:nvPicPr>
         <p:blipFill>
-          <a:blip r:embed="rId4"/>
+          <a:blip r:embed="rId4">
+            <a:extLst>
+              <a:ext uri="{28A0092B-C50C-407E-A947-70E740481C1C}">
+                <a14:useLocalDpi xmlns:a14="http://schemas.microsoft.com/office/drawing/2010/main" val="0"/>
+              </a:ext>
+            </a:extLst>
+          </a:blip>
           <a:stretch>
             <a:fillRect/>
           </a:stretch>
         </p:blipFill>
         <p:spPr>
           <a:xfrm>
-            <a:off x="4357039" y="1148236"/>
-            <a:ext cx="7315199" cy="3872205"/>
+            <a:off x="4524375" y="1000390"/>
+            <a:ext cx="7443691" cy="4857219"/>
           </a:xfrm>
           <a:prstGeom prst="rect">
             <a:avLst/>
@@ -4357,10 +4603,10 @@
       </p:pic>
       <p:pic>
         <p:nvPicPr>
-          <p:cNvPr id="12" name="Picture 11">
-            <a:extLst>
-              <a:ext uri="{FF2B5EF4-FFF2-40B4-BE49-F238E27FC236}">
-                <a16:creationId xmlns:a16="http://schemas.microsoft.com/office/drawing/2014/main" id="{9C598C2E-5807-36F2-2899-433BA07F2D69}"/>
+          <p:cNvPr id="21" name="Picture 20">
+            <a:extLst>
+              <a:ext uri="{FF2B5EF4-FFF2-40B4-BE49-F238E27FC236}">
+                <a16:creationId xmlns:a16="http://schemas.microsoft.com/office/drawing/2014/main" id="{3F39DD41-DF21-B2A3-124A-A79B50FB8711}"/>
               </a:ext>
             </a:extLst>
           </p:cNvPr>
@@ -4370,224 +4616,33 @@
           <p:nvPr/>
         </p:nvPicPr>
         <p:blipFill>
-          <a:blip r:embed="rId5"/>
+          <a:blip r:embed="rId5">
+            <a:extLst>
+              <a:ext uri="{28A0092B-C50C-407E-A947-70E740481C1C}">
+                <a14:useLocalDpi xmlns:a14="http://schemas.microsoft.com/office/drawing/2010/main" val="0"/>
+              </a:ext>
+            </a:extLst>
+          </a:blip>
           <a:stretch>
             <a:fillRect/>
           </a:stretch>
         </p:blipFill>
         <p:spPr>
           <a:xfrm>
-            <a:off x="4484834" y="1166219"/>
-            <a:ext cx="7457993" cy="4153480"/>
+            <a:off x="4636342" y="870266"/>
+            <a:ext cx="7443691" cy="5186929"/>
           </a:xfrm>
           <a:prstGeom prst="rect">
             <a:avLst/>
           </a:prstGeom>
         </p:spPr>
       </p:pic>
-      <p:sp>
-        <p:nvSpPr>
-          <p:cNvPr id="13" name="Rectangle 12">
-            <a:extLst>
-              <a:ext uri="{FF2B5EF4-FFF2-40B4-BE49-F238E27FC236}">
-                <a16:creationId xmlns:a16="http://schemas.microsoft.com/office/drawing/2014/main" id="{980A5BF8-6F20-045B-9869-3734FF274605}"/>
-              </a:ext>
-            </a:extLst>
-          </p:cNvPr>
-          <p:cNvSpPr/>
-          <p:nvPr/>
-        </p:nvSpPr>
-        <p:spPr>
-          <a:xfrm>
-            <a:off x="934893" y="2573892"/>
-            <a:ext cx="2750699" cy="317240"/>
-          </a:xfrm>
-          <a:prstGeom prst="rect">
-            <a:avLst/>
-          </a:prstGeom>
-          <a:solidFill>
-            <a:schemeClr val="accent1">
-              <a:alpha val="19000"/>
-            </a:schemeClr>
-          </a:solidFill>
-        </p:spPr>
-        <p:style>
-          <a:lnRef idx="2">
-            <a:schemeClr val="accent1">
-              <a:shade val="15000"/>
-            </a:schemeClr>
-          </a:lnRef>
-          <a:fillRef idx="1">
-            <a:schemeClr val="accent1"/>
-          </a:fillRef>
-          <a:effectRef idx="0">
-            <a:schemeClr val="accent1"/>
-          </a:effectRef>
-          <a:fontRef idx="minor">
-            <a:schemeClr val="lt1"/>
-          </a:fontRef>
-        </p:style>
-        <p:txBody>
-          <a:bodyPr rtlCol="0" anchor="ctr"/>
-          <a:lstStyle/>
-          <a:p>
-            <a:pPr algn="ctr"/>
-            <a:endParaRPr lang="en-AE"/>
-          </a:p>
-        </p:txBody>
-      </p:sp>
-      <p:sp>
-        <p:nvSpPr>
-          <p:cNvPr id="14" name="Rectangle 13">
-            <a:extLst>
-              <a:ext uri="{FF2B5EF4-FFF2-40B4-BE49-F238E27FC236}">
-                <a16:creationId xmlns:a16="http://schemas.microsoft.com/office/drawing/2014/main" id="{9554DD73-0FF3-BA43-6E9E-920BC935450F}"/>
-              </a:ext>
-            </a:extLst>
-          </p:cNvPr>
-          <p:cNvSpPr/>
-          <p:nvPr/>
-        </p:nvSpPr>
-        <p:spPr>
-          <a:xfrm>
-            <a:off x="934892" y="2925719"/>
-            <a:ext cx="2750699" cy="317240"/>
-          </a:xfrm>
-          <a:prstGeom prst="rect">
-            <a:avLst/>
-          </a:prstGeom>
-          <a:solidFill>
-            <a:schemeClr val="accent1">
-              <a:alpha val="19000"/>
-            </a:schemeClr>
-          </a:solidFill>
-        </p:spPr>
-        <p:style>
-          <a:lnRef idx="2">
-            <a:schemeClr val="accent1">
-              <a:shade val="15000"/>
-            </a:schemeClr>
-          </a:lnRef>
-          <a:fillRef idx="1">
-            <a:schemeClr val="accent1"/>
-          </a:fillRef>
-          <a:effectRef idx="0">
-            <a:schemeClr val="accent1"/>
-          </a:effectRef>
-          <a:fontRef idx="minor">
-            <a:schemeClr val="lt1"/>
-          </a:fontRef>
-        </p:style>
-        <p:txBody>
-          <a:bodyPr rtlCol="0" anchor="ctr"/>
-          <a:lstStyle/>
-          <a:p>
-            <a:pPr algn="ctr"/>
-            <a:endParaRPr lang="en-AE"/>
-          </a:p>
-        </p:txBody>
-      </p:sp>
-      <p:sp>
-        <p:nvSpPr>
-          <p:cNvPr id="15" name="Rectangle 14">
-            <a:extLst>
-              <a:ext uri="{FF2B5EF4-FFF2-40B4-BE49-F238E27FC236}">
-                <a16:creationId xmlns:a16="http://schemas.microsoft.com/office/drawing/2014/main" id="{A21488D6-1A0D-0F57-7799-0068F4554FE3}"/>
-              </a:ext>
-            </a:extLst>
-          </p:cNvPr>
-          <p:cNvSpPr/>
-          <p:nvPr/>
-        </p:nvSpPr>
-        <p:spPr>
-          <a:xfrm>
-            <a:off x="934891" y="3354355"/>
-            <a:ext cx="2750699" cy="317240"/>
-          </a:xfrm>
-          <a:prstGeom prst="rect">
-            <a:avLst/>
-          </a:prstGeom>
-          <a:solidFill>
-            <a:schemeClr val="accent1">
-              <a:alpha val="19000"/>
-            </a:schemeClr>
-          </a:solidFill>
-        </p:spPr>
-        <p:style>
-          <a:lnRef idx="2">
-            <a:schemeClr val="accent1">
-              <a:shade val="15000"/>
-            </a:schemeClr>
-          </a:lnRef>
-          <a:fillRef idx="1">
-            <a:schemeClr val="accent1"/>
-          </a:fillRef>
-          <a:effectRef idx="0">
-            <a:schemeClr val="accent1"/>
-          </a:effectRef>
-          <a:fontRef idx="minor">
-            <a:schemeClr val="lt1"/>
-          </a:fontRef>
-        </p:style>
-        <p:txBody>
-          <a:bodyPr rtlCol="0" anchor="ctr"/>
-          <a:lstStyle/>
-          <a:p>
-            <a:pPr algn="ctr"/>
-            <a:endParaRPr lang="en-AE"/>
-          </a:p>
-        </p:txBody>
-      </p:sp>
-      <p:sp>
-        <p:nvSpPr>
-          <p:cNvPr id="2" name="TextBox 1">
-            <a:extLst>
-              <a:ext uri="{FF2B5EF4-FFF2-40B4-BE49-F238E27FC236}">
-                <a16:creationId xmlns:a16="http://schemas.microsoft.com/office/drawing/2014/main" id="{9D7D6FC6-1BE1-8006-DAC3-F56FCC09FECD}"/>
-              </a:ext>
-            </a:extLst>
-          </p:cNvPr>
-          <p:cNvSpPr txBox="1"/>
-          <p:nvPr/>
-        </p:nvSpPr>
-        <p:spPr>
-          <a:xfrm>
-            <a:off x="2416629" y="223935"/>
-            <a:ext cx="7203232" cy="646331"/>
-          </a:xfrm>
-          <a:prstGeom prst="rect">
-            <a:avLst/>
-          </a:prstGeom>
-          <a:noFill/>
-        </p:spPr>
-        <p:txBody>
-          <a:bodyPr wrap="square" rtlCol="0">
-            <a:spAutoFit/>
-          </a:bodyPr>
-          <a:lstStyle/>
-          <a:p>
-            <a:r>
-              <a:rPr lang="en-US" sz="3600" b="1" dirty="0">
-                <a:solidFill>
-                  <a:srgbClr val="002060"/>
-                </a:solidFill>
-              </a:rPr>
-              <a:t>       Personal Finance Manager</a:t>
-            </a:r>
-            <a:endParaRPr lang="en-AE" sz="3600" b="1" dirty="0">
-              <a:solidFill>
-                <a:srgbClr val="002060"/>
-              </a:solidFill>
-            </a:endParaRPr>
-          </a:p>
-        </p:txBody>
-      </p:sp>
       <p:pic>
         <p:nvPicPr>
-          <p:cNvPr id="5" name="Picture 4">
-            <a:extLst>
-              <a:ext uri="{FF2B5EF4-FFF2-40B4-BE49-F238E27FC236}">
-                <a16:creationId xmlns:a16="http://schemas.microsoft.com/office/drawing/2014/main" id="{80AECA76-97F3-F421-9D39-ACB8BFE26074}"/>
+          <p:cNvPr id="23" name="Picture 22">
+            <a:extLst>
+              <a:ext uri="{FF2B5EF4-FFF2-40B4-BE49-F238E27FC236}">
+                <a16:creationId xmlns:a16="http://schemas.microsoft.com/office/drawing/2014/main" id="{039EEA8A-181B-4F9A-943E-204D5BC7C166}"/>
               </a:ext>
             </a:extLst>
           </p:cNvPr>
@@ -4597,15 +4652,21 @@
           <p:nvPr/>
         </p:nvPicPr>
         <p:blipFill>
-          <a:blip r:embed="rId6"/>
+          <a:blip r:embed="rId6">
+            <a:extLst>
+              <a:ext uri="{28A0092B-C50C-407E-A947-70E740481C1C}">
+                <a14:useLocalDpi xmlns:a14="http://schemas.microsoft.com/office/drawing/2010/main" val="0"/>
+              </a:ext>
+            </a:extLst>
+          </a:blip>
           <a:stretch>
             <a:fillRect/>
           </a:stretch>
         </p:blipFill>
         <p:spPr>
           <a:xfrm>
-            <a:off x="10561002" y="6060527"/>
-            <a:ext cx="1125066" cy="554476"/>
+            <a:off x="4721357" y="933402"/>
+            <a:ext cx="7273660" cy="5186930"/>
           </a:xfrm>
           <a:prstGeom prst="rect">
             <a:avLst/>
@@ -4680,7 +4741,7 @@
                               <p:par>
                                 <p:cTn id="8" presetID="10" presetClass="entr" presetSubtype="0" fill="hold" nodeType="withEffect">
                                   <p:stCondLst>
-                                    <p:cond delay="1100"/>
+                                    <p:cond delay="1000"/>
                                   </p:stCondLst>
                                   <p:childTnLst>
                                     <p:set>
@@ -4691,7 +4752,7 @@
                                           </p:stCondLst>
                                         </p:cTn>
                                         <p:tgtEl>
-                                          <p:spTgt spid="8"/>
+                                          <p:spTgt spid="11"/>
                                         </p:tgtEl>
                                         <p:attrNameLst>
                                           <p:attrName>style.visibility</p:attrName>
@@ -4705,7 +4766,7 @@
                                       <p:cBhvr>
                                         <p:cTn id="10" dur="500"/>
                                         <p:tgtEl>
-                                          <p:spTgt spid="8"/>
+                                          <p:spTgt spid="11"/>
                                         </p:tgtEl>
                                       </p:cBhvr>
                                     </p:animEffect>
@@ -4731,7 +4792,7 @@
                             </p:stCondLst>
                             <p:childTnLst>
                               <p:par>
-                                <p:cTn id="13" presetID="10" presetClass="exit" presetSubtype="0" fill="hold" nodeType="clickEffect">
+                                <p:cTn id="13" presetID="10" presetClass="exit" presetSubtype="0" fill="hold" grpId="1" nodeType="clickEffect">
                                   <p:stCondLst>
                                     <p:cond delay="0"/>
                                   </p:stCondLst>
@@ -4740,66 +4801,13 @@
                                       <p:cBhvr>
                                         <p:cTn id="14" dur="500"/>
                                         <p:tgtEl>
-                                          <p:spTgt spid="8"/>
+                                          <p:spTgt spid="13"/>
                                         </p:tgtEl>
                                       </p:cBhvr>
                                     </p:animEffect>
                                     <p:set>
                                       <p:cBhvr>
                                         <p:cTn id="15" dur="1" fill="hold">
-                                          <p:stCondLst>
-                                            <p:cond delay="499"/>
-                                          </p:stCondLst>
-                                        </p:cTn>
-                                        <p:tgtEl>
-                                          <p:spTgt spid="8"/>
-                                        </p:tgtEl>
-                                        <p:attrNameLst>
-                                          <p:attrName>style.visibility</p:attrName>
-                                        </p:attrNameLst>
-                                      </p:cBhvr>
-                                      <p:to>
-                                        <p:strVal val="hidden"/>
-                                      </p:to>
-                                    </p:set>
-                                  </p:childTnLst>
-                                </p:cTn>
-                              </p:par>
-                            </p:childTnLst>
-                          </p:cTn>
-                        </p:par>
-                      </p:childTnLst>
-                    </p:cTn>
-                  </p:par>
-                  <p:par>
-                    <p:cTn id="16" fill="hold">
-                      <p:stCondLst>
-                        <p:cond delay="indefinite"/>
-                      </p:stCondLst>
-                      <p:childTnLst>
-                        <p:par>
-                          <p:cTn id="17" fill="hold">
-                            <p:stCondLst>
-                              <p:cond delay="0"/>
-                            </p:stCondLst>
-                            <p:childTnLst>
-                              <p:par>
-                                <p:cTn id="18" presetID="10" presetClass="exit" presetSubtype="0" fill="hold" grpId="1" nodeType="clickEffect">
-                                  <p:stCondLst>
-                                    <p:cond delay="0"/>
-                                  </p:stCondLst>
-                                  <p:childTnLst>
-                                    <p:animEffect transition="out" filter="fade">
-                                      <p:cBhvr>
-                                        <p:cTn id="19" dur="500"/>
-                                        <p:tgtEl>
-                                          <p:spTgt spid="13"/>
-                                        </p:tgtEl>
-                                      </p:cBhvr>
-                                    </p:animEffect>
-                                    <p:set>
-                                      <p:cBhvr>
-                                        <p:cTn id="20" dur="1" fill="hold">
                                           <p:stCondLst>
                                             <p:cond delay="499"/>
                                           </p:stCondLst>
@@ -4819,14 +4827,49 @@
                                 </p:cTn>
                               </p:par>
                               <p:par>
-                                <p:cTn id="21" presetID="4" presetClass="entr" presetSubtype="16" fill="hold" grpId="0" nodeType="withEffect">
+                                <p:cTn id="16" presetID="10" presetClass="exit" presetSubtype="0" fill="hold" nodeType="withEffect">
+                                  <p:stCondLst>
+                                    <p:cond delay="0"/>
+                                  </p:stCondLst>
+                                  <p:childTnLst>
+                                    <p:animEffect transition="out" filter="fade">
+                                      <p:cBhvr>
+                                        <p:cTn id="17" dur="500"/>
+                                        <p:tgtEl>
+                                          <p:spTgt spid="11"/>
+                                        </p:tgtEl>
+                                      </p:cBhvr>
+                                    </p:animEffect>
+                                    <p:set>
+                                      <p:cBhvr>
+                                        <p:cTn id="18" dur="1" fill="hold">
+                                          <p:stCondLst>
+                                            <p:cond delay="499"/>
+                                          </p:stCondLst>
+                                        </p:cTn>
+                                        <p:tgtEl>
+                                          <p:spTgt spid="11"/>
+                                        </p:tgtEl>
+                                        <p:attrNameLst>
+                                          <p:attrName>style.visibility</p:attrName>
+                                        </p:attrNameLst>
+                                      </p:cBhvr>
+                                      <p:to>
+                                        <p:strVal val="hidden"/>
+                                      </p:to>
+                                    </p:set>
+                                  </p:childTnLst>
+                                </p:cTn>
+                              </p:par>
+                              <p:par>
+                                <p:cTn id="19" presetID="4" presetClass="entr" presetSubtype="16" fill="hold" grpId="0" nodeType="withEffect">
                                   <p:stCondLst>
                                     <p:cond delay="0"/>
                                   </p:stCondLst>
                                   <p:childTnLst>
                                     <p:set>
                                       <p:cBhvr>
-                                        <p:cTn id="22" dur="1" fill="hold">
+                                        <p:cTn id="20" dur="1" fill="hold">
                                           <p:stCondLst>
                                             <p:cond delay="0"/>
                                           </p:stCondLst>
@@ -4844,7 +4887,7 @@
                                     </p:set>
                                     <p:animEffect transition="in" filter="box(in)">
                                       <p:cBhvr>
-                                        <p:cTn id="23" dur="2000"/>
+                                        <p:cTn id="21" dur="2000"/>
                                         <p:tgtEl>
                                           <p:spTgt spid="14"/>
                                         </p:tgtEl>
@@ -4854,20 +4897,20 @@
                                 </p:cTn>
                               </p:par>
                               <p:par>
-                                <p:cTn id="24" presetID="10" presetClass="entr" presetSubtype="0" fill="hold" nodeType="withEffect">
+                                <p:cTn id="22" presetID="10" presetClass="entr" presetSubtype="0" fill="hold" nodeType="withEffect">
                                   <p:stCondLst>
-                                    <p:cond delay="0"/>
+                                    <p:cond delay="600"/>
                                   </p:stCondLst>
                                   <p:childTnLst>
                                     <p:set>
                                       <p:cBhvr>
-                                        <p:cTn id="25" dur="1" fill="hold">
+                                        <p:cTn id="23" dur="1" fill="hold">
                                           <p:stCondLst>
                                             <p:cond delay="0"/>
                                           </p:stCondLst>
                                         </p:cTn>
                                         <p:tgtEl>
-                                          <p:spTgt spid="10"/>
+                                          <p:spTgt spid="21"/>
                                         </p:tgtEl>
                                         <p:attrNameLst>
                                           <p:attrName>style.visibility</p:attrName>
@@ -4879,9 +4922,9 @@
                                     </p:set>
                                     <p:animEffect transition="in" filter="fade">
                                       <p:cBhvr>
-                                        <p:cTn id="26" dur="500"/>
+                                        <p:cTn id="24" dur="500"/>
                                         <p:tgtEl>
-                                          <p:spTgt spid="10"/>
+                                          <p:spTgt spid="21"/>
                                         </p:tgtEl>
                                       </p:cBhvr>
                                     </p:animEffect>
@@ -4895,79 +4938,26 @@
                     </p:cTn>
                   </p:par>
                   <p:par>
-                    <p:cTn id="27" fill="hold">
+                    <p:cTn id="25" fill="hold">
                       <p:stCondLst>
                         <p:cond delay="indefinite"/>
                       </p:stCondLst>
                       <p:childTnLst>
                         <p:par>
-                          <p:cTn id="28" fill="hold">
+                          <p:cTn id="26" fill="hold">
                             <p:stCondLst>
                               <p:cond delay="0"/>
                             </p:stCondLst>
                             <p:childTnLst>
                               <p:par>
-                                <p:cTn id="29" presetID="10" presetClass="exit" presetSubtype="0" fill="hold" nodeType="clickEffect">
+                                <p:cTn id="27" presetID="10" presetClass="exit" presetSubtype="0" fill="hold" grpId="1" nodeType="clickEffect">
                                   <p:stCondLst>
                                     <p:cond delay="0"/>
                                   </p:stCondLst>
                                   <p:childTnLst>
                                     <p:animEffect transition="out" filter="fade">
                                       <p:cBhvr>
-                                        <p:cTn id="30" dur="500"/>
-                                        <p:tgtEl>
-                                          <p:spTgt spid="10"/>
-                                        </p:tgtEl>
-                                      </p:cBhvr>
-                                    </p:animEffect>
-                                    <p:set>
-                                      <p:cBhvr>
-                                        <p:cTn id="31" dur="1" fill="hold">
-                                          <p:stCondLst>
-                                            <p:cond delay="499"/>
-                                          </p:stCondLst>
-                                        </p:cTn>
-                                        <p:tgtEl>
-                                          <p:spTgt spid="10"/>
-                                        </p:tgtEl>
-                                        <p:attrNameLst>
-                                          <p:attrName>style.visibility</p:attrName>
-                                        </p:attrNameLst>
-                                      </p:cBhvr>
-                                      <p:to>
-                                        <p:strVal val="hidden"/>
-                                      </p:to>
-                                    </p:set>
-                                  </p:childTnLst>
-                                </p:cTn>
-                              </p:par>
-                            </p:childTnLst>
-                          </p:cTn>
-                        </p:par>
-                      </p:childTnLst>
-                    </p:cTn>
-                  </p:par>
-                  <p:par>
-                    <p:cTn id="32" fill="hold">
-                      <p:stCondLst>
-                        <p:cond delay="indefinite"/>
-                      </p:stCondLst>
-                      <p:childTnLst>
-                        <p:par>
-                          <p:cTn id="33" fill="hold">
-                            <p:stCondLst>
-                              <p:cond delay="0"/>
-                            </p:stCondLst>
-                            <p:childTnLst>
-                              <p:par>
-                                <p:cTn id="34" presetID="10" presetClass="exit" presetSubtype="0" fill="hold" grpId="1" nodeType="clickEffect">
-                                  <p:stCondLst>
-                                    <p:cond delay="0"/>
-                                  </p:stCondLst>
-                                  <p:childTnLst>
-                                    <p:animEffect transition="out" filter="fade">
-                                      <p:cBhvr>
-                                        <p:cTn id="35" dur="500"/>
+                                        <p:cTn id="28" dur="500"/>
                                         <p:tgtEl>
                                           <p:spTgt spid="14"/>
                                         </p:tgtEl>
@@ -4975,7 +4965,7 @@
                                     </p:animEffect>
                                     <p:set>
                                       <p:cBhvr>
-                                        <p:cTn id="36" dur="1" fill="hold">
+                                        <p:cTn id="29" dur="1" fill="hold">
                                           <p:stCondLst>
                                             <p:cond delay="499"/>
                                           </p:stCondLst>
@@ -4995,14 +4985,49 @@
                                 </p:cTn>
                               </p:par>
                               <p:par>
-                                <p:cTn id="37" presetID="4" presetClass="entr" presetSubtype="16" fill="hold" grpId="0" nodeType="withEffect">
+                                <p:cTn id="30" presetID="10" presetClass="exit" presetSubtype="0" fill="hold" nodeType="withEffect">
+                                  <p:stCondLst>
+                                    <p:cond delay="0"/>
+                                  </p:stCondLst>
+                                  <p:childTnLst>
+                                    <p:animEffect transition="out" filter="fade">
+                                      <p:cBhvr>
+                                        <p:cTn id="31" dur="500"/>
+                                        <p:tgtEl>
+                                          <p:spTgt spid="21"/>
+                                        </p:tgtEl>
+                                      </p:cBhvr>
+                                    </p:animEffect>
+                                    <p:set>
+                                      <p:cBhvr>
+                                        <p:cTn id="32" dur="1" fill="hold">
+                                          <p:stCondLst>
+                                            <p:cond delay="499"/>
+                                          </p:stCondLst>
+                                        </p:cTn>
+                                        <p:tgtEl>
+                                          <p:spTgt spid="21"/>
+                                        </p:tgtEl>
+                                        <p:attrNameLst>
+                                          <p:attrName>style.visibility</p:attrName>
+                                        </p:attrNameLst>
+                                      </p:cBhvr>
+                                      <p:to>
+                                        <p:strVal val="hidden"/>
+                                      </p:to>
+                                    </p:set>
+                                  </p:childTnLst>
+                                </p:cTn>
+                              </p:par>
+                              <p:par>
+                                <p:cTn id="33" presetID="4" presetClass="entr" presetSubtype="16" fill="hold" grpId="0" nodeType="withEffect">
                                   <p:stCondLst>
                                     <p:cond delay="0"/>
                                   </p:stCondLst>
                                   <p:childTnLst>
                                     <p:set>
                                       <p:cBhvr>
-                                        <p:cTn id="38" dur="1" fill="hold">
+                                        <p:cTn id="34" dur="1" fill="hold">
                                           <p:stCondLst>
                                             <p:cond delay="0"/>
                                           </p:stCondLst>
@@ -5020,7 +5045,7 @@
                                     </p:set>
                                     <p:animEffect transition="in" filter="box(in)">
                                       <p:cBhvr>
-                                        <p:cTn id="39" dur="2000"/>
+                                        <p:cTn id="35" dur="2000"/>
                                         <p:tgtEl>
                                           <p:spTgt spid="15"/>
                                         </p:tgtEl>
@@ -5030,20 +5055,20 @@
                                 </p:cTn>
                               </p:par>
                               <p:par>
-                                <p:cTn id="40" presetID="10" presetClass="entr" presetSubtype="0" fill="hold" nodeType="withEffect">
+                                <p:cTn id="36" presetID="10" presetClass="entr" presetSubtype="0" fill="hold" nodeType="withEffect">
                                   <p:stCondLst>
-                                    <p:cond delay="0"/>
+                                    <p:cond delay="800"/>
                                   </p:stCondLst>
                                   <p:childTnLst>
                                     <p:set>
                                       <p:cBhvr>
-                                        <p:cTn id="41" dur="1" fill="hold">
+                                        <p:cTn id="37" dur="1" fill="hold">
                                           <p:stCondLst>
                                             <p:cond delay="0"/>
                                           </p:stCondLst>
                                         </p:cTn>
                                         <p:tgtEl>
-                                          <p:spTgt spid="12"/>
+                                          <p:spTgt spid="23"/>
                                         </p:tgtEl>
                                         <p:attrNameLst>
                                           <p:attrName>style.visibility</p:attrName>
@@ -5055,9 +5080,9 @@
                                     </p:set>
                                     <p:animEffect transition="in" filter="fade">
                                       <p:cBhvr>
-                                        <p:cTn id="42" dur="500"/>
+                                        <p:cTn id="38" dur="500"/>
                                         <p:tgtEl>
-                                          <p:spTgt spid="12"/>
+                                          <p:spTgt spid="23"/>
                                         </p:tgtEl>
                                       </p:cBhvr>
                                     </p:animEffect>
@@ -5071,26 +5096,26 @@
                     </p:cTn>
                   </p:par>
                   <p:par>
-                    <p:cTn id="43" fill="hold">
+                    <p:cTn id="39" fill="hold">
                       <p:stCondLst>
                         <p:cond delay="indefinite"/>
                       </p:stCondLst>
                       <p:childTnLst>
                         <p:par>
-                          <p:cTn id="44" fill="hold">
+                          <p:cTn id="40" fill="hold">
                             <p:stCondLst>
                               <p:cond delay="0"/>
                             </p:stCondLst>
                             <p:childTnLst>
                               <p:par>
-                                <p:cTn id="45" presetID="10" presetClass="exit" presetSubtype="0" fill="hold" grpId="1" nodeType="clickEffect">
+                                <p:cTn id="41" presetID="10" presetClass="exit" presetSubtype="0" fill="hold" grpId="1" nodeType="clickEffect">
                                   <p:stCondLst>
                                     <p:cond delay="0"/>
                                   </p:stCondLst>
                                   <p:childTnLst>
                                     <p:animEffect transition="out" filter="fade">
                                       <p:cBhvr>
-                                        <p:cTn id="46" dur="500"/>
+                                        <p:cTn id="42" dur="500"/>
                                         <p:tgtEl>
                                           <p:spTgt spid="15"/>
                                         </p:tgtEl>
@@ -5098,13 +5123,48 @@
                                     </p:animEffect>
                                     <p:set>
                                       <p:cBhvr>
-                                        <p:cTn id="47" dur="1" fill="hold">
+                                        <p:cTn id="43" dur="1" fill="hold">
                                           <p:stCondLst>
                                             <p:cond delay="499"/>
                                           </p:stCondLst>
                                         </p:cTn>
                                         <p:tgtEl>
                                           <p:spTgt spid="15"/>
+                                        </p:tgtEl>
+                                        <p:attrNameLst>
+                                          <p:attrName>style.visibility</p:attrName>
+                                        </p:attrNameLst>
+                                      </p:cBhvr>
+                                      <p:to>
+                                        <p:strVal val="hidden"/>
+                                      </p:to>
+                                    </p:set>
+                                  </p:childTnLst>
+                                </p:cTn>
+                              </p:par>
+                              <p:par>
+                                <p:cTn id="44" presetID="10" presetClass="exit" presetSubtype="0" fill="hold" nodeType="withEffect">
+                                  <p:stCondLst>
+                                    <p:cond delay="0"/>
+                                  </p:stCondLst>
+                                  <p:childTnLst>
+                                    <p:animEffect transition="out" filter="fade">
+                                      <p:cBhvr>
+                                        <p:cTn id="45" dur="500"/>
+                                        <p:tgtEl>
+                                          <p:spTgt spid="23"/>
+                                        </p:tgtEl>
+                                      </p:cBhvr>
+                                    </p:animEffect>
+                                    <p:set>
+                                      <p:cBhvr>
+                                        <p:cTn id="46" dur="1" fill="hold">
+                                          <p:stCondLst>
+                                            <p:cond delay="499"/>
+                                          </p:stCondLst>
+                                        </p:cTn>
+                                        <p:tgtEl>
+                                          <p:spTgt spid="23"/>
                                         </p:tgtEl>
                                         <p:attrNameLst>
                                           <p:attrName>style.visibility</p:attrName>
@@ -5156,140 +5216,6 @@
 </p:sld>
 </file>
 
-<file path=ppt/slides/slide12.xml><?xml version="1.0" encoding="utf-8"?>
-<p:sld xmlns:a="http://schemas.openxmlformats.org/drawingml/2006/main" xmlns:r="http://schemas.openxmlformats.org/officeDocument/2006/relationships" xmlns:p="http://schemas.openxmlformats.org/presentationml/2006/main">
-  <p:cSld>
-    <p:spTree>
-      <p:nvGrpSpPr>
-        <p:cNvPr id="1" name=""/>
-        <p:cNvGrpSpPr/>
-        <p:nvPr/>
-      </p:nvGrpSpPr>
-      <p:grpSpPr>
-        <a:xfrm>
-          <a:off x="0" y="0"/>
-          <a:ext cx="0" cy="0"/>
-          <a:chOff x="0" y="0"/>
-          <a:chExt cx="0" cy="0"/>
-        </a:xfrm>
-      </p:grpSpPr>
-      <p:pic>
-        <p:nvPicPr>
-          <p:cNvPr id="7" name="Picture 6">
-            <a:extLst>
-              <a:ext uri="{FF2B5EF4-FFF2-40B4-BE49-F238E27FC236}">
-                <a16:creationId xmlns:a16="http://schemas.microsoft.com/office/drawing/2014/main" id="{1C37761D-905A-222D-9A80-BD0EA3396154}"/>
-              </a:ext>
-            </a:extLst>
-          </p:cNvPr>
-          <p:cNvPicPr>
-            <a:picLocks noChangeAspect="1"/>
-          </p:cNvPicPr>
-          <p:nvPr/>
-        </p:nvPicPr>
-        <p:blipFill>
-          <a:blip r:embed="rId2"/>
-          <a:stretch>
-            <a:fillRect/>
-          </a:stretch>
-        </p:blipFill>
-        <p:spPr>
-          <a:xfrm>
-            <a:off x="1380929" y="1479316"/>
-            <a:ext cx="9638523" cy="4851089"/>
-          </a:xfrm>
-          <a:prstGeom prst="rect">
-            <a:avLst/>
-          </a:prstGeom>
-        </p:spPr>
-      </p:pic>
-      <p:sp>
-        <p:nvSpPr>
-          <p:cNvPr id="8" name="TextBox 7">
-            <a:extLst>
-              <a:ext uri="{FF2B5EF4-FFF2-40B4-BE49-F238E27FC236}">
-                <a16:creationId xmlns:a16="http://schemas.microsoft.com/office/drawing/2014/main" id="{797518DE-9372-8126-DEB0-CD26F7EC706C}"/>
-              </a:ext>
-            </a:extLst>
-          </p:cNvPr>
-          <p:cNvSpPr txBox="1"/>
-          <p:nvPr/>
-        </p:nvSpPr>
-        <p:spPr>
-          <a:xfrm>
-            <a:off x="4488024" y="401216"/>
-            <a:ext cx="5542384" cy="707886"/>
-          </a:xfrm>
-          <a:prstGeom prst="rect">
-            <a:avLst/>
-          </a:prstGeom>
-          <a:noFill/>
-        </p:spPr>
-        <p:txBody>
-          <a:bodyPr wrap="square" rtlCol="0">
-            <a:spAutoFit/>
-          </a:bodyPr>
-          <a:lstStyle/>
-          <a:p>
-            <a:r>
-              <a:rPr lang="en-US" sz="4000" b="1" dirty="0">
-                <a:solidFill>
-                  <a:srgbClr val="002060"/>
-                </a:solidFill>
-              </a:rPr>
-              <a:t>Dashboard</a:t>
-            </a:r>
-            <a:endParaRPr lang="en-AE" sz="4000" b="1" dirty="0">
-              <a:solidFill>
-                <a:srgbClr val="002060"/>
-              </a:solidFill>
-            </a:endParaRPr>
-          </a:p>
-        </p:txBody>
-      </p:sp>
-      <p:pic>
-        <p:nvPicPr>
-          <p:cNvPr id="10" name="Picture 9">
-            <a:extLst>
-              <a:ext uri="{FF2B5EF4-FFF2-40B4-BE49-F238E27FC236}">
-                <a16:creationId xmlns:a16="http://schemas.microsoft.com/office/drawing/2014/main" id="{447CB707-D1DA-FAFC-FD27-907EA6DE4181}"/>
-              </a:ext>
-            </a:extLst>
-          </p:cNvPr>
-          <p:cNvPicPr>
-            <a:picLocks noChangeAspect="1"/>
-          </p:cNvPicPr>
-          <p:nvPr/>
-        </p:nvPicPr>
-        <p:blipFill>
-          <a:blip r:embed="rId3"/>
-          <a:stretch>
-            <a:fillRect/>
-          </a:stretch>
-        </p:blipFill>
-        <p:spPr>
-          <a:xfrm>
-            <a:off x="10718318" y="6164238"/>
-            <a:ext cx="1125066" cy="554476"/>
-          </a:xfrm>
-          <a:prstGeom prst="rect">
-            <a:avLst/>
-          </a:prstGeom>
-        </p:spPr>
-      </p:pic>
-    </p:spTree>
-    <p:extLst>
-      <p:ext uri="{BB962C8B-B14F-4D97-AF65-F5344CB8AC3E}">
-        <p14:creationId xmlns:p14="http://schemas.microsoft.com/office/powerpoint/2010/main" val="3321573946"/>
-      </p:ext>
-    </p:extLst>
-  </p:cSld>
-  <p:clrMapOvr>
-    <a:masterClrMapping/>
-  </p:clrMapOvr>
-</p:sld>
-</file>
-
 <file path=ppt/slides/slide13.xml><?xml version="1.0" encoding="utf-8"?>
 <p:sld xmlns:a="http://schemas.openxmlformats.org/drawingml/2006/main" xmlns:r="http://schemas.openxmlformats.org/officeDocument/2006/relationships" xmlns:p="http://schemas.openxmlformats.org/presentationml/2006/main">
   <p:cSld>
@@ -5309,10 +5235,10 @@
       </p:grpSpPr>
       <p:pic>
         <p:nvPicPr>
-          <p:cNvPr id="5" name="Picture 4">
-            <a:extLst>
-              <a:ext uri="{FF2B5EF4-FFF2-40B4-BE49-F238E27FC236}">
-                <a16:creationId xmlns:a16="http://schemas.microsoft.com/office/drawing/2014/main" id="{8CB7D934-689F-6908-A3FB-6B76B7457037}"/>
+          <p:cNvPr id="3" name="Picture 2">
+            <a:extLst>
+              <a:ext uri="{FF2B5EF4-FFF2-40B4-BE49-F238E27FC236}">
+                <a16:creationId xmlns:a16="http://schemas.microsoft.com/office/drawing/2014/main" id="{40D9E125-5A9D-6369-BB26-B50A46FE9EF3}"/>
               </a:ext>
             </a:extLst>
           </p:cNvPr>
@@ -5322,15 +5248,21 @@
           <p:nvPr/>
         </p:nvPicPr>
         <p:blipFill>
-          <a:blip r:embed="rId2"/>
+          <a:blip r:embed="rId2">
+            <a:extLst>
+              <a:ext uri="{28A0092B-C50C-407E-A947-70E740481C1C}">
+                <a14:useLocalDpi xmlns:a14="http://schemas.microsoft.com/office/drawing/2010/main" val="0"/>
+              </a:ext>
+            </a:extLst>
+          </a:blip>
           <a:stretch>
             <a:fillRect/>
           </a:stretch>
         </p:blipFill>
         <p:spPr>
           <a:xfrm>
-            <a:off x="1082350" y="1666304"/>
-            <a:ext cx="10087095" cy="4400199"/>
+            <a:off x="951723" y="1352939"/>
+            <a:ext cx="10142376" cy="5327780"/>
           </a:xfrm>
           <a:prstGeom prst="rect">
             <a:avLst/>
@@ -5339,10 +5271,10 @@
       </p:pic>
       <p:sp>
         <p:nvSpPr>
-          <p:cNvPr id="6" name="TextBox 5">
-            <a:extLst>
-              <a:ext uri="{FF2B5EF4-FFF2-40B4-BE49-F238E27FC236}">
-                <a16:creationId xmlns:a16="http://schemas.microsoft.com/office/drawing/2014/main" id="{6A23FCE5-5097-4082-8FCE-DD2C47DC5F06}"/>
+          <p:cNvPr id="2" name="TextBox 1">
+            <a:extLst>
+              <a:ext uri="{FF2B5EF4-FFF2-40B4-BE49-F238E27FC236}">
+                <a16:creationId xmlns:a16="http://schemas.microsoft.com/office/drawing/2014/main" id="{DCD72CB0-DD2B-9153-4FCA-9DD2FC5B57DC}"/>
               </a:ext>
             </a:extLst>
           </p:cNvPr>
@@ -5351,8 +5283,8 @@
         </p:nvSpPr>
         <p:spPr>
           <a:xfrm>
-            <a:off x="5327780" y="569168"/>
-            <a:ext cx="6270171" cy="707886"/>
+            <a:off x="4823927" y="419877"/>
+            <a:ext cx="5505061" cy="584775"/>
           </a:xfrm>
           <a:prstGeom prst="rect">
             <a:avLst/>
@@ -5366,14 +5298,14 @@
           <a:lstStyle/>
           <a:p>
             <a:r>
-              <a:rPr lang="en-US" sz="4000" b="1" dirty="0">
+              <a:rPr lang="en-US" sz="3200" b="1" dirty="0">
                 <a:solidFill>
                   <a:srgbClr val="002060"/>
                 </a:solidFill>
               </a:rPr>
-              <a:t>Expense</a:t>
-            </a:r>
-            <a:endParaRPr lang="en-AE" sz="4000" b="1" dirty="0">
+              <a:t>Dashboard page</a:t>
+            </a:r>
+            <a:endParaRPr lang="en-AE" sz="3200" b="1" dirty="0">
               <a:solidFill>
                 <a:srgbClr val="002060"/>
               </a:solidFill>
@@ -5381,46 +5313,99 @@
           </a:p>
         </p:txBody>
       </p:sp>
-      <p:pic>
-        <p:nvPicPr>
-          <p:cNvPr id="8" name="Picture 7">
-            <a:extLst>
-              <a:ext uri="{FF2B5EF4-FFF2-40B4-BE49-F238E27FC236}">
-                <a16:creationId xmlns:a16="http://schemas.microsoft.com/office/drawing/2014/main" id="{AEEE7084-CDBE-A1E9-E5AB-796AE16A6F2C}"/>
-              </a:ext>
-            </a:extLst>
-          </p:cNvPr>
-          <p:cNvPicPr>
-            <a:picLocks noChangeAspect="1"/>
-          </p:cNvPicPr>
-          <p:nvPr/>
-        </p:nvPicPr>
-        <p:blipFill>
-          <a:blip r:embed="rId3"/>
-          <a:stretch>
-            <a:fillRect/>
-          </a:stretch>
-        </p:blipFill>
-        <p:spPr>
-          <a:xfrm>
-            <a:off x="10606912" y="6178515"/>
-            <a:ext cx="1125066" cy="554476"/>
-          </a:xfrm>
-          <a:prstGeom prst="rect">
-            <a:avLst/>
-          </a:prstGeom>
-        </p:spPr>
-      </p:pic>
     </p:spTree>
     <p:extLst>
       <p:ext uri="{BB962C8B-B14F-4D97-AF65-F5344CB8AC3E}">
-        <p14:creationId xmlns:p14="http://schemas.microsoft.com/office/powerpoint/2010/main" val="3577528020"/>
+        <p14:creationId xmlns:p14="http://schemas.microsoft.com/office/powerpoint/2010/main" val="970645761"/>
       </p:ext>
     </p:extLst>
   </p:cSld>
   <p:clrMapOvr>
     <a:masterClrMapping/>
   </p:clrMapOvr>
+  <p:timing>
+    <p:tnLst>
+      <p:par>
+        <p:cTn id="1" dur="indefinite" restart="never" nodeType="tmRoot">
+          <p:childTnLst>
+            <p:seq concurrent="1" nextAc="seek">
+              <p:cTn id="2" dur="indefinite" nodeType="mainSeq">
+                <p:childTnLst>
+                  <p:par>
+                    <p:cTn id="3" fill="hold">
+                      <p:stCondLst>
+                        <p:cond delay="indefinite"/>
+                      </p:stCondLst>
+                      <p:childTnLst>
+                        <p:par>
+                          <p:cTn id="4" fill="hold">
+                            <p:stCondLst>
+                              <p:cond delay="0"/>
+                            </p:stCondLst>
+                            <p:childTnLst>
+                              <p:par>
+                                <p:cTn id="5" presetID="10" presetClass="entr" presetSubtype="0" fill="hold" nodeType="clickEffect">
+                                  <p:stCondLst>
+                                    <p:cond delay="0"/>
+                                  </p:stCondLst>
+                                  <p:childTnLst>
+                                    <p:set>
+                                      <p:cBhvr>
+                                        <p:cTn id="6" dur="1" fill="hold">
+                                          <p:stCondLst>
+                                            <p:cond delay="0"/>
+                                          </p:stCondLst>
+                                        </p:cTn>
+                                        <p:tgtEl>
+                                          <p:spTgt spid="3"/>
+                                        </p:tgtEl>
+                                        <p:attrNameLst>
+                                          <p:attrName>style.visibility</p:attrName>
+                                        </p:attrNameLst>
+                                      </p:cBhvr>
+                                      <p:to>
+                                        <p:strVal val="visible"/>
+                                      </p:to>
+                                    </p:set>
+                                    <p:animEffect transition="in" filter="fade">
+                                      <p:cBhvr>
+                                        <p:cTn id="7" dur="500"/>
+                                        <p:tgtEl>
+                                          <p:spTgt spid="3"/>
+                                        </p:tgtEl>
+                                      </p:cBhvr>
+                                    </p:animEffect>
+                                  </p:childTnLst>
+                                </p:cTn>
+                              </p:par>
+                            </p:childTnLst>
+                          </p:cTn>
+                        </p:par>
+                      </p:childTnLst>
+                    </p:cTn>
+                  </p:par>
+                </p:childTnLst>
+              </p:cTn>
+              <p:prevCondLst>
+                <p:cond evt="onPrev" delay="0">
+                  <p:tgtEl>
+                    <p:sldTgt/>
+                  </p:tgtEl>
+                </p:cond>
+              </p:prevCondLst>
+              <p:nextCondLst>
+                <p:cond evt="onNext" delay="0">
+                  <p:tgtEl>
+                    <p:sldTgt/>
+                  </p:tgtEl>
+                </p:cond>
+              </p:nextCondLst>
+            </p:seq>
+          </p:childTnLst>
+        </p:cTn>
+      </p:par>
+    </p:tnLst>
+  </p:timing>
 </p:sld>
 </file>
 
@@ -5443,10 +5428,10 @@
       </p:grpSpPr>
       <p:pic>
         <p:nvPicPr>
-          <p:cNvPr id="5" name="Picture 4">
-            <a:extLst>
-              <a:ext uri="{FF2B5EF4-FFF2-40B4-BE49-F238E27FC236}">
-                <a16:creationId xmlns:a16="http://schemas.microsoft.com/office/drawing/2014/main" id="{4A2039ED-A664-912F-E26C-5B13FE7F0A2F}"/>
+          <p:cNvPr id="3" name="Picture 2">
+            <a:extLst>
+              <a:ext uri="{FF2B5EF4-FFF2-40B4-BE49-F238E27FC236}">
+                <a16:creationId xmlns:a16="http://schemas.microsoft.com/office/drawing/2014/main" id="{FDE4DA86-0689-EE14-5247-CA48228EDAA7}"/>
               </a:ext>
             </a:extLst>
           </p:cNvPr>
@@ -5456,15 +5441,21 @@
           <p:nvPr/>
         </p:nvPicPr>
         <p:blipFill>
-          <a:blip r:embed="rId2"/>
+          <a:blip r:embed="rId2">
+            <a:extLst>
+              <a:ext uri="{28A0092B-C50C-407E-A947-70E740481C1C}">
+                <a14:useLocalDpi xmlns:a14="http://schemas.microsoft.com/office/drawing/2010/main" val="0"/>
+              </a:ext>
+            </a:extLst>
+          </a:blip>
           <a:stretch>
             <a:fillRect/>
           </a:stretch>
         </p:blipFill>
         <p:spPr>
           <a:xfrm>
-            <a:off x="867747" y="1113724"/>
-            <a:ext cx="10412964" cy="4630551"/>
+            <a:off x="1314061" y="1063689"/>
+            <a:ext cx="8836090" cy="5421086"/>
           </a:xfrm>
           <a:prstGeom prst="rect">
             <a:avLst/>
@@ -5473,10 +5464,10 @@
       </p:pic>
       <p:sp>
         <p:nvSpPr>
-          <p:cNvPr id="6" name="TextBox 5">
-            <a:extLst>
-              <a:ext uri="{FF2B5EF4-FFF2-40B4-BE49-F238E27FC236}">
-                <a16:creationId xmlns:a16="http://schemas.microsoft.com/office/drawing/2014/main" id="{11EAE773-D8ED-D7AF-4B2B-C55279439DD2}"/>
+          <p:cNvPr id="2" name="TextBox 1">
+            <a:extLst>
+              <a:ext uri="{FF2B5EF4-FFF2-40B4-BE49-F238E27FC236}">
+                <a16:creationId xmlns:a16="http://schemas.microsoft.com/office/drawing/2014/main" id="{3FA59967-E6A3-A2A5-9343-915809DCC795}"/>
               </a:ext>
             </a:extLst>
           </p:cNvPr>
@@ -5485,8 +5476,8 @@
         </p:nvSpPr>
         <p:spPr>
           <a:xfrm>
-            <a:off x="3209731" y="298580"/>
-            <a:ext cx="4991877" cy="707886"/>
+            <a:off x="4627984" y="251927"/>
+            <a:ext cx="5271796" cy="646331"/>
           </a:xfrm>
           <a:prstGeom prst="rect">
             <a:avLst/>
@@ -5500,14 +5491,14 @@
           <a:lstStyle/>
           <a:p>
             <a:r>
-              <a:rPr lang="en-US" sz="4000" b="1" dirty="0">
+              <a:rPr lang="en-US" sz="3600" b="1" dirty="0">
                 <a:solidFill>
                   <a:srgbClr val="002060"/>
                 </a:solidFill>
               </a:rPr>
-              <a:t>         Income page </a:t>
-            </a:r>
-            <a:endParaRPr lang="en-AE" sz="4000" b="1" dirty="0">
+              <a:t>Expense page</a:t>
+            </a:r>
+            <a:endParaRPr lang="en-AE" sz="3600" b="1" dirty="0">
               <a:solidFill>
                 <a:srgbClr val="002060"/>
               </a:solidFill>
@@ -5515,12 +5506,125 @@
           </a:p>
         </p:txBody>
       </p:sp>
+    </p:spTree>
+    <p:extLst>
+      <p:ext uri="{BB962C8B-B14F-4D97-AF65-F5344CB8AC3E}">
+        <p14:creationId xmlns:p14="http://schemas.microsoft.com/office/powerpoint/2010/main" val="2872323886"/>
+      </p:ext>
+    </p:extLst>
+  </p:cSld>
+  <p:clrMapOvr>
+    <a:masterClrMapping/>
+  </p:clrMapOvr>
+  <p:timing>
+    <p:tnLst>
+      <p:par>
+        <p:cTn id="1" dur="indefinite" restart="never" nodeType="tmRoot">
+          <p:childTnLst>
+            <p:seq concurrent="1" nextAc="seek">
+              <p:cTn id="2" dur="indefinite" nodeType="mainSeq">
+                <p:childTnLst>
+                  <p:par>
+                    <p:cTn id="3" fill="hold">
+                      <p:stCondLst>
+                        <p:cond delay="indefinite"/>
+                      </p:stCondLst>
+                      <p:childTnLst>
+                        <p:par>
+                          <p:cTn id="4" fill="hold">
+                            <p:stCondLst>
+                              <p:cond delay="0"/>
+                            </p:stCondLst>
+                            <p:childTnLst>
+                              <p:par>
+                                <p:cTn id="5" presetID="10" presetClass="entr" presetSubtype="0" fill="hold" nodeType="clickEffect">
+                                  <p:stCondLst>
+                                    <p:cond delay="0"/>
+                                  </p:stCondLst>
+                                  <p:childTnLst>
+                                    <p:set>
+                                      <p:cBhvr>
+                                        <p:cTn id="6" dur="1" fill="hold">
+                                          <p:stCondLst>
+                                            <p:cond delay="0"/>
+                                          </p:stCondLst>
+                                        </p:cTn>
+                                        <p:tgtEl>
+                                          <p:spTgt spid="3"/>
+                                        </p:tgtEl>
+                                        <p:attrNameLst>
+                                          <p:attrName>style.visibility</p:attrName>
+                                        </p:attrNameLst>
+                                      </p:cBhvr>
+                                      <p:to>
+                                        <p:strVal val="visible"/>
+                                      </p:to>
+                                    </p:set>
+                                    <p:animEffect transition="in" filter="fade">
+                                      <p:cBhvr>
+                                        <p:cTn id="7" dur="500"/>
+                                        <p:tgtEl>
+                                          <p:spTgt spid="3"/>
+                                        </p:tgtEl>
+                                      </p:cBhvr>
+                                    </p:animEffect>
+                                  </p:childTnLst>
+                                </p:cTn>
+                              </p:par>
+                            </p:childTnLst>
+                          </p:cTn>
+                        </p:par>
+                      </p:childTnLst>
+                    </p:cTn>
+                  </p:par>
+                </p:childTnLst>
+              </p:cTn>
+              <p:prevCondLst>
+                <p:cond evt="onPrev" delay="0">
+                  <p:tgtEl>
+                    <p:sldTgt/>
+                  </p:tgtEl>
+                </p:cond>
+              </p:prevCondLst>
+              <p:nextCondLst>
+                <p:cond evt="onNext" delay="0">
+                  <p:tgtEl>
+                    <p:sldTgt/>
+                  </p:tgtEl>
+                </p:cond>
+              </p:nextCondLst>
+            </p:seq>
+          </p:childTnLst>
+        </p:cTn>
+      </p:par>
+    </p:tnLst>
+  </p:timing>
+</p:sld>
+</file>
+
+<file path=ppt/slides/slide15.xml><?xml version="1.0" encoding="utf-8"?>
+<p:sld xmlns:a="http://schemas.openxmlformats.org/drawingml/2006/main" xmlns:r="http://schemas.openxmlformats.org/officeDocument/2006/relationships" xmlns:p="http://schemas.openxmlformats.org/presentationml/2006/main">
+  <p:cSld>
+    <p:spTree>
+      <p:nvGrpSpPr>
+        <p:cNvPr id="1" name=""/>
+        <p:cNvGrpSpPr/>
+        <p:nvPr/>
+      </p:nvGrpSpPr>
+      <p:grpSpPr>
+        <a:xfrm>
+          <a:off x="0" y="0"/>
+          <a:ext cx="0" cy="0"/>
+          <a:chOff x="0" y="0"/>
+          <a:chExt cx="0" cy="0"/>
+        </a:xfrm>
+      </p:grpSpPr>
       <p:pic>
         <p:nvPicPr>
-          <p:cNvPr id="8" name="Picture 7">
-            <a:extLst>
-              <a:ext uri="{FF2B5EF4-FFF2-40B4-BE49-F238E27FC236}">
-                <a16:creationId xmlns:a16="http://schemas.microsoft.com/office/drawing/2014/main" id="{10DB40E3-B6FA-BC84-616D-A450CDA300FA}"/>
+          <p:cNvPr id="3" name="Picture 2">
+            <a:extLst>
+              <a:ext uri="{FF2B5EF4-FFF2-40B4-BE49-F238E27FC236}">
+                <a16:creationId xmlns:a16="http://schemas.microsoft.com/office/drawing/2014/main" id="{046A59FC-4950-8488-188A-4DBE84AD1461}"/>
               </a:ext>
             </a:extLst>
           </p:cNvPr>
@@ -5530,35 +5634,168 @@
           <p:nvPr/>
         </p:nvPicPr>
         <p:blipFill>
-          <a:blip r:embed="rId3"/>
+          <a:blip r:embed="rId2">
+            <a:extLst>
+              <a:ext uri="{28A0092B-C50C-407E-A947-70E740481C1C}">
+                <a14:useLocalDpi xmlns:a14="http://schemas.microsoft.com/office/drawing/2010/main" val="0"/>
+              </a:ext>
+            </a:extLst>
+          </a:blip>
           <a:stretch>
             <a:fillRect/>
           </a:stretch>
         </p:blipFill>
         <p:spPr>
           <a:xfrm>
-            <a:off x="10561001" y="6060527"/>
-            <a:ext cx="1286869" cy="595912"/>
+            <a:off x="1259633" y="1038367"/>
+            <a:ext cx="9386596" cy="5605029"/>
           </a:xfrm>
           <a:prstGeom prst="rect">
             <a:avLst/>
           </a:prstGeom>
         </p:spPr>
       </p:pic>
+      <p:sp>
+        <p:nvSpPr>
+          <p:cNvPr id="2" name="TextBox 1">
+            <a:extLst>
+              <a:ext uri="{FF2B5EF4-FFF2-40B4-BE49-F238E27FC236}">
+                <a16:creationId xmlns:a16="http://schemas.microsoft.com/office/drawing/2014/main" id="{127C3E09-7114-05EA-59DA-AA3345A75F95}"/>
+              </a:ext>
+            </a:extLst>
+          </p:cNvPr>
+          <p:cNvSpPr txBox="1"/>
+          <p:nvPr/>
+        </p:nvSpPr>
+        <p:spPr>
+          <a:xfrm>
+            <a:off x="4730620" y="230555"/>
+            <a:ext cx="4777274" cy="707886"/>
+          </a:xfrm>
+          <a:prstGeom prst="rect">
+            <a:avLst/>
+          </a:prstGeom>
+          <a:noFill/>
+        </p:spPr>
+        <p:txBody>
+          <a:bodyPr wrap="square" rtlCol="0">
+            <a:spAutoFit/>
+          </a:bodyPr>
+          <a:lstStyle/>
+          <a:p>
+            <a:r>
+              <a:rPr lang="en-US" sz="4000" b="1" dirty="0">
+                <a:solidFill>
+                  <a:srgbClr val="002060"/>
+                </a:solidFill>
+              </a:rPr>
+              <a:t>Income page</a:t>
+            </a:r>
+            <a:endParaRPr lang="en-AE" sz="4000" b="1" dirty="0">
+              <a:solidFill>
+                <a:srgbClr val="002060"/>
+              </a:solidFill>
+            </a:endParaRPr>
+          </a:p>
+        </p:txBody>
+      </p:sp>
     </p:spTree>
     <p:extLst>
       <p:ext uri="{BB962C8B-B14F-4D97-AF65-F5344CB8AC3E}">
-        <p14:creationId xmlns:p14="http://schemas.microsoft.com/office/powerpoint/2010/main" val="1572270769"/>
+        <p14:creationId xmlns:p14="http://schemas.microsoft.com/office/powerpoint/2010/main" val="1876529543"/>
       </p:ext>
     </p:extLst>
   </p:cSld>
   <p:clrMapOvr>
     <a:masterClrMapping/>
   </p:clrMapOvr>
+  <p:timing>
+    <p:tnLst>
+      <p:par>
+        <p:cTn id="1" dur="indefinite" restart="never" nodeType="tmRoot">
+          <p:childTnLst>
+            <p:seq concurrent="1" nextAc="seek">
+              <p:cTn id="2" dur="indefinite" nodeType="mainSeq">
+                <p:childTnLst>
+                  <p:par>
+                    <p:cTn id="3" fill="hold">
+                      <p:stCondLst>
+                        <p:cond delay="indefinite"/>
+                      </p:stCondLst>
+                      <p:childTnLst>
+                        <p:par>
+                          <p:cTn id="4" fill="hold">
+                            <p:stCondLst>
+                              <p:cond delay="0"/>
+                            </p:stCondLst>
+                            <p:childTnLst>
+                              <p:par>
+                                <p:cTn id="5" presetID="10" presetClass="entr" presetSubtype="0" fill="hold" nodeType="clickEffect">
+                                  <p:stCondLst>
+                                    <p:cond delay="0"/>
+                                  </p:stCondLst>
+                                  <p:childTnLst>
+                                    <p:set>
+                                      <p:cBhvr>
+                                        <p:cTn id="6" dur="1" fill="hold">
+                                          <p:stCondLst>
+                                            <p:cond delay="0"/>
+                                          </p:stCondLst>
+                                        </p:cTn>
+                                        <p:tgtEl>
+                                          <p:spTgt spid="3"/>
+                                        </p:tgtEl>
+                                        <p:attrNameLst>
+                                          <p:attrName>style.visibility</p:attrName>
+                                        </p:attrNameLst>
+                                      </p:cBhvr>
+                                      <p:to>
+                                        <p:strVal val="visible"/>
+                                      </p:to>
+                                    </p:set>
+                                    <p:animEffect transition="in" filter="fade">
+                                      <p:cBhvr>
+                                        <p:cTn id="7" dur="500"/>
+                                        <p:tgtEl>
+                                          <p:spTgt spid="3"/>
+                                        </p:tgtEl>
+                                      </p:cBhvr>
+                                    </p:animEffect>
+                                  </p:childTnLst>
+                                </p:cTn>
+                              </p:par>
+                            </p:childTnLst>
+                          </p:cTn>
+                        </p:par>
+                      </p:childTnLst>
+                    </p:cTn>
+                  </p:par>
+                </p:childTnLst>
+              </p:cTn>
+              <p:prevCondLst>
+                <p:cond evt="onPrev" delay="0">
+                  <p:tgtEl>
+                    <p:sldTgt/>
+                  </p:tgtEl>
+                </p:cond>
+              </p:prevCondLst>
+              <p:nextCondLst>
+                <p:cond evt="onNext" delay="0">
+                  <p:tgtEl>
+                    <p:sldTgt/>
+                  </p:tgtEl>
+                </p:cond>
+              </p:nextCondLst>
+            </p:seq>
+          </p:childTnLst>
+        </p:cTn>
+      </p:par>
+    </p:tnLst>
+  </p:timing>
 </p:sld>
 </file>
 
-<file path=ppt/slides/slide15.xml><?xml version="1.0" encoding="utf-8"?>
+<file path=ppt/slides/slide16.xml><?xml version="1.0" encoding="utf-8"?>
 <p:sld xmlns:a="http://schemas.openxmlformats.org/drawingml/2006/main" xmlns:r="http://schemas.openxmlformats.org/officeDocument/2006/relationships" xmlns:p="http://schemas.openxmlformats.org/presentationml/2006/main">
   <p:cSld>
     <p:spTree>
@@ -6223,10 +6460,362 @@
           <a:chExt cx="0" cy="0"/>
         </a:xfrm>
       </p:grpSpPr>
+      <p:sp>
+        <p:nvSpPr>
+          <p:cNvPr id="4" name="TextBox 3">
+            <a:extLst>
+              <a:ext uri="{FF2B5EF4-FFF2-40B4-BE49-F238E27FC236}">
+                <a16:creationId xmlns:a16="http://schemas.microsoft.com/office/drawing/2014/main" id="{A6D4A2B8-DB24-CC90-0619-BB311E8B5BCD}"/>
+              </a:ext>
+            </a:extLst>
+          </p:cNvPr>
+          <p:cNvSpPr txBox="1"/>
+          <p:nvPr/>
+        </p:nvSpPr>
+        <p:spPr>
+          <a:xfrm>
+            <a:off x="4494179" y="340468"/>
+            <a:ext cx="6887183" cy="707886"/>
+          </a:xfrm>
+          <a:prstGeom prst="rect">
+            <a:avLst/>
+          </a:prstGeom>
+          <a:noFill/>
+        </p:spPr>
+        <p:txBody>
+          <a:bodyPr wrap="square" rtlCol="0">
+            <a:spAutoFit/>
+          </a:bodyPr>
+          <a:lstStyle/>
+          <a:p>
+            <a:r>
+              <a:rPr lang="en-US" sz="4000" b="1" dirty="0">
+                <a:solidFill>
+                  <a:srgbClr val="002060"/>
+                </a:solidFill>
+              </a:rPr>
+              <a:t>What  Is MEAN</a:t>
+            </a:r>
+            <a:endParaRPr lang="en-AE" sz="4000" b="1" dirty="0">
+              <a:solidFill>
+                <a:srgbClr val="002060"/>
+              </a:solidFill>
+            </a:endParaRPr>
+          </a:p>
+        </p:txBody>
+      </p:sp>
+      <p:pic>
+        <p:nvPicPr>
+          <p:cNvPr id="5" name="Picture 4" descr="Mean Stack Development Services I Hire MEAN Stack Developer ...">
+            <a:extLst>
+              <a:ext uri="{FF2B5EF4-FFF2-40B4-BE49-F238E27FC236}">
+                <a16:creationId xmlns:a16="http://schemas.microsoft.com/office/drawing/2014/main" id="{8F361A57-7201-7E0F-852A-CE5887EA98A4}"/>
+              </a:ext>
+            </a:extLst>
+          </p:cNvPr>
+          <p:cNvPicPr>
+            <a:picLocks noChangeAspect="1" noChangeArrowheads="1"/>
+          </p:cNvPicPr>
+          <p:nvPr/>
+        </p:nvPicPr>
+        <p:blipFill>
+          <a:blip r:embed="rId2">
+            <a:extLst>
+              <a:ext uri="{28A0092B-C50C-407E-A947-70E740481C1C}">
+                <a14:useLocalDpi xmlns:a14="http://schemas.microsoft.com/office/drawing/2010/main" val="0"/>
+              </a:ext>
+            </a:extLst>
+          </a:blip>
+          <a:srcRect/>
+          <a:stretch>
+            <a:fillRect/>
+          </a:stretch>
+        </p:blipFill>
+        <p:spPr bwMode="auto">
+          <a:xfrm>
+            <a:off x="1303505" y="2470825"/>
+            <a:ext cx="3344233" cy="2305456"/>
+          </a:xfrm>
+          <a:prstGeom prst="rect">
+            <a:avLst/>
+          </a:prstGeom>
+          <a:noFill/>
+          <a:extLst>
+            <a:ext uri="{909E8E84-426E-40DD-AFC4-6F175D3DCCD1}">
+              <a14:hiddenFill xmlns:a14="http://schemas.microsoft.com/office/drawing/2010/main">
+                <a:solidFill>
+                  <a:srgbClr val="FFFFFF"/>
+                </a:solidFill>
+              </a14:hiddenFill>
+            </a:ext>
+          </a:extLst>
+        </p:spPr>
+      </p:pic>
+      <p:sp>
+        <p:nvSpPr>
+          <p:cNvPr id="6" name="Rectangle: Rounded Corners 5">
+            <a:extLst>
+              <a:ext uri="{FF2B5EF4-FFF2-40B4-BE49-F238E27FC236}">
+                <a16:creationId xmlns:a16="http://schemas.microsoft.com/office/drawing/2014/main" id="{832A99E4-322B-B0DC-A6AB-84E967C51F05}"/>
+              </a:ext>
+            </a:extLst>
+          </p:cNvPr>
+          <p:cNvSpPr/>
+          <p:nvPr/>
+        </p:nvSpPr>
+        <p:spPr>
+          <a:xfrm>
+            <a:off x="6096000" y="1488332"/>
+            <a:ext cx="5528553" cy="5029200"/>
+          </a:xfrm>
+          <a:prstGeom prst="roundRect">
+            <a:avLst/>
+          </a:prstGeom>
+          <a:solidFill>
+            <a:schemeClr val="accent1">
+              <a:lumMod val="40000"/>
+              <a:lumOff val="60000"/>
+            </a:schemeClr>
+          </a:solidFill>
+        </p:spPr>
+        <p:style>
+          <a:lnRef idx="2">
+            <a:schemeClr val="accent1">
+              <a:shade val="15000"/>
+            </a:schemeClr>
+          </a:lnRef>
+          <a:fillRef idx="1">
+            <a:schemeClr val="accent1"/>
+          </a:fillRef>
+          <a:effectRef idx="0">
+            <a:schemeClr val="accent1"/>
+          </a:effectRef>
+          <a:fontRef idx="minor">
+            <a:schemeClr val="lt1"/>
+          </a:fontRef>
+        </p:style>
+        <p:txBody>
+          <a:bodyPr rtlCol="0" anchor="ctr"/>
+          <a:lstStyle/>
+          <a:p>
+            <a:pPr marL="914400" rtl="0" fontAlgn="base">
+              <a:spcBef>
+                <a:spcPts val="0"/>
+              </a:spcBef>
+              <a:spcAft>
+                <a:spcPts val="0"/>
+              </a:spcAft>
+            </a:pPr>
+            <a:r>
+              <a:rPr lang="en-US" sz="2400" b="1" i="0" u="none" strike="noStrike" dirty="0">
+                <a:solidFill>
+                  <a:schemeClr val="accent6"/>
+                </a:solidFill>
+                <a:effectLst/>
+                <a:latin typeface="Arial" panose="020B0604020202020204" pitchFamily="34" charset="0"/>
+              </a:rPr>
+              <a:t>MongoDB</a:t>
+            </a:r>
+            <a:r>
+              <a:rPr lang="en-US" sz="1800" b="1" i="0" u="none" strike="noStrike" dirty="0">
+                <a:solidFill>
+                  <a:schemeClr val="bg1"/>
+                </a:solidFill>
+                <a:effectLst/>
+                <a:latin typeface="Arial" panose="020B0604020202020204" pitchFamily="34" charset="0"/>
+              </a:rPr>
+              <a:t>: </a:t>
+            </a:r>
+            <a:r>
+              <a:rPr lang="en-US" sz="1800" b="1" i="0" u="none" strike="noStrike" dirty="0">
+                <a:solidFill>
+                  <a:schemeClr val="tx1"/>
+                </a:solidFill>
+                <a:effectLst/>
+                <a:latin typeface="Arial" panose="020B0604020202020204" pitchFamily="34" charset="0"/>
+              </a:rPr>
+              <a:t>A NoSQL database that stores data in a flexible, </a:t>
+            </a:r>
+          </a:p>
+          <a:p>
+            <a:pPr marL="914400" rtl="0" fontAlgn="base">
+              <a:spcBef>
+                <a:spcPts val="0"/>
+              </a:spcBef>
+              <a:spcAft>
+                <a:spcPts val="0"/>
+              </a:spcAft>
+            </a:pPr>
+            <a:endParaRPr lang="en-US" sz="1800" b="0" i="0" u="none" strike="noStrike" dirty="0">
+              <a:solidFill>
+                <a:schemeClr val="bg1"/>
+              </a:solidFill>
+              <a:effectLst/>
+              <a:latin typeface="Arial" panose="020B0604020202020204" pitchFamily="34" charset="0"/>
+            </a:endParaRPr>
+          </a:p>
+          <a:p>
+            <a:pPr marL="914400" rtl="0" fontAlgn="base">
+              <a:spcBef>
+                <a:spcPts val="0"/>
+              </a:spcBef>
+              <a:spcAft>
+                <a:spcPts val="0"/>
+              </a:spcAft>
+            </a:pPr>
+            <a:r>
+              <a:rPr lang="en-US" sz="2400" i="0" u="none" strike="noStrike" dirty="0">
+                <a:solidFill>
+                  <a:schemeClr val="accent2">
+                    <a:lumMod val="75000"/>
+                  </a:schemeClr>
+                </a:solidFill>
+                <a:effectLst/>
+                <a:latin typeface="Arial" panose="020B0604020202020204" pitchFamily="34" charset="0"/>
+              </a:rPr>
+              <a:t>Express.js: </a:t>
+            </a:r>
+            <a:r>
+              <a:rPr lang="en-US" sz="1800" b="1" i="0" u="none" strike="noStrike" dirty="0">
+                <a:solidFill>
+                  <a:schemeClr val="tx1"/>
+                </a:solidFill>
+                <a:effectLst/>
+                <a:latin typeface="Arial" panose="020B0604020202020204" pitchFamily="34" charset="0"/>
+              </a:rPr>
+              <a:t>A web application framework for Node.js.</a:t>
+            </a:r>
+          </a:p>
+          <a:p>
+            <a:pPr marL="914400" rtl="0" fontAlgn="base">
+              <a:spcBef>
+                <a:spcPts val="0"/>
+              </a:spcBef>
+              <a:spcAft>
+                <a:spcPts val="0"/>
+              </a:spcAft>
+            </a:pPr>
+            <a:endParaRPr lang="en-US" sz="1800" b="0" i="0" u="none" strike="noStrike" dirty="0">
+              <a:solidFill>
+                <a:schemeClr val="bg1"/>
+              </a:solidFill>
+              <a:effectLst/>
+              <a:latin typeface="Arial" panose="020B0604020202020204" pitchFamily="34" charset="0"/>
+            </a:endParaRPr>
+          </a:p>
+          <a:p>
+            <a:pPr marL="914400" rtl="0" fontAlgn="base">
+              <a:spcBef>
+                <a:spcPts val="0"/>
+              </a:spcBef>
+              <a:spcAft>
+                <a:spcPts val="0"/>
+              </a:spcAft>
+            </a:pPr>
+            <a:r>
+              <a:rPr lang="en-US" sz="2400" i="0" u="none" strike="noStrike" dirty="0">
+                <a:solidFill>
+                  <a:srgbClr val="C00000"/>
+                </a:solidFill>
+                <a:effectLst/>
+                <a:latin typeface="Arial" panose="020B0604020202020204" pitchFamily="34" charset="0"/>
+              </a:rPr>
+              <a:t>Angular</a:t>
+            </a:r>
+            <a:r>
+              <a:rPr lang="en-US" sz="1800" i="0" u="none" strike="noStrike" dirty="0">
+                <a:solidFill>
+                  <a:schemeClr val="bg1"/>
+                </a:solidFill>
+                <a:effectLst/>
+                <a:latin typeface="Arial" panose="020B0604020202020204" pitchFamily="34" charset="0"/>
+              </a:rPr>
+              <a:t>: </a:t>
+            </a:r>
+            <a:r>
+              <a:rPr lang="en-US" sz="1800" b="1" i="0" u="none" strike="noStrike" dirty="0">
+                <a:solidFill>
+                  <a:schemeClr val="tx1"/>
+                </a:solidFill>
+                <a:effectLst/>
+                <a:latin typeface="Arial" panose="020B0604020202020204" pitchFamily="34" charset="0"/>
+              </a:rPr>
+              <a:t>A JavaScript framework for building dynamic, single-page web applications</a:t>
+            </a:r>
+          </a:p>
+          <a:p>
+            <a:pPr marL="914400" rtl="0" fontAlgn="base">
+              <a:spcBef>
+                <a:spcPts val="0"/>
+              </a:spcBef>
+              <a:spcAft>
+                <a:spcPts val="0"/>
+              </a:spcAft>
+            </a:pPr>
+            <a:endParaRPr lang="en-US" sz="1800" b="0" i="0" u="none" strike="noStrike" dirty="0">
+              <a:solidFill>
+                <a:schemeClr val="bg1"/>
+              </a:solidFill>
+              <a:effectLst/>
+              <a:latin typeface="Arial" panose="020B0604020202020204" pitchFamily="34" charset="0"/>
+            </a:endParaRPr>
+          </a:p>
+          <a:p>
+            <a:pPr marL="914400" rtl="0" fontAlgn="base">
+              <a:spcBef>
+                <a:spcPts val="0"/>
+              </a:spcBef>
+              <a:spcAft>
+                <a:spcPts val="0"/>
+              </a:spcAft>
+            </a:pPr>
+            <a:r>
+              <a:rPr lang="en-US" sz="2400" b="1" i="0" u="none" strike="noStrike" dirty="0">
+                <a:solidFill>
+                  <a:srgbClr val="92D050"/>
+                </a:solidFill>
+                <a:effectLst/>
+                <a:latin typeface="Arial" panose="020B0604020202020204" pitchFamily="34" charset="0"/>
+              </a:rPr>
+              <a:t>Node.js</a:t>
+            </a:r>
+            <a:r>
+              <a:rPr lang="en-US" sz="1800" b="1" i="0" u="none" strike="noStrike" dirty="0">
+                <a:solidFill>
+                  <a:schemeClr val="bg1"/>
+                </a:solidFill>
+                <a:effectLst/>
+                <a:latin typeface="Arial" panose="020B0604020202020204" pitchFamily="34" charset="0"/>
+              </a:rPr>
+              <a:t>: </a:t>
+            </a:r>
+            <a:r>
+              <a:rPr lang="en-US" sz="1800" b="1" i="0" u="none" strike="noStrike" dirty="0">
+                <a:solidFill>
+                  <a:schemeClr val="tx1"/>
+                </a:solidFill>
+                <a:effectLst/>
+                <a:latin typeface="Arial" panose="020B0604020202020204" pitchFamily="34" charset="0"/>
+              </a:rPr>
+              <a:t>A JavaScript runtime environment that allows developers to run JavaScript code server-side</a:t>
+            </a:r>
+            <a:r>
+              <a:rPr lang="en-US" sz="1800" b="1" i="0" u="none" strike="noStrike" dirty="0">
+                <a:solidFill>
+                  <a:srgbClr val="000000"/>
+                </a:solidFill>
+                <a:effectLst/>
+                <a:latin typeface="Arial" panose="020B0604020202020204" pitchFamily="34" charset="0"/>
+              </a:rPr>
+              <a:t>. </a:t>
+            </a:r>
+          </a:p>
+        </p:txBody>
+      </p:sp>
     </p:spTree>
     <p:extLst>
       <p:ext uri="{BB962C8B-B14F-4D97-AF65-F5344CB8AC3E}">
-        <p14:creationId xmlns:p14="http://schemas.microsoft.com/office/powerpoint/2010/main" val="3489645176"/>
+        <p14:creationId xmlns:p14="http://schemas.microsoft.com/office/powerpoint/2010/main" val="883274807"/>
       </p:ext>
     </p:extLst>
   </p:cSld>
@@ -6253,32 +6842,76 @@
           <a:chExt cx="0" cy="0"/>
         </a:xfrm>
       </p:grpSpPr>
-      <p:sp>
-        <p:nvSpPr>
-          <p:cNvPr id="6" name="Rectangle 5">
-            <a:extLst>
-              <a:ext uri="{FF2B5EF4-FFF2-40B4-BE49-F238E27FC236}">
-                <a16:creationId xmlns:a16="http://schemas.microsoft.com/office/drawing/2014/main" id="{75DB5B3C-3373-E590-AC34-9F63E164EC3E}"/>
-              </a:ext>
-            </a:extLst>
-          </p:cNvPr>
-          <p:cNvSpPr/>
+      <p:pic>
+        <p:nvPicPr>
+          <p:cNvPr id="2" name="Picture 1">
+            <a:extLst>
+              <a:ext uri="{FF2B5EF4-FFF2-40B4-BE49-F238E27FC236}">
+                <a16:creationId xmlns:a16="http://schemas.microsoft.com/office/drawing/2014/main" id="{C3C36674-53B6-937C-D766-6AB08AC066D9}"/>
+              </a:ext>
+            </a:extLst>
+          </p:cNvPr>
+          <p:cNvPicPr>
+            <a:picLocks noChangeAspect="1"/>
+          </p:cNvPicPr>
           <p:nvPr/>
-        </p:nvSpPr>
-        <p:spPr>
-          <a:xfrm>
-            <a:off x="1533330" y="1154340"/>
-            <a:ext cx="4354286" cy="593313"/>
+        </p:nvPicPr>
+        <p:blipFill>
+          <a:blip r:embed="rId2">
+            <a:extLst>
+              <a:ext uri="{28A0092B-C50C-407E-A947-70E740481C1C}">
+                <a14:useLocalDpi xmlns:a14="http://schemas.microsoft.com/office/drawing/2010/main" val="0"/>
+              </a:ext>
+            </a:extLst>
+          </a:blip>
+          <a:stretch>
+            <a:fillRect/>
+          </a:stretch>
+        </p:blipFill>
+        <p:spPr>
+          <a:xfrm>
+            <a:off x="177282" y="1512040"/>
+            <a:ext cx="3668488" cy="5280645"/>
           </a:xfrm>
           <a:prstGeom prst="rect">
             <a:avLst/>
           </a:prstGeom>
+        </p:spPr>
+      </p:pic>
+      <p:sp>
+        <p:nvSpPr>
+          <p:cNvPr id="5" name="Rectangle: Rounded Corners 4">
+            <a:extLst>
+              <a:ext uri="{FF2B5EF4-FFF2-40B4-BE49-F238E27FC236}">
+                <a16:creationId xmlns:a16="http://schemas.microsoft.com/office/drawing/2014/main" id="{4BB7C9BD-5F17-DEC6-2268-B481EA52436F}"/>
+              </a:ext>
+            </a:extLst>
+          </p:cNvPr>
+          <p:cNvSpPr/>
+          <p:nvPr/>
+        </p:nvSpPr>
+        <p:spPr>
+          <a:xfrm>
+            <a:off x="4195966" y="2024121"/>
+            <a:ext cx="7195124" cy="4250220"/>
+          </a:xfrm>
+          <a:prstGeom prst="roundRect">
+            <a:avLst/>
+          </a:prstGeom>
           <a:solidFill>
-            <a:schemeClr val="accent5">
+            <a:schemeClr val="accent1">
               <a:lumMod val="60000"/>
               <a:lumOff val="40000"/>
             </a:schemeClr>
           </a:solidFill>
+          <a:ln>
+            <a:solidFill>
+              <a:schemeClr val="accent1">
+                <a:lumMod val="40000"/>
+                <a:lumOff val="60000"/>
+              </a:schemeClr>
+            </a:solidFill>
+          </a:ln>
         </p:spPr>
         <p:style>
           <a:lnRef idx="2">
@@ -6300,338 +6933,145 @@
           <a:bodyPr rtlCol="0" anchor="ctr"/>
           <a:lstStyle/>
           <a:p>
-            <a:pPr algn="ctr"/>
-            <a:r>
-              <a:rPr lang="en-US" b="1" dirty="0">
+            <a:pPr marL="457200" rtl="0" fontAlgn="base">
+              <a:spcBef>
+                <a:spcPts val="0"/>
+              </a:spcBef>
+              <a:spcAft>
+                <a:spcPts val="0"/>
+              </a:spcAft>
+              <a:buFont typeface="Arial" panose="020B0604020202020204" pitchFamily="34" charset="0"/>
+              <a:buChar char="•"/>
+            </a:pPr>
+            <a:r>
+              <a:rPr lang="en-US" sz="1800" b="0" i="0" u="none" strike="noStrike" dirty="0">
                 <a:solidFill>
-                  <a:schemeClr val="tx1"/>
+                  <a:srgbClr val="000000"/>
                 </a:solidFill>
+                <a:effectLst/>
+                <a:latin typeface="Arial" panose="020B0604020202020204" pitchFamily="34" charset="0"/>
               </a:rPr>
-              <a:t>HTML</a:t>
-            </a:r>
-            <a:endParaRPr lang="en-AE" b="1" dirty="0">
+              <a:t> </a:t>
+            </a:r>
+            <a:r>
+              <a:rPr lang="en-US" sz="2400" b="0" i="0" u="none" strike="noStrike" dirty="0">
+                <a:solidFill>
+                  <a:srgbClr val="000000"/>
+                </a:solidFill>
+                <a:effectLst/>
+                <a:latin typeface="Arial" panose="020B0604020202020204" pitchFamily="34" charset="0"/>
+              </a:rPr>
+              <a:t>Used to create modern, real time, full-stack web applications using JavaScript</a:t>
+            </a:r>
+          </a:p>
+          <a:p>
+            <a:pPr marL="457200" rtl="0" fontAlgn="base">
+              <a:spcBef>
+                <a:spcPts val="0"/>
+              </a:spcBef>
+              <a:spcAft>
+                <a:spcPts val="0"/>
+              </a:spcAft>
+              <a:buFont typeface="Arial" panose="020B0604020202020204" pitchFamily="34" charset="0"/>
+              <a:buChar char="•"/>
+            </a:pPr>
+            <a:endParaRPr lang="en-US" sz="2400" b="0" i="0" u="none" strike="noStrike" dirty="0">
               <a:solidFill>
-                <a:schemeClr val="tx1"/>
+                <a:srgbClr val="000000"/>
               </a:solidFill>
+              <a:effectLst/>
+              <a:latin typeface="Arial" panose="020B0604020202020204" pitchFamily="34" charset="0"/>
             </a:endParaRPr>
           </a:p>
-        </p:txBody>
-      </p:sp>
-      <p:sp>
-        <p:nvSpPr>
-          <p:cNvPr id="7" name="Rectangle 6">
-            <a:extLst>
-              <a:ext uri="{FF2B5EF4-FFF2-40B4-BE49-F238E27FC236}">
-                <a16:creationId xmlns:a16="http://schemas.microsoft.com/office/drawing/2014/main" id="{7EDD293B-1942-7FD4-0751-C798C409BC31}"/>
-              </a:ext>
-            </a:extLst>
-          </p:cNvPr>
-          <p:cNvSpPr/>
+          <a:p>
+            <a:pPr marL="457200" rtl="0" fontAlgn="base">
+              <a:spcBef>
+                <a:spcPts val="0"/>
+              </a:spcBef>
+              <a:spcAft>
+                <a:spcPts val="0"/>
+              </a:spcAft>
+              <a:buFont typeface="Arial" panose="020B0604020202020204" pitchFamily="34" charset="0"/>
+              <a:buChar char="•"/>
+            </a:pPr>
+            <a:r>
+              <a:rPr lang="en-US" sz="2400" b="0" i="0" u="none" strike="noStrike" dirty="0">
+                <a:solidFill>
+                  <a:srgbClr val="000000"/>
+                </a:solidFill>
+                <a:effectLst/>
+                <a:latin typeface="Arial" panose="020B0604020202020204" pitchFamily="34" charset="0"/>
+              </a:rPr>
+              <a:t> This unified technology stack promotes code reusability, simplifies development workflows</a:t>
+            </a:r>
+          </a:p>
+          <a:p>
+            <a:pPr marL="457200" rtl="0" fontAlgn="base">
+              <a:spcBef>
+                <a:spcPts val="0"/>
+              </a:spcBef>
+              <a:spcAft>
+                <a:spcPts val="0"/>
+              </a:spcAft>
+              <a:buFont typeface="Arial" panose="020B0604020202020204" pitchFamily="34" charset="0"/>
+              <a:buChar char="•"/>
+            </a:pPr>
+            <a:endParaRPr lang="en-US" sz="2400" b="0" i="0" u="none" strike="noStrike" dirty="0">
+              <a:solidFill>
+                <a:srgbClr val="000000"/>
+              </a:solidFill>
+              <a:effectLst/>
+              <a:latin typeface="Arial" panose="020B0604020202020204" pitchFamily="34" charset="0"/>
+            </a:endParaRPr>
+          </a:p>
+          <a:p>
+            <a:pPr marL="457200" rtl="0" fontAlgn="base">
+              <a:spcBef>
+                <a:spcPts val="0"/>
+              </a:spcBef>
+              <a:spcAft>
+                <a:spcPts val="0"/>
+              </a:spcAft>
+              <a:buFont typeface="Arial" panose="020B0604020202020204" pitchFamily="34" charset="0"/>
+              <a:buChar char="•"/>
+            </a:pPr>
+            <a:r>
+              <a:rPr lang="en-US" sz="2400" b="0" i="0" u="none" strike="noStrike" dirty="0">
+                <a:solidFill>
+                  <a:srgbClr val="000000"/>
+                </a:solidFill>
+                <a:effectLst/>
+                <a:latin typeface="Arial" panose="020B0604020202020204" pitchFamily="34" charset="0"/>
+              </a:rPr>
+              <a:t> Can be deployed easily and are suitable for building highly scalable application</a:t>
+            </a:r>
+          </a:p>
+        </p:txBody>
+      </p:sp>
+      <p:sp>
+        <p:nvSpPr>
+          <p:cNvPr id="9" name="TextBox 8">
+            <a:extLst>
+              <a:ext uri="{FF2B5EF4-FFF2-40B4-BE49-F238E27FC236}">
+                <a16:creationId xmlns:a16="http://schemas.microsoft.com/office/drawing/2014/main" id="{1D902F64-1DD4-0D09-583C-A38E9646A1F3}"/>
+              </a:ext>
+            </a:extLst>
+          </p:cNvPr>
+          <p:cNvSpPr txBox="1"/>
           <p:nvPr/>
         </p:nvSpPr>
         <p:spPr>
           <a:xfrm>
-            <a:off x="1533330" y="2046015"/>
-            <a:ext cx="4354286" cy="547753"/>
-          </a:xfrm>
-          <a:prstGeom prst="rect">
-            <a:avLst/>
-          </a:prstGeom>
-        </p:spPr>
-        <p:style>
-          <a:lnRef idx="2">
-            <a:schemeClr val="accent1">
-              <a:shade val="15000"/>
-            </a:schemeClr>
-          </a:lnRef>
-          <a:fillRef idx="1">
-            <a:schemeClr val="accent1"/>
-          </a:fillRef>
-          <a:effectRef idx="0">
-            <a:schemeClr val="accent1"/>
-          </a:effectRef>
-          <a:fontRef idx="minor">
-            <a:schemeClr val="lt1"/>
-          </a:fontRef>
-        </p:style>
-        <p:txBody>
-          <a:bodyPr rtlCol="0" anchor="ctr"/>
-          <a:lstStyle/>
-          <a:p>
-            <a:pPr algn="ctr"/>
-            <a:r>
-              <a:rPr lang="en-US" b="1" dirty="0">
-                <a:solidFill>
-                  <a:schemeClr val="tx1"/>
-                </a:solidFill>
-              </a:rPr>
-              <a:t>CSS</a:t>
-            </a:r>
-            <a:endParaRPr lang="en-AE" b="1" dirty="0">
-              <a:solidFill>
-                <a:schemeClr val="tx1"/>
-              </a:solidFill>
-            </a:endParaRPr>
-          </a:p>
-        </p:txBody>
-      </p:sp>
-      <p:sp>
-        <p:nvSpPr>
-          <p:cNvPr id="8" name="Rectangle 7">
-            <a:extLst>
-              <a:ext uri="{FF2B5EF4-FFF2-40B4-BE49-F238E27FC236}">
-                <a16:creationId xmlns:a16="http://schemas.microsoft.com/office/drawing/2014/main" id="{8558B2B6-E38B-D335-3AC3-61047260F486}"/>
-              </a:ext>
-            </a:extLst>
-          </p:cNvPr>
-          <p:cNvSpPr/>
-          <p:nvPr/>
-        </p:nvSpPr>
-        <p:spPr>
-          <a:xfrm>
-            <a:off x="1533330" y="2892130"/>
-            <a:ext cx="4354286" cy="547753"/>
-          </a:xfrm>
-          <a:prstGeom prst="rect">
-            <a:avLst/>
-          </a:prstGeom>
-          <a:solidFill>
-            <a:schemeClr val="accent5">
-              <a:lumMod val="60000"/>
-              <a:lumOff val="40000"/>
-            </a:schemeClr>
-          </a:solidFill>
-        </p:spPr>
-        <p:style>
-          <a:lnRef idx="2">
-            <a:schemeClr val="accent1">
-              <a:shade val="15000"/>
-            </a:schemeClr>
-          </a:lnRef>
-          <a:fillRef idx="1">
-            <a:schemeClr val="accent1"/>
-          </a:fillRef>
-          <a:effectRef idx="0">
-            <a:schemeClr val="accent1"/>
-          </a:effectRef>
-          <a:fontRef idx="minor">
-            <a:schemeClr val="lt1"/>
-          </a:fontRef>
-        </p:style>
-        <p:txBody>
-          <a:bodyPr rtlCol="0" anchor="ctr"/>
-          <a:lstStyle/>
-          <a:p>
-            <a:pPr algn="ctr"/>
-            <a:r>
-              <a:rPr lang="en-US" b="1" dirty="0">
-                <a:solidFill>
-                  <a:schemeClr val="tx1"/>
-                </a:solidFill>
-              </a:rPr>
-              <a:t>JAVASCRIPT</a:t>
-            </a:r>
-            <a:endParaRPr lang="en-AE" b="1" dirty="0">
-              <a:solidFill>
-                <a:schemeClr val="tx1"/>
-              </a:solidFill>
-            </a:endParaRPr>
-          </a:p>
-        </p:txBody>
-      </p:sp>
-      <p:sp>
-        <p:nvSpPr>
-          <p:cNvPr id="9" name="Rectangle 8">
-            <a:extLst>
-              <a:ext uri="{FF2B5EF4-FFF2-40B4-BE49-F238E27FC236}">
-                <a16:creationId xmlns:a16="http://schemas.microsoft.com/office/drawing/2014/main" id="{71333E61-B820-CBBD-0316-594144B42A76}"/>
-              </a:ext>
-            </a:extLst>
-          </p:cNvPr>
-          <p:cNvSpPr/>
-          <p:nvPr/>
-        </p:nvSpPr>
-        <p:spPr>
-          <a:xfrm>
-            <a:off x="1533329" y="3755532"/>
-            <a:ext cx="4354286" cy="547753"/>
-          </a:xfrm>
-          <a:prstGeom prst="rect">
-            <a:avLst/>
-          </a:prstGeom>
-        </p:spPr>
-        <p:style>
-          <a:lnRef idx="2">
-            <a:schemeClr val="accent1">
-              <a:shade val="15000"/>
-            </a:schemeClr>
-          </a:lnRef>
-          <a:fillRef idx="1">
-            <a:schemeClr val="accent1"/>
-          </a:fillRef>
-          <a:effectRef idx="0">
-            <a:schemeClr val="accent1"/>
-          </a:effectRef>
-          <a:fontRef idx="minor">
-            <a:schemeClr val="lt1"/>
-          </a:fontRef>
-        </p:style>
-        <p:txBody>
-          <a:bodyPr rtlCol="0" anchor="ctr"/>
-          <a:lstStyle/>
-          <a:p>
-            <a:pPr algn="ctr"/>
-            <a:r>
-              <a:rPr lang="en-US" b="1" dirty="0">
-                <a:solidFill>
-                  <a:schemeClr val="tx1"/>
-                </a:solidFill>
-              </a:rPr>
-              <a:t>BOOTSTRAP</a:t>
-            </a:r>
-            <a:endParaRPr lang="en-AE" b="1" dirty="0">
-              <a:solidFill>
-                <a:schemeClr val="tx1"/>
-              </a:solidFill>
-            </a:endParaRPr>
-          </a:p>
-        </p:txBody>
-      </p:sp>
-      <p:sp>
-        <p:nvSpPr>
-          <p:cNvPr id="10" name="Rectangle 9">
-            <a:extLst>
-              <a:ext uri="{FF2B5EF4-FFF2-40B4-BE49-F238E27FC236}">
-                <a16:creationId xmlns:a16="http://schemas.microsoft.com/office/drawing/2014/main" id="{6C764EE6-3816-300E-715A-755E17125CF0}"/>
-              </a:ext>
-            </a:extLst>
-          </p:cNvPr>
-          <p:cNvSpPr/>
-          <p:nvPr/>
-        </p:nvSpPr>
-        <p:spPr>
-          <a:xfrm>
-            <a:off x="1533329" y="4618934"/>
-            <a:ext cx="4354286" cy="547753"/>
-          </a:xfrm>
-          <a:prstGeom prst="rect">
-            <a:avLst/>
-          </a:prstGeom>
-          <a:solidFill>
-            <a:schemeClr val="accent5">
-              <a:lumMod val="60000"/>
-              <a:lumOff val="40000"/>
-            </a:schemeClr>
-          </a:solidFill>
-        </p:spPr>
-        <p:style>
-          <a:lnRef idx="2">
-            <a:schemeClr val="accent1">
-              <a:shade val="15000"/>
-            </a:schemeClr>
-          </a:lnRef>
-          <a:fillRef idx="1">
-            <a:schemeClr val="accent1"/>
-          </a:fillRef>
-          <a:effectRef idx="0">
-            <a:schemeClr val="accent1"/>
-          </a:effectRef>
-          <a:fontRef idx="minor">
-            <a:schemeClr val="lt1"/>
-          </a:fontRef>
-        </p:style>
-        <p:txBody>
-          <a:bodyPr rtlCol="0" anchor="ctr"/>
-          <a:lstStyle/>
-          <a:p>
-            <a:pPr algn="ctr"/>
-            <a:r>
-              <a:rPr lang="en-US" b="1" dirty="0">
-                <a:solidFill>
-                  <a:schemeClr val="tx1"/>
-                </a:solidFill>
-              </a:rPr>
-              <a:t>MEAN</a:t>
-            </a:r>
-            <a:endParaRPr lang="en-AE" b="1" dirty="0">
-              <a:solidFill>
-                <a:schemeClr val="tx1"/>
-              </a:solidFill>
-            </a:endParaRPr>
-          </a:p>
-        </p:txBody>
-      </p:sp>
-      <p:pic>
-        <p:nvPicPr>
-          <p:cNvPr id="1026" name="Picture 2" descr="21,369,800+ Technology Stock Photos, Pictures &amp; Royalty-Free ...">
-            <a:extLst>
-              <a:ext uri="{FF2B5EF4-FFF2-40B4-BE49-F238E27FC236}">
-                <a16:creationId xmlns:a16="http://schemas.microsoft.com/office/drawing/2014/main" id="{5E6C4EB3-954B-4F6E-4D5A-E742BE398BEB}"/>
-              </a:ext>
-            </a:extLst>
-          </p:cNvPr>
-          <p:cNvPicPr>
-            <a:picLocks noChangeAspect="1" noChangeArrowheads="1"/>
-          </p:cNvPicPr>
-          <p:nvPr/>
-        </p:nvPicPr>
-        <p:blipFill>
-          <a:blip r:embed="rId2">
-            <a:extLst>
-              <a:ext uri="{28A0092B-C50C-407E-A947-70E740481C1C}">
-                <a14:useLocalDpi xmlns:a14="http://schemas.microsoft.com/office/drawing/2010/main" val="0"/>
-              </a:ext>
-            </a:extLst>
-          </a:blip>
-          <a:srcRect/>
-          <a:stretch>
-            <a:fillRect/>
-          </a:stretch>
-        </p:blipFill>
-        <p:spPr bwMode="auto">
-          <a:xfrm>
-            <a:off x="6304386" y="1"/>
-            <a:ext cx="5887614" cy="6803816"/>
+            <a:off x="4679004" y="583659"/>
+            <a:ext cx="4737371" cy="707886"/>
           </a:xfrm>
           <a:prstGeom prst="rect">
             <a:avLst/>
           </a:prstGeom>
           <a:noFill/>
-          <a:extLst>
-            <a:ext uri="{909E8E84-426E-40DD-AFC4-6F175D3DCCD1}">
-              <a14:hiddenFill xmlns:a14="http://schemas.microsoft.com/office/drawing/2010/main">
-                <a:solidFill>
-                  <a:srgbClr val="FFFFFF"/>
-                </a:solidFill>
-              </a14:hiddenFill>
-            </a:ext>
-          </a:extLst>
-        </p:spPr>
-      </p:pic>
-      <p:sp>
-        <p:nvSpPr>
-          <p:cNvPr id="12" name="TextBox 11">
-            <a:extLst>
-              <a:ext uri="{FF2B5EF4-FFF2-40B4-BE49-F238E27FC236}">
-                <a16:creationId xmlns:a16="http://schemas.microsoft.com/office/drawing/2014/main" id="{321F7DF2-1ED2-5200-B4F3-2C59B1FB6372}"/>
-              </a:ext>
-            </a:extLst>
-          </p:cNvPr>
-          <p:cNvSpPr txBox="1"/>
-          <p:nvPr/>
-        </p:nvSpPr>
-        <p:spPr>
-          <a:xfrm>
-            <a:off x="5045529" y="341523"/>
-            <a:ext cx="6134876" cy="707886"/>
-          </a:xfrm>
-          <a:prstGeom prst="rect">
-            <a:avLst/>
-          </a:prstGeom>
-          <a:noFill/>
-        </p:spPr>
-        <p:txBody>
-          <a:bodyPr wrap="square">
+        </p:spPr>
+        <p:txBody>
+          <a:bodyPr wrap="square" rtlCol="0">
             <a:spAutoFit/>
           </a:bodyPr>
           <a:lstStyle/>
@@ -6642,104 +7082,20 @@
                   <a:srgbClr val="002060"/>
                 </a:solidFill>
               </a:rPr>
-              <a:t>We introduced </a:t>
-            </a:r>
-            <a:endParaRPr lang="en-AE" sz="4000" b="1" dirty="0"/>
-          </a:p>
-        </p:txBody>
-      </p:sp>
-      <p:sp>
-        <p:nvSpPr>
-          <p:cNvPr id="2" name="Rectangle 1">
-            <a:extLst>
-              <a:ext uri="{FF2B5EF4-FFF2-40B4-BE49-F238E27FC236}">
-                <a16:creationId xmlns:a16="http://schemas.microsoft.com/office/drawing/2014/main" id="{B01ACDB7-E5E7-519F-47A4-ADD82D2DA1FE}"/>
-              </a:ext>
-            </a:extLst>
-          </p:cNvPr>
-          <p:cNvSpPr/>
-          <p:nvPr/>
-        </p:nvSpPr>
-        <p:spPr>
-          <a:xfrm>
-            <a:off x="1533329" y="5429783"/>
-            <a:ext cx="4354286" cy="547753"/>
-          </a:xfrm>
-          <a:prstGeom prst="rect">
-            <a:avLst/>
-          </a:prstGeom>
-        </p:spPr>
-        <p:style>
-          <a:lnRef idx="2">
-            <a:schemeClr val="accent1">
-              <a:shade val="15000"/>
-            </a:schemeClr>
-          </a:lnRef>
-          <a:fillRef idx="1">
-            <a:schemeClr val="accent1"/>
-          </a:fillRef>
-          <a:effectRef idx="0">
-            <a:schemeClr val="accent1"/>
-          </a:effectRef>
-          <a:fontRef idx="minor">
-            <a:schemeClr val="lt1"/>
-          </a:fontRef>
-        </p:style>
-        <p:txBody>
-          <a:bodyPr rtlCol="0" anchor="ctr"/>
-          <a:lstStyle/>
-          <a:p>
-            <a:pPr algn="ctr"/>
-            <a:r>
-              <a:rPr lang="en-US" b="1" dirty="0">
-                <a:solidFill>
-                  <a:schemeClr val="tx1"/>
-                </a:solidFill>
-              </a:rPr>
-              <a:t>CONTAINERIZATION</a:t>
-            </a:r>
-            <a:endParaRPr lang="en-AE" b="1" dirty="0">
+              <a:t>Objectives of MEAN</a:t>
+            </a:r>
+            <a:endParaRPr lang="en-AE" sz="4000" b="1" dirty="0">
               <a:solidFill>
-                <a:schemeClr val="tx1"/>
+                <a:srgbClr val="002060"/>
               </a:solidFill>
             </a:endParaRPr>
           </a:p>
         </p:txBody>
       </p:sp>
-      <p:pic>
-        <p:nvPicPr>
-          <p:cNvPr id="4" name="Picture 3">
-            <a:extLst>
-              <a:ext uri="{FF2B5EF4-FFF2-40B4-BE49-F238E27FC236}">
-                <a16:creationId xmlns:a16="http://schemas.microsoft.com/office/drawing/2014/main" id="{FCAFED23-E76D-11DD-675D-D2A84C33F8AC}"/>
-              </a:ext>
-            </a:extLst>
-          </p:cNvPr>
-          <p:cNvPicPr>
-            <a:picLocks noChangeAspect="1"/>
-          </p:cNvPicPr>
-          <p:nvPr/>
-        </p:nvPicPr>
-        <p:blipFill>
-          <a:blip r:embed="rId3"/>
-          <a:stretch>
-            <a:fillRect/>
-          </a:stretch>
-        </p:blipFill>
-        <p:spPr>
-          <a:xfrm>
-            <a:off x="501445" y="6105832"/>
-            <a:ext cx="1455174" cy="689276"/>
-          </a:xfrm>
-          <a:prstGeom prst="rect">
-            <a:avLst/>
-          </a:prstGeom>
-        </p:spPr>
-      </p:pic>
     </p:spTree>
     <p:extLst>
       <p:ext uri="{BB962C8B-B14F-4D97-AF65-F5344CB8AC3E}">
-        <p14:creationId xmlns:p14="http://schemas.microsoft.com/office/powerpoint/2010/main" val="1400361021"/>
+        <p14:creationId xmlns:p14="http://schemas.microsoft.com/office/powerpoint/2010/main" val="3489645176"/>
       </p:ext>
     </p:extLst>
   </p:cSld>
@@ -6768,10 +7124,10 @@
       </p:grpSpPr>
       <p:sp>
         <p:nvSpPr>
-          <p:cNvPr id="4" name="Rectangle: Rounded Corners 3">
-            <a:extLst>
-              <a:ext uri="{FF2B5EF4-FFF2-40B4-BE49-F238E27FC236}">
-                <a16:creationId xmlns:a16="http://schemas.microsoft.com/office/drawing/2014/main" id="{990EC17E-4DBA-56D9-B6DD-6955DDE1DDC9}"/>
+          <p:cNvPr id="6" name="Rectangle 5">
+            <a:extLst>
+              <a:ext uri="{FF2B5EF4-FFF2-40B4-BE49-F238E27FC236}">
+                <a16:creationId xmlns:a16="http://schemas.microsoft.com/office/drawing/2014/main" id="{75DB5B3C-3373-E590-AC34-9F63E164EC3E}"/>
               </a:ext>
             </a:extLst>
           </p:cNvPr>
@@ -6780,17 +7136,16 @@
         </p:nvSpPr>
         <p:spPr>
           <a:xfrm>
-            <a:off x="4161454" y="1428065"/>
-            <a:ext cx="7072604" cy="4842588"/>
-          </a:xfrm>
-          <a:prstGeom prst="roundRect">
+            <a:off x="1533330" y="1154340"/>
+            <a:ext cx="4354286" cy="593313"/>
+          </a:xfrm>
+          <a:prstGeom prst="rect">
             <a:avLst/>
           </a:prstGeom>
           <a:solidFill>
-            <a:schemeClr val="accent2">
-              <a:lumMod val="40000"/>
-              <a:lumOff val="60000"/>
-              <a:alpha val="26000"/>
+            <a:schemeClr val="accent5">
+              <a:lumMod val="60000"/>
+              <a:lumOff val="40000"/>
             </a:schemeClr>
           </a:solidFill>
         </p:spPr>
@@ -6814,223 +7169,273 @@
           <a:bodyPr rtlCol="0" anchor="ctr"/>
           <a:lstStyle/>
           <a:p>
-            <a:endParaRPr lang="en-US" sz="2400" b="1" dirty="0">
+            <a:pPr algn="ctr"/>
+            <a:r>
+              <a:rPr lang="en-US" b="1" dirty="0">
+                <a:solidFill>
+                  <a:schemeClr val="tx1"/>
+                </a:solidFill>
+              </a:rPr>
+              <a:t>HTML</a:t>
+            </a:r>
+            <a:endParaRPr lang="en-AE" b="1" dirty="0">
               <a:solidFill>
-                <a:schemeClr val="tx1">
-                  <a:lumMod val="95000"/>
-                  <a:lumOff val="5000"/>
-                </a:schemeClr>
+                <a:schemeClr val="tx1"/>
               </a:solidFill>
             </a:endParaRPr>
           </a:p>
-          <a:p>
-            <a:endParaRPr lang="en-US" sz="2400" b="1" dirty="0">
+        </p:txBody>
+      </p:sp>
+      <p:sp>
+        <p:nvSpPr>
+          <p:cNvPr id="7" name="Rectangle 6">
+            <a:extLst>
+              <a:ext uri="{FF2B5EF4-FFF2-40B4-BE49-F238E27FC236}">
+                <a16:creationId xmlns:a16="http://schemas.microsoft.com/office/drawing/2014/main" id="{7EDD293B-1942-7FD4-0751-C798C409BC31}"/>
+              </a:ext>
+            </a:extLst>
+          </p:cNvPr>
+          <p:cNvSpPr/>
+          <p:nvPr/>
+        </p:nvSpPr>
+        <p:spPr>
+          <a:xfrm>
+            <a:off x="1533329" y="2139045"/>
+            <a:ext cx="4354286" cy="547753"/>
+          </a:xfrm>
+          <a:prstGeom prst="rect">
+            <a:avLst/>
+          </a:prstGeom>
+        </p:spPr>
+        <p:style>
+          <a:lnRef idx="2">
+            <a:schemeClr val="accent1">
+              <a:shade val="15000"/>
+            </a:schemeClr>
+          </a:lnRef>
+          <a:fillRef idx="1">
+            <a:schemeClr val="accent1"/>
+          </a:fillRef>
+          <a:effectRef idx="0">
+            <a:schemeClr val="accent1"/>
+          </a:effectRef>
+          <a:fontRef idx="minor">
+            <a:schemeClr val="lt1"/>
+          </a:fontRef>
+        </p:style>
+        <p:txBody>
+          <a:bodyPr rtlCol="0" anchor="ctr"/>
+          <a:lstStyle/>
+          <a:p>
+            <a:pPr algn="ctr"/>
+            <a:r>
+              <a:rPr lang="en-US" b="1" dirty="0">
+                <a:solidFill>
+                  <a:schemeClr val="tx1"/>
+                </a:solidFill>
+              </a:rPr>
+              <a:t>CSS</a:t>
+            </a:r>
+            <a:endParaRPr lang="en-AE" b="1" dirty="0">
               <a:solidFill>
-                <a:schemeClr val="accent1">
-                  <a:lumMod val="50000"/>
-                </a:schemeClr>
+                <a:schemeClr val="tx1"/>
               </a:solidFill>
             </a:endParaRPr>
           </a:p>
-          <a:p>
-            <a:r>
-              <a:rPr lang="en-US" sz="2400" b="1" dirty="0">
+        </p:txBody>
+      </p:sp>
+      <p:sp>
+        <p:nvSpPr>
+          <p:cNvPr id="8" name="Rectangle 7">
+            <a:extLst>
+              <a:ext uri="{FF2B5EF4-FFF2-40B4-BE49-F238E27FC236}">
+                <a16:creationId xmlns:a16="http://schemas.microsoft.com/office/drawing/2014/main" id="{8558B2B6-E38B-D335-3AC3-61047260F486}"/>
+              </a:ext>
+            </a:extLst>
+          </p:cNvPr>
+          <p:cNvSpPr/>
+          <p:nvPr/>
+        </p:nvSpPr>
+        <p:spPr>
+          <a:xfrm>
+            <a:off x="1533330" y="2892130"/>
+            <a:ext cx="4354286" cy="547753"/>
+          </a:xfrm>
+          <a:prstGeom prst="rect">
+            <a:avLst/>
+          </a:prstGeom>
+          <a:solidFill>
+            <a:schemeClr val="accent5">
+              <a:lumMod val="60000"/>
+              <a:lumOff val="40000"/>
+            </a:schemeClr>
+          </a:solidFill>
+        </p:spPr>
+        <p:style>
+          <a:lnRef idx="2">
+            <a:schemeClr val="accent1">
+              <a:shade val="15000"/>
+            </a:schemeClr>
+          </a:lnRef>
+          <a:fillRef idx="1">
+            <a:schemeClr val="accent1"/>
+          </a:fillRef>
+          <a:effectRef idx="0">
+            <a:schemeClr val="accent1"/>
+          </a:effectRef>
+          <a:fontRef idx="minor">
+            <a:schemeClr val="lt1"/>
+          </a:fontRef>
+        </p:style>
+        <p:txBody>
+          <a:bodyPr rtlCol="0" anchor="ctr"/>
+          <a:lstStyle/>
+          <a:p>
+            <a:pPr algn="ctr"/>
+            <a:r>
+              <a:rPr lang="en-US" b="1" dirty="0">
                 <a:solidFill>
-                  <a:schemeClr val="accent1">
-                    <a:lumMod val="50000"/>
-                  </a:schemeClr>
+                  <a:schemeClr val="tx1"/>
                 </a:solidFill>
               </a:rPr>
-              <a:t>                                  </a:t>
-            </a:r>
-          </a:p>
-          <a:p>
-            <a:endParaRPr lang="en-US" sz="2400" b="1" dirty="0">
+              <a:t>JAVASCRIPT</a:t>
+            </a:r>
+            <a:endParaRPr lang="en-AE" b="1" dirty="0">
               <a:solidFill>
-                <a:schemeClr val="accent1">
-                  <a:lumMod val="50000"/>
-                </a:schemeClr>
+                <a:schemeClr val="tx1"/>
               </a:solidFill>
             </a:endParaRPr>
           </a:p>
-          <a:p>
-            <a:r>
-              <a:rPr lang="en-US" sz="2400" b="1" dirty="0">
+        </p:txBody>
+      </p:sp>
+      <p:sp>
+        <p:nvSpPr>
+          <p:cNvPr id="9" name="Rectangle 8">
+            <a:extLst>
+              <a:ext uri="{FF2B5EF4-FFF2-40B4-BE49-F238E27FC236}">
+                <a16:creationId xmlns:a16="http://schemas.microsoft.com/office/drawing/2014/main" id="{71333E61-B820-CBBD-0316-594144B42A76}"/>
+              </a:ext>
+            </a:extLst>
+          </p:cNvPr>
+          <p:cNvSpPr/>
+          <p:nvPr/>
+        </p:nvSpPr>
+        <p:spPr>
+          <a:xfrm>
+            <a:off x="1533329" y="3755532"/>
+            <a:ext cx="4354286" cy="547753"/>
+          </a:xfrm>
+          <a:prstGeom prst="rect">
+            <a:avLst/>
+          </a:prstGeom>
+        </p:spPr>
+        <p:style>
+          <a:lnRef idx="2">
+            <a:schemeClr val="accent1">
+              <a:shade val="15000"/>
+            </a:schemeClr>
+          </a:lnRef>
+          <a:fillRef idx="1">
+            <a:schemeClr val="accent1"/>
+          </a:fillRef>
+          <a:effectRef idx="0">
+            <a:schemeClr val="accent1"/>
+          </a:effectRef>
+          <a:fontRef idx="minor">
+            <a:schemeClr val="lt1"/>
+          </a:fontRef>
+        </p:style>
+        <p:txBody>
+          <a:bodyPr rtlCol="0" anchor="ctr"/>
+          <a:lstStyle/>
+          <a:p>
+            <a:pPr algn="ctr"/>
+            <a:r>
+              <a:rPr lang="en-US" b="1" dirty="0">
                 <a:solidFill>
-                  <a:schemeClr val="accent1">
-                    <a:lumMod val="50000"/>
-                  </a:schemeClr>
+                  <a:schemeClr val="tx1"/>
                 </a:solidFill>
               </a:rPr>
-              <a:t>                                  </a:t>
-            </a:r>
-          </a:p>
-          <a:p>
-            <a:endParaRPr lang="en-US" sz="2400" b="1" dirty="0">
+              <a:t>BOOTSTRAP</a:t>
+            </a:r>
+            <a:endParaRPr lang="en-AE" b="1" dirty="0">
               <a:solidFill>
-                <a:schemeClr val="accent1">
-                  <a:lumMod val="50000"/>
-                </a:schemeClr>
+                <a:schemeClr val="tx1"/>
               </a:solidFill>
             </a:endParaRPr>
           </a:p>
-          <a:p>
-            <a:endParaRPr lang="en-US" sz="2400" b="1" dirty="0">
+        </p:txBody>
+      </p:sp>
+      <p:sp>
+        <p:nvSpPr>
+          <p:cNvPr id="10" name="Rectangle 9">
+            <a:extLst>
+              <a:ext uri="{FF2B5EF4-FFF2-40B4-BE49-F238E27FC236}">
+                <a16:creationId xmlns:a16="http://schemas.microsoft.com/office/drawing/2014/main" id="{6C764EE6-3816-300E-715A-755E17125CF0}"/>
+              </a:ext>
+            </a:extLst>
+          </p:cNvPr>
+          <p:cNvSpPr/>
+          <p:nvPr/>
+        </p:nvSpPr>
+        <p:spPr>
+          <a:xfrm>
+            <a:off x="1533329" y="4618934"/>
+            <a:ext cx="4354286" cy="547753"/>
+          </a:xfrm>
+          <a:prstGeom prst="rect">
+            <a:avLst/>
+          </a:prstGeom>
+          <a:solidFill>
+            <a:schemeClr val="accent5">
+              <a:lumMod val="60000"/>
+              <a:lumOff val="40000"/>
+            </a:schemeClr>
+          </a:solidFill>
+        </p:spPr>
+        <p:style>
+          <a:lnRef idx="2">
+            <a:schemeClr val="accent1">
+              <a:shade val="15000"/>
+            </a:schemeClr>
+          </a:lnRef>
+          <a:fillRef idx="1">
+            <a:schemeClr val="accent1"/>
+          </a:fillRef>
+          <a:effectRef idx="0">
+            <a:schemeClr val="accent1"/>
+          </a:effectRef>
+          <a:fontRef idx="minor">
+            <a:schemeClr val="lt1"/>
+          </a:fontRef>
+        </p:style>
+        <p:txBody>
+          <a:bodyPr rtlCol="0" anchor="ctr"/>
+          <a:lstStyle/>
+          <a:p>
+            <a:pPr algn="ctr"/>
+            <a:r>
+              <a:rPr lang="en-US" b="1" dirty="0">
+                <a:solidFill>
+                  <a:schemeClr val="tx1"/>
+                </a:solidFill>
+              </a:rPr>
+              <a:t>ANGULAR</a:t>
+            </a:r>
+            <a:endParaRPr lang="en-AE" b="1" dirty="0">
               <a:solidFill>
-                <a:schemeClr val="accent1">
-                  <a:lumMod val="50000"/>
-                </a:schemeClr>
+                <a:schemeClr val="tx1"/>
               </a:solidFill>
             </a:endParaRPr>
           </a:p>
-          <a:p>
-            <a:endParaRPr lang="en-US" sz="2400" b="1" dirty="0">
-              <a:solidFill>
-                <a:schemeClr val="accent1">
-                  <a:lumMod val="50000"/>
-                </a:schemeClr>
-              </a:solidFill>
-            </a:endParaRPr>
-          </a:p>
-          <a:p>
-            <a:r>
-              <a:rPr lang="en-US" sz="2400" b="1" dirty="0">
-                <a:solidFill>
-                  <a:schemeClr val="accent1">
-                    <a:lumMod val="50000"/>
-                  </a:schemeClr>
-                </a:solidFill>
-              </a:rPr>
-              <a:t>                                  </a:t>
-            </a:r>
-            <a:r>
-              <a:rPr lang="en-US" sz="2400" b="1" dirty="0">
-                <a:solidFill>
-                  <a:srgbClr val="00B050"/>
-                </a:solidFill>
-              </a:rPr>
-              <a:t>M</a:t>
-            </a:r>
-            <a:r>
-              <a:rPr lang="en-US" sz="2400" b="1" dirty="0">
-                <a:solidFill>
-                  <a:schemeClr val="accent1">
-                    <a:lumMod val="50000"/>
-                  </a:schemeClr>
-                </a:solidFill>
-              </a:rPr>
-              <a:t>- MongoDB</a:t>
-            </a:r>
-          </a:p>
-          <a:p>
-            <a:r>
-              <a:rPr lang="en-US" sz="2400" b="1" dirty="0">
-                <a:solidFill>
-                  <a:schemeClr val="accent2"/>
-                </a:solidFill>
-              </a:rPr>
-              <a:t>                                   E- </a:t>
-            </a:r>
-            <a:r>
-              <a:rPr lang="en-US" sz="2400" b="1" dirty="0">
-                <a:solidFill>
-                  <a:schemeClr val="accent1">
-                    <a:lumMod val="50000"/>
-                  </a:schemeClr>
-                </a:solidFill>
-              </a:rPr>
-              <a:t>Express.js</a:t>
-            </a:r>
-          </a:p>
-          <a:p>
-            <a:r>
-              <a:rPr lang="en-US" sz="2400" b="1" dirty="0">
-                <a:solidFill>
-                  <a:schemeClr val="accent1">
-                    <a:lumMod val="50000"/>
-                  </a:schemeClr>
-                </a:solidFill>
-              </a:rPr>
-              <a:t>                                  </a:t>
-            </a:r>
-            <a:r>
-              <a:rPr lang="en-US" sz="2400" b="1" dirty="0">
-                <a:solidFill>
-                  <a:srgbClr val="FF0000"/>
-                </a:solidFill>
-              </a:rPr>
-              <a:t> A- </a:t>
-            </a:r>
-            <a:r>
-              <a:rPr lang="en-US" sz="2400" b="1" dirty="0">
-                <a:solidFill>
-                  <a:schemeClr val="accent1">
-                    <a:lumMod val="50000"/>
-                  </a:schemeClr>
-                </a:solidFill>
-              </a:rPr>
-              <a:t>Angular</a:t>
-            </a:r>
-          </a:p>
-          <a:p>
-            <a:r>
-              <a:rPr lang="en-US" sz="2400" b="1" dirty="0">
-                <a:solidFill>
-                  <a:schemeClr val="accent1">
-                    <a:lumMod val="50000"/>
-                  </a:schemeClr>
-                </a:solidFill>
-              </a:rPr>
-              <a:t>                                   </a:t>
-            </a:r>
-            <a:r>
-              <a:rPr lang="en-US" sz="2400" b="1" dirty="0">
-                <a:solidFill>
-                  <a:schemeClr val="accent6">
-                    <a:lumMod val="75000"/>
-                  </a:schemeClr>
-                </a:solidFill>
-              </a:rPr>
-              <a:t>N</a:t>
-            </a:r>
-            <a:r>
-              <a:rPr lang="en-US" sz="2400" b="1" dirty="0">
-                <a:solidFill>
-                  <a:schemeClr val="accent1">
-                    <a:lumMod val="50000"/>
-                  </a:schemeClr>
-                </a:solidFill>
-              </a:rPr>
-              <a:t>- Node.js</a:t>
-            </a:r>
-          </a:p>
-          <a:p>
-            <a:endParaRPr lang="en-US" b="1" dirty="0">
-              <a:solidFill>
-                <a:schemeClr val="accent1">
-                  <a:lumMod val="50000"/>
-                </a:schemeClr>
-              </a:solidFill>
-            </a:endParaRPr>
-          </a:p>
-          <a:p>
-            <a:r>
-              <a:rPr lang="en-US" dirty="0">
-                <a:solidFill>
-                  <a:schemeClr val="bg1"/>
-                </a:solidFill>
-              </a:rPr>
-              <a:t> </a:t>
-            </a:r>
-          </a:p>
-        </p:txBody>
-      </p:sp>
-      <p:sp>
-        <p:nvSpPr>
-          <p:cNvPr id="5" name="TextBox 4">
-            <a:extLst>
-              <a:ext uri="{FF2B5EF4-FFF2-40B4-BE49-F238E27FC236}">
-                <a16:creationId xmlns:a16="http://schemas.microsoft.com/office/drawing/2014/main" id="{8F2EDCE7-07B9-9187-5920-A3C2867EBC3C}"/>
+        </p:txBody>
+      </p:sp>
+      <p:sp>
+        <p:nvSpPr>
+          <p:cNvPr id="12" name="TextBox 11">
+            <a:extLst>
+              <a:ext uri="{FF2B5EF4-FFF2-40B4-BE49-F238E27FC236}">
+                <a16:creationId xmlns:a16="http://schemas.microsoft.com/office/drawing/2014/main" id="{321F7DF2-1ED2-5200-B4F3-2C59B1FB6372}"/>
               </a:ext>
             </a:extLst>
           </p:cNvPr>
@@ -7039,8 +7444,8 @@
         </p:nvSpPr>
         <p:spPr>
           <a:xfrm>
-            <a:off x="4394718" y="264181"/>
-            <a:ext cx="9535885" cy="646331"/>
+            <a:off x="3598606" y="194344"/>
+            <a:ext cx="6134876" cy="707886"/>
           </a:xfrm>
           <a:prstGeom prst="rect">
             <a:avLst/>
@@ -7048,86 +7453,29 @@
           <a:noFill/>
         </p:spPr>
         <p:txBody>
-          <a:bodyPr wrap="square" rtlCol="0">
+          <a:bodyPr wrap="square">
             <a:spAutoFit/>
           </a:bodyPr>
           <a:lstStyle/>
           <a:p>
             <a:r>
-              <a:rPr lang="en-US" sz="3600" b="1" dirty="0">
-                <a:solidFill>
-                  <a:schemeClr val="tx1">
-                    <a:lumMod val="95000"/>
-                    <a:lumOff val="5000"/>
-                  </a:schemeClr>
-                </a:solidFill>
-              </a:rPr>
-              <a:t>    </a:t>
-            </a:r>
-            <a:r>
-              <a:rPr lang="en-US" sz="3600" b="1" dirty="0">
+              <a:rPr lang="en-US" sz="4000" b="1" dirty="0">
                 <a:solidFill>
                   <a:srgbClr val="002060"/>
                 </a:solidFill>
               </a:rPr>
-              <a:t>What is MEAN ?</a:t>
-            </a:r>
+              <a:t>We are introducing </a:t>
+            </a:r>
+            <a:endParaRPr lang="en-AE" sz="4000" b="1" dirty="0"/>
           </a:p>
         </p:txBody>
       </p:sp>
       <p:pic>
         <p:nvPicPr>
-          <p:cNvPr id="1026" name="Picture 2" descr="Mean Stack Development Services I Hire MEAN Stack Developer ...">
-            <a:extLst>
-              <a:ext uri="{FF2B5EF4-FFF2-40B4-BE49-F238E27FC236}">
-                <a16:creationId xmlns:a16="http://schemas.microsoft.com/office/drawing/2014/main" id="{A06EB34D-CD40-21AF-2DD1-28341FF45029}"/>
-              </a:ext>
-            </a:extLst>
-          </p:cNvPr>
-          <p:cNvPicPr>
-            <a:picLocks noChangeAspect="1" noChangeArrowheads="1"/>
-          </p:cNvPicPr>
-          <p:nvPr/>
-        </p:nvPicPr>
-        <p:blipFill>
-          <a:blip r:embed="rId2">
-            <a:extLst>
-              <a:ext uri="{28A0092B-C50C-407E-A947-70E740481C1C}">
-                <a14:useLocalDpi xmlns:a14="http://schemas.microsoft.com/office/drawing/2010/main" val="0"/>
-              </a:ext>
-            </a:extLst>
-          </a:blip>
-          <a:srcRect/>
-          <a:stretch>
-            <a:fillRect/>
-          </a:stretch>
-        </p:blipFill>
-        <p:spPr bwMode="auto">
-          <a:xfrm>
-            <a:off x="5673013" y="1717314"/>
-            <a:ext cx="3872204" cy="2136229"/>
-          </a:xfrm>
-          <a:prstGeom prst="rect">
-            <a:avLst/>
-          </a:prstGeom>
-          <a:noFill/>
-          <a:extLst>
-            <a:ext uri="{909E8E84-426E-40DD-AFC4-6F175D3DCCD1}">
-              <a14:hiddenFill xmlns:a14="http://schemas.microsoft.com/office/drawing/2010/main">
-                <a:solidFill>
-                  <a:srgbClr val="FFFFFF"/>
-                </a:solidFill>
-              </a14:hiddenFill>
-            </a:ext>
-          </a:extLst>
-        </p:spPr>
-      </p:pic>
-      <p:pic>
-        <p:nvPicPr>
-          <p:cNvPr id="3" name="Picture 2">
-            <a:extLst>
-              <a:ext uri="{FF2B5EF4-FFF2-40B4-BE49-F238E27FC236}">
-                <a16:creationId xmlns:a16="http://schemas.microsoft.com/office/drawing/2014/main" id="{EE503A20-E35B-4500-12D4-26B42089B124}"/>
+          <p:cNvPr id="4" name="Picture 3">
+            <a:extLst>
+              <a:ext uri="{FF2B5EF4-FFF2-40B4-BE49-F238E27FC236}">
+                <a16:creationId xmlns:a16="http://schemas.microsoft.com/office/drawing/2014/main" id="{FCAFED23-E76D-11DD-675D-D2A84C33F8AC}"/>
               </a:ext>
             </a:extLst>
           </p:cNvPr>
@@ -7137,61 +7485,333 @@
           <p:nvPr/>
         </p:nvPicPr>
         <p:blipFill>
-          <a:blip r:embed="rId3">
-            <a:extLst>
-              <a:ext uri="{28A0092B-C50C-407E-A947-70E740481C1C}">
-                <a14:useLocalDpi xmlns:a14="http://schemas.microsoft.com/office/drawing/2010/main" val="0"/>
-              </a:ext>
-            </a:extLst>
-          </a:blip>
+          <a:blip r:embed="rId2"/>
           <a:stretch>
             <a:fillRect/>
           </a:stretch>
         </p:blipFill>
         <p:spPr>
           <a:xfrm>
-            <a:off x="298580" y="1428065"/>
-            <a:ext cx="3668488" cy="5280645"/>
+            <a:off x="501445" y="6105832"/>
+            <a:ext cx="1455174" cy="689276"/>
           </a:xfrm>
           <a:prstGeom prst="rect">
             <a:avLst/>
           </a:prstGeom>
         </p:spPr>
       </p:pic>
-      <p:pic>
-        <p:nvPicPr>
-          <p:cNvPr id="6" name="Picture 5">
-            <a:extLst>
-              <a:ext uri="{FF2B5EF4-FFF2-40B4-BE49-F238E27FC236}">
-                <a16:creationId xmlns:a16="http://schemas.microsoft.com/office/drawing/2014/main" id="{60B64155-398F-119F-8D3E-77D6D632F3A7}"/>
-              </a:ext>
-            </a:extLst>
-          </p:cNvPr>
-          <p:cNvPicPr>
-            <a:picLocks noChangeAspect="1"/>
-          </p:cNvPicPr>
+      <p:sp>
+        <p:nvSpPr>
+          <p:cNvPr id="3" name="Rectangle 2">
+            <a:extLst>
+              <a:ext uri="{FF2B5EF4-FFF2-40B4-BE49-F238E27FC236}">
+                <a16:creationId xmlns:a16="http://schemas.microsoft.com/office/drawing/2014/main" id="{687E261B-9907-37EE-909B-C514A5E51006}"/>
+              </a:ext>
+            </a:extLst>
+          </p:cNvPr>
+          <p:cNvSpPr/>
           <p:nvPr/>
-        </p:nvPicPr>
-        <p:blipFill>
-          <a:blip r:embed="rId4"/>
-          <a:stretch>
-            <a:fillRect/>
-          </a:stretch>
-        </p:blipFill>
-        <p:spPr>
-          <a:xfrm>
-            <a:off x="471948" y="6154234"/>
-            <a:ext cx="1391803" cy="554476"/>
+        </p:nvSpPr>
+        <p:spPr>
+          <a:xfrm>
+            <a:off x="6549430" y="1152937"/>
+            <a:ext cx="4354286" cy="593313"/>
           </a:xfrm>
           <a:prstGeom prst="rect">
             <a:avLst/>
           </a:prstGeom>
-        </p:spPr>
-      </p:pic>
+          <a:solidFill>
+            <a:schemeClr val="accent5">
+              <a:lumMod val="60000"/>
+              <a:lumOff val="40000"/>
+            </a:schemeClr>
+          </a:solidFill>
+        </p:spPr>
+        <p:style>
+          <a:lnRef idx="2">
+            <a:schemeClr val="accent1">
+              <a:shade val="15000"/>
+            </a:schemeClr>
+          </a:lnRef>
+          <a:fillRef idx="1">
+            <a:schemeClr val="accent1"/>
+          </a:fillRef>
+          <a:effectRef idx="0">
+            <a:schemeClr val="accent1"/>
+          </a:effectRef>
+          <a:fontRef idx="minor">
+            <a:schemeClr val="lt1"/>
+          </a:fontRef>
+        </p:style>
+        <p:txBody>
+          <a:bodyPr rtlCol="0" anchor="ctr"/>
+          <a:lstStyle/>
+          <a:p>
+            <a:pPr algn="ctr"/>
+            <a:r>
+              <a:rPr lang="en-US" b="1" dirty="0">
+                <a:solidFill>
+                  <a:schemeClr val="tx1"/>
+                </a:solidFill>
+              </a:rPr>
+              <a:t>TYPESCRIPT</a:t>
+            </a:r>
+            <a:endParaRPr lang="en-AE" b="1" dirty="0">
+              <a:solidFill>
+                <a:schemeClr val="tx1"/>
+              </a:solidFill>
+            </a:endParaRPr>
+          </a:p>
+        </p:txBody>
+      </p:sp>
+      <p:sp>
+        <p:nvSpPr>
+          <p:cNvPr id="5" name="Rectangle 4">
+            <a:extLst>
+              <a:ext uri="{FF2B5EF4-FFF2-40B4-BE49-F238E27FC236}">
+                <a16:creationId xmlns:a16="http://schemas.microsoft.com/office/drawing/2014/main" id="{8DA9B05E-3CDC-AEEE-8F8F-EE519CAE98AE}"/>
+              </a:ext>
+            </a:extLst>
+          </p:cNvPr>
+          <p:cNvSpPr/>
+          <p:nvPr/>
+        </p:nvSpPr>
+        <p:spPr>
+          <a:xfrm>
+            <a:off x="6549430" y="2139044"/>
+            <a:ext cx="4354286" cy="547753"/>
+          </a:xfrm>
+          <a:prstGeom prst="rect">
+            <a:avLst/>
+          </a:prstGeom>
+        </p:spPr>
+        <p:style>
+          <a:lnRef idx="2">
+            <a:schemeClr val="accent1">
+              <a:shade val="15000"/>
+            </a:schemeClr>
+          </a:lnRef>
+          <a:fillRef idx="1">
+            <a:schemeClr val="accent1"/>
+          </a:fillRef>
+          <a:effectRef idx="0">
+            <a:schemeClr val="accent1"/>
+          </a:effectRef>
+          <a:fontRef idx="minor">
+            <a:schemeClr val="lt1"/>
+          </a:fontRef>
+        </p:style>
+        <p:txBody>
+          <a:bodyPr rtlCol="0" anchor="ctr"/>
+          <a:lstStyle/>
+          <a:p>
+            <a:pPr algn="ctr"/>
+            <a:r>
+              <a:rPr lang="en-US" b="1" dirty="0">
+                <a:solidFill>
+                  <a:schemeClr val="tx1"/>
+                </a:solidFill>
+              </a:rPr>
+              <a:t>NODE JS</a:t>
+            </a:r>
+            <a:endParaRPr lang="en-AE" b="1" dirty="0">
+              <a:solidFill>
+                <a:schemeClr val="tx1"/>
+              </a:solidFill>
+            </a:endParaRPr>
+          </a:p>
+        </p:txBody>
+      </p:sp>
+      <p:sp>
+        <p:nvSpPr>
+          <p:cNvPr id="11" name="Rectangle 10">
+            <a:extLst>
+              <a:ext uri="{FF2B5EF4-FFF2-40B4-BE49-F238E27FC236}">
+                <a16:creationId xmlns:a16="http://schemas.microsoft.com/office/drawing/2014/main" id="{2D5D911C-963D-98E6-E90E-6369916BEA64}"/>
+              </a:ext>
+            </a:extLst>
+          </p:cNvPr>
+          <p:cNvSpPr/>
+          <p:nvPr/>
+        </p:nvSpPr>
+        <p:spPr>
+          <a:xfrm>
+            <a:off x="6561539" y="2986164"/>
+            <a:ext cx="4354286" cy="547753"/>
+          </a:xfrm>
+          <a:prstGeom prst="rect">
+            <a:avLst/>
+          </a:prstGeom>
+          <a:solidFill>
+            <a:schemeClr val="accent5">
+              <a:lumMod val="60000"/>
+              <a:lumOff val="40000"/>
+            </a:schemeClr>
+          </a:solidFill>
+        </p:spPr>
+        <p:style>
+          <a:lnRef idx="2">
+            <a:schemeClr val="accent1">
+              <a:shade val="15000"/>
+            </a:schemeClr>
+          </a:lnRef>
+          <a:fillRef idx="1">
+            <a:schemeClr val="accent1"/>
+          </a:fillRef>
+          <a:effectRef idx="0">
+            <a:schemeClr val="accent1"/>
+          </a:effectRef>
+          <a:fontRef idx="minor">
+            <a:schemeClr val="lt1"/>
+          </a:fontRef>
+        </p:style>
+        <p:txBody>
+          <a:bodyPr rtlCol="0" anchor="ctr"/>
+          <a:lstStyle/>
+          <a:p>
+            <a:pPr algn="ctr"/>
+            <a:r>
+              <a:rPr lang="en-US" b="1" dirty="0">
+                <a:solidFill>
+                  <a:schemeClr val="tx1"/>
+                </a:solidFill>
+              </a:rPr>
+              <a:t>EXPRESS</a:t>
+            </a:r>
+            <a:endParaRPr lang="en-AE" b="1" dirty="0">
+              <a:solidFill>
+                <a:schemeClr val="tx1"/>
+              </a:solidFill>
+            </a:endParaRPr>
+          </a:p>
+        </p:txBody>
+      </p:sp>
+      <p:sp>
+        <p:nvSpPr>
+          <p:cNvPr id="13" name="Rectangle 12">
+            <a:extLst>
+              <a:ext uri="{FF2B5EF4-FFF2-40B4-BE49-F238E27FC236}">
+                <a16:creationId xmlns:a16="http://schemas.microsoft.com/office/drawing/2014/main" id="{8D5D682D-8F13-C335-BEB7-D91CA652CFA3}"/>
+              </a:ext>
+            </a:extLst>
+          </p:cNvPr>
+          <p:cNvSpPr/>
+          <p:nvPr/>
+        </p:nvSpPr>
+        <p:spPr>
+          <a:xfrm>
+            <a:off x="6561539" y="3756965"/>
+            <a:ext cx="4354286" cy="547753"/>
+          </a:xfrm>
+          <a:prstGeom prst="rect">
+            <a:avLst/>
+          </a:prstGeom>
+        </p:spPr>
+        <p:style>
+          <a:lnRef idx="2">
+            <a:schemeClr val="accent1">
+              <a:shade val="15000"/>
+            </a:schemeClr>
+          </a:lnRef>
+          <a:fillRef idx="1">
+            <a:schemeClr val="accent1"/>
+          </a:fillRef>
+          <a:effectRef idx="0">
+            <a:schemeClr val="accent1"/>
+          </a:effectRef>
+          <a:fontRef idx="minor">
+            <a:schemeClr val="lt1"/>
+          </a:fontRef>
+        </p:style>
+        <p:txBody>
+          <a:bodyPr rtlCol="0" anchor="ctr"/>
+          <a:lstStyle/>
+          <a:p>
+            <a:pPr algn="ctr"/>
+            <a:r>
+              <a:rPr lang="en-US" b="1" dirty="0">
+                <a:solidFill>
+                  <a:schemeClr val="tx1"/>
+                </a:solidFill>
+              </a:rPr>
+              <a:t>MONGO DB</a:t>
+            </a:r>
+            <a:endParaRPr lang="en-AE" b="1" dirty="0">
+              <a:solidFill>
+                <a:schemeClr val="tx1"/>
+              </a:solidFill>
+            </a:endParaRPr>
+          </a:p>
+        </p:txBody>
+      </p:sp>
+      <p:sp>
+        <p:nvSpPr>
+          <p:cNvPr id="14" name="Rectangle 13">
+            <a:extLst>
+              <a:ext uri="{FF2B5EF4-FFF2-40B4-BE49-F238E27FC236}">
+                <a16:creationId xmlns:a16="http://schemas.microsoft.com/office/drawing/2014/main" id="{2B61432D-6010-1850-30F5-090257943267}"/>
+              </a:ext>
+            </a:extLst>
+          </p:cNvPr>
+          <p:cNvSpPr/>
+          <p:nvPr/>
+        </p:nvSpPr>
+        <p:spPr>
+          <a:xfrm>
+            <a:off x="6549430" y="4618933"/>
+            <a:ext cx="4354286" cy="547753"/>
+          </a:xfrm>
+          <a:prstGeom prst="rect">
+            <a:avLst/>
+          </a:prstGeom>
+          <a:solidFill>
+            <a:schemeClr val="accent5">
+              <a:lumMod val="60000"/>
+              <a:lumOff val="40000"/>
+            </a:schemeClr>
+          </a:solidFill>
+        </p:spPr>
+        <p:style>
+          <a:lnRef idx="2">
+            <a:schemeClr val="accent1">
+              <a:shade val="15000"/>
+            </a:schemeClr>
+          </a:lnRef>
+          <a:fillRef idx="1">
+            <a:schemeClr val="accent1"/>
+          </a:fillRef>
+          <a:effectRef idx="0">
+            <a:schemeClr val="accent1"/>
+          </a:effectRef>
+          <a:fontRef idx="minor">
+            <a:schemeClr val="lt1"/>
+          </a:fontRef>
+        </p:style>
+        <p:txBody>
+          <a:bodyPr rtlCol="0" anchor="ctr"/>
+          <a:lstStyle/>
+          <a:p>
+            <a:pPr algn="ctr"/>
+            <a:r>
+              <a:rPr lang="en-US" b="1" dirty="0">
+                <a:solidFill>
+                  <a:schemeClr val="tx1"/>
+                </a:solidFill>
+              </a:rPr>
+              <a:t>DOCKER</a:t>
+            </a:r>
+            <a:endParaRPr lang="en-AE" b="1" dirty="0">
+              <a:solidFill>
+                <a:schemeClr val="tx1"/>
+              </a:solidFill>
+            </a:endParaRPr>
+          </a:p>
+        </p:txBody>
+      </p:sp>
     </p:spTree>
     <p:extLst>
       <p:ext uri="{BB962C8B-B14F-4D97-AF65-F5344CB8AC3E}">
-        <p14:creationId xmlns:p14="http://schemas.microsoft.com/office/powerpoint/2010/main" val="1471876860"/>
+        <p14:creationId xmlns:p14="http://schemas.microsoft.com/office/powerpoint/2010/main" val="1400361021"/>
       </p:ext>
     </p:extLst>
   </p:cSld>
@@ -7247,7 +7867,7 @@
         </p:blipFill>
         <p:spPr bwMode="auto">
           <a:xfrm>
-            <a:off x="0" y="2352982"/>
+            <a:off x="194553" y="1924965"/>
             <a:ext cx="5153025" cy="3390900"/>
           </a:xfrm>
           <a:prstGeom prst="rect">
@@ -7279,8 +7899,8 @@
         </p:nvSpPr>
         <p:spPr>
           <a:xfrm>
-            <a:off x="3461657" y="615821"/>
-            <a:ext cx="6288833" cy="646331"/>
+            <a:off x="3461657" y="360561"/>
+            <a:ext cx="6288833" cy="707886"/>
           </a:xfrm>
           <a:prstGeom prst="rect">
             <a:avLst/>
@@ -7295,143 +7915,29 @@
           <a:p>
             <a:pPr algn="ctr"/>
             <a:r>
-              <a:rPr lang="en-US" sz="3600" b="1" dirty="0">
+              <a:rPr lang="en-US" sz="4000" b="1" dirty="0">
                 <a:solidFill>
                   <a:srgbClr val="002060"/>
                 </a:solidFill>
+                <a:latin typeface="Arial" panose="020B0604020202020204" pitchFamily="34" charset="0"/>
               </a:rPr>
-              <a:t>CONTAINERIZATION</a:t>
-            </a:r>
-            <a:endParaRPr lang="en-AE" sz="3600" b="1" dirty="0">
+              <a:t>D</a:t>
+            </a:r>
+            <a:r>
+              <a:rPr lang="en-US" sz="4000" b="1" i="0" u="none" strike="noStrike" dirty="0">
+                <a:solidFill>
+                  <a:srgbClr val="002060"/>
+                </a:solidFill>
+                <a:effectLst/>
+                <a:latin typeface="Arial" panose="020B0604020202020204" pitchFamily="34" charset="0"/>
+              </a:rPr>
+              <a:t>ocker</a:t>
+            </a:r>
+            <a:endParaRPr lang="en-AE" sz="4000" b="1" dirty="0">
               <a:solidFill>
                 <a:srgbClr val="002060"/>
               </a:solidFill>
             </a:endParaRPr>
-          </a:p>
-        </p:txBody>
-      </p:sp>
-      <p:sp>
-        <p:nvSpPr>
-          <p:cNvPr id="7" name="Rectangle: Rounded Corners 6">
-            <a:extLst>
-              <a:ext uri="{FF2B5EF4-FFF2-40B4-BE49-F238E27FC236}">
-                <a16:creationId xmlns:a16="http://schemas.microsoft.com/office/drawing/2014/main" id="{C040BD39-4CC2-E87E-142E-D2E3CEDB5C63}"/>
-              </a:ext>
-            </a:extLst>
-          </p:cNvPr>
-          <p:cNvSpPr/>
-          <p:nvPr/>
-        </p:nvSpPr>
-        <p:spPr>
-          <a:xfrm>
-            <a:off x="5428971" y="1729179"/>
-            <a:ext cx="6624735" cy="2172929"/>
-          </a:xfrm>
-          <a:prstGeom prst="roundRect">
-            <a:avLst/>
-          </a:prstGeom>
-          <a:solidFill>
-            <a:schemeClr val="accent5">
-              <a:lumMod val="40000"/>
-              <a:lumOff val="60000"/>
-            </a:schemeClr>
-          </a:solidFill>
-        </p:spPr>
-        <p:style>
-          <a:lnRef idx="2">
-            <a:schemeClr val="accent1">
-              <a:shade val="15000"/>
-            </a:schemeClr>
-          </a:lnRef>
-          <a:fillRef idx="1">
-            <a:schemeClr val="accent1"/>
-          </a:fillRef>
-          <a:effectRef idx="0">
-            <a:schemeClr val="accent1"/>
-          </a:effectRef>
-          <a:fontRef idx="minor">
-            <a:schemeClr val="lt1"/>
-          </a:fontRef>
-        </p:style>
-        <p:txBody>
-          <a:bodyPr rtlCol="0" anchor="ctr"/>
-          <a:lstStyle/>
-          <a:p>
-            <a:r>
-              <a:rPr lang="en-US" sz="2400" b="1" dirty="0">
-                <a:solidFill>
-                  <a:srgbClr val="002060"/>
-                </a:solidFill>
-              </a:rPr>
-              <a:t>Containerization packages software code along with necessary operating system libraries and dependencies to form a light weight executable known as a container. </a:t>
-            </a:r>
-          </a:p>
-          <a:p>
-            <a:endParaRPr lang="en-US" sz="1800" b="1" dirty="0">
-              <a:solidFill>
-                <a:srgbClr val="002060"/>
-              </a:solidFill>
-            </a:endParaRPr>
-          </a:p>
-        </p:txBody>
-      </p:sp>
-      <p:sp>
-        <p:nvSpPr>
-          <p:cNvPr id="8" name="Rectangle: Rounded Corners 7">
-            <a:extLst>
-              <a:ext uri="{FF2B5EF4-FFF2-40B4-BE49-F238E27FC236}">
-                <a16:creationId xmlns:a16="http://schemas.microsoft.com/office/drawing/2014/main" id="{08A5F425-AD4A-0070-6DD0-07EDE7DD2E5A}"/>
-              </a:ext>
-            </a:extLst>
-          </p:cNvPr>
-          <p:cNvSpPr/>
-          <p:nvPr/>
-        </p:nvSpPr>
-        <p:spPr>
-          <a:xfrm>
-            <a:off x="5450882" y="4369135"/>
-            <a:ext cx="6602824" cy="1873044"/>
-          </a:xfrm>
-          <a:prstGeom prst="roundRect">
-            <a:avLst/>
-          </a:prstGeom>
-          <a:solidFill>
-            <a:schemeClr val="accent5">
-              <a:lumMod val="40000"/>
-              <a:lumOff val="60000"/>
-            </a:schemeClr>
-          </a:solidFill>
-        </p:spPr>
-        <p:style>
-          <a:lnRef idx="2">
-            <a:schemeClr val="accent1">
-              <a:shade val="15000"/>
-            </a:schemeClr>
-          </a:lnRef>
-          <a:fillRef idx="1">
-            <a:schemeClr val="accent1"/>
-          </a:fillRef>
-          <a:effectRef idx="0">
-            <a:schemeClr val="accent1"/>
-          </a:effectRef>
-          <a:fontRef idx="minor">
-            <a:schemeClr val="lt1"/>
-          </a:fontRef>
-        </p:style>
-        <p:txBody>
-          <a:bodyPr rtlCol="0" anchor="ctr"/>
-          <a:lstStyle/>
-          <a:p>
-            <a:pPr algn="ctr"/>
-            <a:r>
-              <a:rPr lang="en-US" sz="2400" b="1" dirty="0">
-                <a:solidFill>
-                  <a:srgbClr val="002060"/>
-                </a:solidFill>
-              </a:rPr>
-              <a:t>These containers ensure consistent execution of the code across any infrastructure</a:t>
-            </a:r>
-            <a:endParaRPr lang="en-AE" sz="2400" b="1" dirty="0"/>
           </a:p>
         </p:txBody>
       </p:sp>
@@ -7465,6 +7971,219 @@
           </a:prstGeom>
         </p:spPr>
       </p:pic>
+      <p:sp>
+        <p:nvSpPr>
+          <p:cNvPr id="3" name="Rectangle: Rounded Corners 2">
+            <a:extLst>
+              <a:ext uri="{FF2B5EF4-FFF2-40B4-BE49-F238E27FC236}">
+                <a16:creationId xmlns:a16="http://schemas.microsoft.com/office/drawing/2014/main" id="{6CD037BA-E07B-50F4-6287-B7AFB2205B23}"/>
+              </a:ext>
+            </a:extLst>
+          </p:cNvPr>
+          <p:cNvSpPr/>
+          <p:nvPr/>
+        </p:nvSpPr>
+        <p:spPr>
+          <a:xfrm>
+            <a:off x="5487390" y="3227894"/>
+            <a:ext cx="6381345" cy="1237456"/>
+          </a:xfrm>
+          <a:prstGeom prst="roundRect">
+            <a:avLst/>
+          </a:prstGeom>
+        </p:spPr>
+        <p:style>
+          <a:lnRef idx="2">
+            <a:schemeClr val="accent1">
+              <a:shade val="15000"/>
+            </a:schemeClr>
+          </a:lnRef>
+          <a:fillRef idx="1">
+            <a:schemeClr val="accent1"/>
+          </a:fillRef>
+          <a:effectRef idx="0">
+            <a:schemeClr val="accent1"/>
+          </a:effectRef>
+          <a:fontRef idx="minor">
+            <a:schemeClr val="lt1"/>
+          </a:fontRef>
+        </p:style>
+        <p:txBody>
+          <a:bodyPr rtlCol="0" anchor="ctr"/>
+          <a:lstStyle/>
+          <a:p>
+            <a:pPr algn="ctr"/>
+            <a:r>
+              <a:rPr lang="en-US" sz="2000" b="1" dirty="0">
+                <a:solidFill>
+                  <a:srgbClr val="000000"/>
+                </a:solidFill>
+                <a:latin typeface="Arial" panose="020B0604020202020204" pitchFamily="34" charset="0"/>
+              </a:rPr>
+              <a:t>S</a:t>
+            </a:r>
+            <a:r>
+              <a:rPr lang="en-US" sz="2000" b="1" i="0" u="none" strike="noStrike" dirty="0">
+                <a:solidFill>
+                  <a:srgbClr val="000000"/>
+                </a:solidFill>
+                <a:effectLst/>
+                <a:latin typeface="Arial" panose="020B0604020202020204" pitchFamily="34" charset="0"/>
+              </a:rPr>
+              <a:t>implifies the development process by enabling easy sharing and deployment of applications</a:t>
+            </a:r>
+            <a:endParaRPr lang="en-AE" sz="2000" dirty="0"/>
+          </a:p>
+        </p:txBody>
+      </p:sp>
+      <p:sp>
+        <p:nvSpPr>
+          <p:cNvPr id="4" name="Rectangle: Rounded Corners 3">
+            <a:extLst>
+              <a:ext uri="{FF2B5EF4-FFF2-40B4-BE49-F238E27FC236}">
+                <a16:creationId xmlns:a16="http://schemas.microsoft.com/office/drawing/2014/main" id="{EAEF864C-55CD-7126-BFDB-8CE7F25F7BF3}"/>
+              </a:ext>
+            </a:extLst>
+          </p:cNvPr>
+          <p:cNvSpPr/>
+          <p:nvPr/>
+        </p:nvSpPr>
+        <p:spPr>
+          <a:xfrm>
+            <a:off x="5487390" y="1448757"/>
+            <a:ext cx="6381345" cy="1237456"/>
+          </a:xfrm>
+          <a:prstGeom prst="roundRect">
+            <a:avLst/>
+          </a:prstGeom>
+          <a:solidFill>
+            <a:schemeClr val="accent1">
+              <a:lumMod val="40000"/>
+              <a:lumOff val="60000"/>
+            </a:schemeClr>
+          </a:solidFill>
+        </p:spPr>
+        <p:style>
+          <a:lnRef idx="2">
+            <a:schemeClr val="accent1">
+              <a:shade val="15000"/>
+            </a:schemeClr>
+          </a:lnRef>
+          <a:fillRef idx="1">
+            <a:schemeClr val="accent1"/>
+          </a:fillRef>
+          <a:effectRef idx="0">
+            <a:schemeClr val="accent1"/>
+          </a:effectRef>
+          <a:fontRef idx="minor">
+            <a:schemeClr val="lt1"/>
+          </a:fontRef>
+        </p:style>
+        <p:txBody>
+          <a:bodyPr rtlCol="0" anchor="ctr"/>
+          <a:lstStyle/>
+          <a:p>
+            <a:pPr marL="457200" rtl="0" fontAlgn="base">
+              <a:spcBef>
+                <a:spcPts val="0"/>
+              </a:spcBef>
+              <a:spcAft>
+                <a:spcPts val="0"/>
+              </a:spcAft>
+            </a:pPr>
+            <a:r>
+              <a:rPr lang="en-US" sz="2000" b="1" dirty="0">
+                <a:solidFill>
+                  <a:srgbClr val="000000"/>
+                </a:solidFill>
+                <a:latin typeface="Arial" panose="020B0604020202020204" pitchFamily="34" charset="0"/>
+              </a:rPr>
+              <a:t>A</a:t>
+            </a:r>
+            <a:r>
+              <a:rPr lang="en-US" sz="2000" b="1" i="0" u="none" strike="noStrike" dirty="0">
+                <a:solidFill>
+                  <a:srgbClr val="000000"/>
+                </a:solidFill>
+                <a:effectLst/>
+                <a:latin typeface="Arial" panose="020B0604020202020204" pitchFamily="34" charset="0"/>
+              </a:rPr>
+              <a:t> platform used by developers to build, package, and deploy applications.</a:t>
+            </a:r>
+          </a:p>
+        </p:txBody>
+      </p:sp>
+      <p:sp>
+        <p:nvSpPr>
+          <p:cNvPr id="6" name="Rectangle: Rounded Corners 5">
+            <a:extLst>
+              <a:ext uri="{FF2B5EF4-FFF2-40B4-BE49-F238E27FC236}">
+                <a16:creationId xmlns:a16="http://schemas.microsoft.com/office/drawing/2014/main" id="{E8DD1252-822C-C78B-9AC2-3E6D1D0C4C93}"/>
+              </a:ext>
+            </a:extLst>
+          </p:cNvPr>
+          <p:cNvSpPr/>
+          <p:nvPr/>
+        </p:nvSpPr>
+        <p:spPr>
+          <a:xfrm>
+            <a:off x="5504697" y="5007031"/>
+            <a:ext cx="6381345" cy="1237456"/>
+          </a:xfrm>
+          <a:prstGeom prst="roundRect">
+            <a:avLst/>
+          </a:prstGeom>
+          <a:solidFill>
+            <a:schemeClr val="accent1">
+              <a:lumMod val="40000"/>
+              <a:lumOff val="60000"/>
+            </a:schemeClr>
+          </a:solidFill>
+        </p:spPr>
+        <p:style>
+          <a:lnRef idx="2">
+            <a:schemeClr val="accent1">
+              <a:shade val="15000"/>
+            </a:schemeClr>
+          </a:lnRef>
+          <a:fillRef idx="1">
+            <a:schemeClr val="accent1"/>
+          </a:fillRef>
+          <a:effectRef idx="0">
+            <a:schemeClr val="accent1"/>
+          </a:effectRef>
+          <a:fontRef idx="minor">
+            <a:schemeClr val="lt1"/>
+          </a:fontRef>
+        </p:style>
+        <p:txBody>
+          <a:bodyPr rtlCol="0" anchor="ctr"/>
+          <a:lstStyle/>
+          <a:p>
+            <a:pPr algn="ctr"/>
+            <a:r>
+              <a:rPr lang="en-US" sz="2000" b="1" dirty="0">
+                <a:solidFill>
+                  <a:srgbClr val="000000"/>
+                </a:solidFill>
+                <a:latin typeface="Arial" panose="020B0604020202020204" pitchFamily="34" charset="0"/>
+              </a:rPr>
+              <a:t>C</a:t>
+            </a:r>
+            <a:r>
+              <a:rPr lang="en-US" sz="2000" b="1" i="0" u="none" strike="noStrike" dirty="0">
+                <a:solidFill>
+                  <a:srgbClr val="000000"/>
+                </a:solidFill>
+                <a:effectLst/>
+                <a:latin typeface="Arial" panose="020B0604020202020204" pitchFamily="34" charset="0"/>
+              </a:rPr>
+              <a:t>reates lightweight, self-contained containers that ensure consistency across different environments</a:t>
+            </a:r>
+            <a:endParaRPr lang="en-AE" sz="2000" dirty="0"/>
+          </a:p>
+        </p:txBody>
+      </p:sp>
     </p:spTree>
     <p:extLst>
       <p:ext uri="{BB962C8B-B14F-4D97-AF65-F5344CB8AC3E}">
@@ -7486,7 +8205,7 @@
         <p:cNvPr id="1" name="">
           <a:extLst>
             <a:ext uri="{FF2B5EF4-FFF2-40B4-BE49-F238E27FC236}">
-              <a16:creationId xmlns:a16="http://schemas.microsoft.com/office/drawing/2014/main" id="{88CDDE13-EA54-EF5C-3AA9-9043C2617B28}"/>
+              <a16:creationId xmlns:a16="http://schemas.microsoft.com/office/drawing/2014/main" id="{FEFEA3F1-654F-489D-C2A8-40EA7300FD52}"/>
             </a:ext>
           </a:extLst>
         </p:cNvPr>
@@ -7503,10 +8222,10 @@
       </p:grpSpPr>
       <p:pic>
         <p:nvPicPr>
-          <p:cNvPr id="7" name="Picture 6">
-            <a:extLst>
-              <a:ext uri="{FF2B5EF4-FFF2-40B4-BE49-F238E27FC236}">
-                <a16:creationId xmlns:a16="http://schemas.microsoft.com/office/drawing/2014/main" id="{F460582A-0CBA-769C-19CE-4B13EFB97B67}"/>
+          <p:cNvPr id="4" name="Picture 3">
+            <a:extLst>
+              <a:ext uri="{FF2B5EF4-FFF2-40B4-BE49-F238E27FC236}">
+                <a16:creationId xmlns:a16="http://schemas.microsoft.com/office/drawing/2014/main" id="{A647A8DD-1CB6-490D-E096-9B69F55F4BB4}"/>
               </a:ext>
             </a:extLst>
           </p:cNvPr>
@@ -7523,8 +8242,8 @@
         </p:blipFill>
         <p:spPr>
           <a:xfrm>
-            <a:off x="-75096" y="-55984"/>
-            <a:ext cx="12342192" cy="6969967"/>
+            <a:off x="7679094" y="1"/>
+            <a:ext cx="4588002" cy="6858000"/>
           </a:xfrm>
           <a:prstGeom prst="rect">
             <a:avLst/>
@@ -7533,66 +8252,10 @@
       </p:pic>
       <p:sp>
         <p:nvSpPr>
-          <p:cNvPr id="8" name="TextBox 7">
-            <a:extLst>
-              <a:ext uri="{FF2B5EF4-FFF2-40B4-BE49-F238E27FC236}">
-                <a16:creationId xmlns:a16="http://schemas.microsoft.com/office/drawing/2014/main" id="{6BFB5CEF-255E-89A2-923F-14FCF4DF0CF5}"/>
-              </a:ext>
-            </a:extLst>
-          </p:cNvPr>
-          <p:cNvSpPr txBox="1"/>
-          <p:nvPr/>
-        </p:nvSpPr>
-        <p:spPr>
-          <a:xfrm>
-            <a:off x="1464906" y="335902"/>
-            <a:ext cx="9535885" cy="646331"/>
-          </a:xfrm>
-          <a:prstGeom prst="rect">
-            <a:avLst/>
-          </a:prstGeom>
-          <a:noFill/>
-        </p:spPr>
-        <p:txBody>
-          <a:bodyPr wrap="square" rtlCol="0">
-            <a:spAutoFit/>
-          </a:bodyPr>
-          <a:lstStyle/>
-          <a:p>
-            <a:r>
-              <a:rPr lang="en-US" sz="3600" b="1" dirty="0">
-                <a:solidFill>
-                  <a:schemeClr val="bg1"/>
-                </a:solidFill>
-              </a:rPr>
-              <a:t>   </a:t>
-            </a:r>
-            <a:r>
-              <a:rPr lang="en-US" sz="3600" b="1" dirty="0">
-                <a:solidFill>
-                  <a:schemeClr val="accent4">
-                    <a:lumMod val="75000"/>
-                  </a:schemeClr>
-                </a:solidFill>
-              </a:rPr>
-              <a:t>Personal  Finance  Manager</a:t>
-            </a:r>
-            <a:endParaRPr lang="en-AE" sz="3600" b="1" dirty="0">
-              <a:solidFill>
-                <a:schemeClr val="accent4">
-                  <a:lumMod val="75000"/>
-                </a:schemeClr>
-              </a:solidFill>
-            </a:endParaRPr>
-          </a:p>
-        </p:txBody>
-      </p:sp>
-      <p:sp>
-        <p:nvSpPr>
-          <p:cNvPr id="9" name="Rectangle: Rounded Corners 8">
-            <a:extLst>
-              <a:ext uri="{FF2B5EF4-FFF2-40B4-BE49-F238E27FC236}">
-                <a16:creationId xmlns:a16="http://schemas.microsoft.com/office/drawing/2014/main" id="{98784818-6733-53FB-AFBB-0DBA3474F065}"/>
+          <p:cNvPr id="5" name="Rectangle: Rounded Corners 4">
+            <a:extLst>
+              <a:ext uri="{FF2B5EF4-FFF2-40B4-BE49-F238E27FC236}">
+                <a16:creationId xmlns:a16="http://schemas.microsoft.com/office/drawing/2014/main" id="{6FE42F2F-EA52-F6E7-138A-2AD880EA1CBF}"/>
               </a:ext>
             </a:extLst>
           </p:cNvPr>
@@ -7601,15 +8264,15 @@
         </p:nvSpPr>
         <p:spPr>
           <a:xfrm>
-            <a:off x="270586" y="1539551"/>
-            <a:ext cx="7007291" cy="5206482"/>
+            <a:off x="867747" y="1101012"/>
+            <a:ext cx="6223518" cy="5486400"/>
           </a:xfrm>
           <a:prstGeom prst="roundRect">
             <a:avLst/>
           </a:prstGeom>
           <a:solidFill>
             <a:schemeClr val="accent1">
-              <a:alpha val="26000"/>
+              <a:lumMod val="75000"/>
             </a:schemeClr>
           </a:solidFill>
         </p:spPr>
@@ -7633,17 +8296,107 @@
           <a:bodyPr rtlCol="0" anchor="ctr"/>
           <a:lstStyle/>
           <a:p>
-            <a:pPr algn="ctr"/>
-            <a:endParaRPr lang="en-AE" dirty="0"/>
-          </a:p>
-        </p:txBody>
-      </p:sp>
-      <p:sp>
-        <p:nvSpPr>
-          <p:cNvPr id="11" name="TextBox 10">
-            <a:extLst>
-              <a:ext uri="{FF2B5EF4-FFF2-40B4-BE49-F238E27FC236}">
-                <a16:creationId xmlns:a16="http://schemas.microsoft.com/office/drawing/2014/main" id="{A7461430-32C5-BC56-2E53-C1E32647FBC8}"/>
+            <a:r>
+              <a:rPr lang="en-US" sz="2800" b="1" dirty="0">
+                <a:solidFill>
+                  <a:schemeClr val="bg2"/>
+                </a:solidFill>
+              </a:rPr>
+              <a:t>Add Expense:</a:t>
+            </a:r>
+          </a:p>
+          <a:p>
+            <a:endParaRPr lang="en-US" sz="2800" b="1" dirty="0">
+              <a:solidFill>
+                <a:schemeClr val="bg2"/>
+              </a:solidFill>
+            </a:endParaRPr>
+          </a:p>
+          <a:p>
+            <a:r>
+              <a:rPr lang="en-US" sz="2400" dirty="0">
+                <a:solidFill>
+                  <a:schemeClr val="bg2"/>
+                </a:solidFill>
+              </a:rPr>
+              <a:t>Similar form-based interface for adding expense details.</a:t>
+            </a:r>
+          </a:p>
+          <a:p>
+            <a:r>
+              <a:rPr lang="en-US" sz="2400" dirty="0">
+                <a:solidFill>
+                  <a:schemeClr val="bg2"/>
+                </a:solidFill>
+              </a:rPr>
+              <a:t>Fields for title, amount, date, category, and description</a:t>
+            </a:r>
+            <a:r>
+              <a:rPr lang="en-US" sz="2800" dirty="0">
+                <a:solidFill>
+                  <a:schemeClr val="bg2"/>
+                </a:solidFill>
+              </a:rPr>
+              <a:t>.</a:t>
+            </a:r>
+          </a:p>
+          <a:p>
+            <a:endParaRPr lang="en-US" sz="2800" b="1" dirty="0">
+              <a:solidFill>
+                <a:schemeClr val="bg2"/>
+              </a:solidFill>
+            </a:endParaRPr>
+          </a:p>
+          <a:p>
+            <a:r>
+              <a:rPr lang="en-US" sz="2800" b="1" dirty="0">
+                <a:solidFill>
+                  <a:schemeClr val="bg2"/>
+                </a:solidFill>
+              </a:rPr>
+              <a:t>View Expense:</a:t>
+            </a:r>
+          </a:p>
+          <a:p>
+            <a:endParaRPr lang="en-US" sz="2800" b="1" dirty="0">
+              <a:solidFill>
+                <a:schemeClr val="bg2"/>
+              </a:solidFill>
+            </a:endParaRPr>
+          </a:p>
+          <a:p>
+            <a:r>
+              <a:rPr lang="en-US" sz="2400" dirty="0">
+                <a:solidFill>
+                  <a:schemeClr val="bg2"/>
+                </a:solidFill>
+              </a:rPr>
+              <a:t>Display of all expense transactions with relevant details.</a:t>
+            </a:r>
+          </a:p>
+          <a:p>
+            <a:r>
+              <a:rPr lang="en-US" sz="2400" dirty="0">
+                <a:solidFill>
+                  <a:schemeClr val="bg2"/>
+                </a:solidFill>
+              </a:rPr>
+              <a:t>Option to delete transactions if needed</a:t>
+            </a:r>
+            <a:endParaRPr lang="en-AE" sz="2400" dirty="0">
+              <a:solidFill>
+                <a:schemeClr val="bg2"/>
+              </a:solidFill>
+            </a:endParaRPr>
+          </a:p>
+        </p:txBody>
+      </p:sp>
+      <p:sp>
+        <p:nvSpPr>
+          <p:cNvPr id="6" name="TextBox 5">
+            <a:extLst>
+              <a:ext uri="{FF2B5EF4-FFF2-40B4-BE49-F238E27FC236}">
+                <a16:creationId xmlns:a16="http://schemas.microsoft.com/office/drawing/2014/main" id="{DA4E4278-C8C7-DCCF-1C95-D6F1850EE4A2}"/>
               </a:ext>
             </a:extLst>
           </p:cNvPr>
@@ -7652,8 +8405,8 @@
         </p:nvSpPr>
         <p:spPr>
           <a:xfrm>
-            <a:off x="1357454" y="1339316"/>
-            <a:ext cx="5775649" cy="5909310"/>
+            <a:off x="1754155" y="223935"/>
+            <a:ext cx="4982547" cy="707886"/>
           </a:xfrm>
           <a:prstGeom prst="rect">
             <a:avLst/>
@@ -7666,153 +8419,26 @@
           </a:bodyPr>
           <a:lstStyle/>
           <a:p>
-            <a:endParaRPr lang="en-US" dirty="0">
+            <a:r>
+              <a:rPr lang="en-US" sz="4000" b="1" dirty="0">
+                <a:solidFill>
+                  <a:srgbClr val="002060"/>
+                </a:solidFill>
+              </a:rPr>
+              <a:t>Expense  Page</a:t>
+            </a:r>
+            <a:endParaRPr lang="en-AE" sz="4000" b="1" dirty="0">
               <a:solidFill>
-                <a:schemeClr val="bg1"/>
+                <a:srgbClr val="002060"/>
               </a:solidFill>
             </a:endParaRPr>
           </a:p>
-          <a:p>
-            <a:r>
-              <a:rPr lang="en-US" sz="3600" b="1" dirty="0">
-                <a:solidFill>
-                  <a:schemeClr val="bg1"/>
-                </a:solidFill>
-              </a:rPr>
-              <a:t>All Transactions</a:t>
-            </a:r>
-          </a:p>
-          <a:p>
-            <a:r>
-              <a:rPr lang="en-US" dirty="0">
-                <a:solidFill>
-                  <a:schemeClr val="accent4">
-                    <a:lumMod val="75000"/>
-                  </a:schemeClr>
-                </a:solidFill>
-              </a:rPr>
-              <a:t>Visual Representation:</a:t>
-            </a:r>
-          </a:p>
-          <a:p>
-            <a:endParaRPr lang="en-US" dirty="0">
-              <a:solidFill>
-                <a:schemeClr val="bg1"/>
-              </a:solidFill>
-            </a:endParaRPr>
-          </a:p>
-          <a:p>
-            <a:r>
-              <a:rPr lang="en-US" sz="2400" dirty="0">
-                <a:solidFill>
-                  <a:schemeClr val="bg1"/>
-                </a:solidFill>
-              </a:rPr>
-              <a:t>Utilizes charts for a clear overview of transactions.</a:t>
-            </a:r>
-          </a:p>
-          <a:p>
-            <a:r>
-              <a:rPr lang="en-US" sz="2400" dirty="0">
-                <a:solidFill>
-                  <a:schemeClr val="bg1"/>
-                </a:solidFill>
-              </a:rPr>
-              <a:t>Charts dynamically updated based on user data.</a:t>
-            </a:r>
-          </a:p>
-          <a:p>
-            <a:endParaRPr lang="en-US" dirty="0">
-              <a:solidFill>
-                <a:schemeClr val="bg1"/>
-              </a:solidFill>
-            </a:endParaRPr>
-          </a:p>
-          <a:p>
-            <a:r>
-              <a:rPr lang="en-US" dirty="0">
-                <a:solidFill>
-                  <a:schemeClr val="accent4">
-                    <a:lumMod val="75000"/>
-                  </a:schemeClr>
-                </a:solidFill>
-              </a:rPr>
-              <a:t>Statistics:</a:t>
-            </a:r>
-          </a:p>
-          <a:p>
-            <a:endParaRPr lang="en-US" dirty="0">
-              <a:solidFill>
-                <a:schemeClr val="bg1"/>
-              </a:solidFill>
-            </a:endParaRPr>
-          </a:p>
-          <a:p>
-            <a:r>
-              <a:rPr lang="en-US" sz="2400" dirty="0">
-                <a:solidFill>
-                  <a:schemeClr val="bg1"/>
-                </a:solidFill>
-              </a:rPr>
-              <a:t>Displays total income, total expense, and overall balance.</a:t>
-            </a:r>
-          </a:p>
-          <a:p>
-            <a:r>
-              <a:rPr lang="en-US" sz="2400" dirty="0">
-                <a:solidFill>
-                  <a:schemeClr val="bg1"/>
-                </a:solidFill>
-              </a:rPr>
-              <a:t>Real-time calculations ensure accurate information.</a:t>
-            </a:r>
-          </a:p>
-          <a:p>
-            <a:endParaRPr lang="en-US" sz="2400" b="1" dirty="0">
-              <a:solidFill>
-                <a:schemeClr val="bg1"/>
-              </a:solidFill>
-            </a:endParaRPr>
-          </a:p>
-          <a:p>
-            <a:endParaRPr lang="en-AE" dirty="0"/>
-          </a:p>
-        </p:txBody>
-      </p:sp>
-      <p:pic>
-        <p:nvPicPr>
-          <p:cNvPr id="3" name="Picture 2">
-            <a:extLst>
-              <a:ext uri="{FF2B5EF4-FFF2-40B4-BE49-F238E27FC236}">
-                <a16:creationId xmlns:a16="http://schemas.microsoft.com/office/drawing/2014/main" id="{9ADADCFD-68D1-8E49-A2F4-A345A3749A88}"/>
-              </a:ext>
-            </a:extLst>
-          </p:cNvPr>
-          <p:cNvPicPr>
-            <a:picLocks noChangeAspect="1"/>
-          </p:cNvPicPr>
-          <p:nvPr/>
-        </p:nvPicPr>
-        <p:blipFill>
-          <a:blip r:embed="rId3"/>
-          <a:stretch>
-            <a:fillRect/>
-          </a:stretch>
-        </p:blipFill>
-        <p:spPr>
-          <a:xfrm>
-            <a:off x="10561002" y="6060527"/>
-            <a:ext cx="1125066" cy="554476"/>
-          </a:xfrm>
-          <a:prstGeom prst="rect">
-            <a:avLst/>
-          </a:prstGeom>
-        </p:spPr>
-      </p:pic>
+        </p:txBody>
+      </p:sp>
     </p:spTree>
     <p:extLst>
       <p:ext uri="{BB962C8B-B14F-4D97-AF65-F5344CB8AC3E}">
-        <p14:creationId xmlns:p14="http://schemas.microsoft.com/office/powerpoint/2010/main" val="1448834419"/>
+        <p14:creationId xmlns:p14="http://schemas.microsoft.com/office/powerpoint/2010/main" val="3509647492"/>
       </p:ext>
     </p:extLst>
   </p:cSld>
@@ -7823,6 +8449,251 @@
 </file>
 
 <file path=ppt/slides/slide7.xml><?xml version="1.0" encoding="utf-8"?>
+<p:sld xmlns:a="http://schemas.openxmlformats.org/drawingml/2006/main" xmlns:r="http://schemas.openxmlformats.org/officeDocument/2006/relationships" xmlns:p="http://schemas.openxmlformats.org/presentationml/2006/main">
+  <p:cSld>
+    <p:spTree>
+      <p:nvGrpSpPr>
+        <p:cNvPr id="1" name="">
+          <a:extLst>
+            <a:ext uri="{FF2B5EF4-FFF2-40B4-BE49-F238E27FC236}">
+              <a16:creationId xmlns:a16="http://schemas.microsoft.com/office/drawing/2014/main" id="{B06DCBE4-32FB-F0A4-26D2-FA579E67E346}"/>
+            </a:ext>
+          </a:extLst>
+        </p:cNvPr>
+        <p:cNvGrpSpPr/>
+        <p:nvPr/>
+      </p:nvGrpSpPr>
+      <p:grpSpPr>
+        <a:xfrm>
+          <a:off x="0" y="0"/>
+          <a:ext cx="0" cy="0"/>
+          <a:chOff x="0" y="0"/>
+          <a:chExt cx="0" cy="0"/>
+        </a:xfrm>
+      </p:grpSpPr>
+      <p:pic>
+        <p:nvPicPr>
+          <p:cNvPr id="4" name="Picture 3">
+            <a:extLst>
+              <a:ext uri="{FF2B5EF4-FFF2-40B4-BE49-F238E27FC236}">
+                <a16:creationId xmlns:a16="http://schemas.microsoft.com/office/drawing/2014/main" id="{1577B444-4FB4-8131-AE7D-2B3DF8128629}"/>
+              </a:ext>
+            </a:extLst>
+          </p:cNvPr>
+          <p:cNvPicPr>
+            <a:picLocks noChangeAspect="1"/>
+          </p:cNvPicPr>
+          <p:nvPr/>
+        </p:nvPicPr>
+        <p:blipFill>
+          <a:blip r:embed="rId2"/>
+          <a:stretch>
+            <a:fillRect/>
+          </a:stretch>
+        </p:blipFill>
+        <p:spPr>
+          <a:xfrm>
+            <a:off x="7679094" y="1"/>
+            <a:ext cx="4588002" cy="6858000"/>
+          </a:xfrm>
+          <a:prstGeom prst="rect">
+            <a:avLst/>
+          </a:prstGeom>
+        </p:spPr>
+      </p:pic>
+      <p:sp>
+        <p:nvSpPr>
+          <p:cNvPr id="5" name="Rectangle: Rounded Corners 4">
+            <a:extLst>
+              <a:ext uri="{FF2B5EF4-FFF2-40B4-BE49-F238E27FC236}">
+                <a16:creationId xmlns:a16="http://schemas.microsoft.com/office/drawing/2014/main" id="{EB75C30D-5ABE-EACC-23AA-26A5A417DC9B}"/>
+              </a:ext>
+            </a:extLst>
+          </p:cNvPr>
+          <p:cNvSpPr/>
+          <p:nvPr/>
+        </p:nvSpPr>
+        <p:spPr>
+          <a:xfrm>
+            <a:off x="867747" y="1101012"/>
+            <a:ext cx="6223518" cy="5486400"/>
+          </a:xfrm>
+          <a:prstGeom prst="roundRect">
+            <a:avLst/>
+          </a:prstGeom>
+          <a:solidFill>
+            <a:schemeClr val="accent1">
+              <a:lumMod val="75000"/>
+            </a:schemeClr>
+          </a:solidFill>
+        </p:spPr>
+        <p:style>
+          <a:lnRef idx="2">
+            <a:schemeClr val="accent1">
+              <a:shade val="15000"/>
+            </a:schemeClr>
+          </a:lnRef>
+          <a:fillRef idx="1">
+            <a:schemeClr val="accent1"/>
+          </a:fillRef>
+          <a:effectRef idx="0">
+            <a:schemeClr val="accent1"/>
+          </a:effectRef>
+          <a:fontRef idx="minor">
+            <a:schemeClr val="lt1"/>
+          </a:fontRef>
+        </p:style>
+        <p:txBody>
+          <a:bodyPr rtlCol="0" anchor="ctr"/>
+          <a:lstStyle/>
+          <a:p>
+            <a:endParaRPr lang="en-US" sz="2400" b="1" dirty="0">
+              <a:solidFill>
+                <a:schemeClr val="bg1"/>
+              </a:solidFill>
+            </a:endParaRPr>
+          </a:p>
+          <a:p>
+            <a:r>
+              <a:rPr lang="en-AE" sz="2800" b="1" dirty="0">
+                <a:solidFill>
+                  <a:schemeClr val="bg2"/>
+                </a:solidFill>
+              </a:rPr>
+              <a:t>Add Income</a:t>
+            </a:r>
+          </a:p>
+          <a:p>
+            <a:endParaRPr lang="en-AE" sz="2400" b="1" dirty="0">
+              <a:solidFill>
+                <a:schemeClr val="bg2"/>
+              </a:solidFill>
+            </a:endParaRPr>
+          </a:p>
+          <a:p>
+            <a:r>
+              <a:rPr lang="en-AE" sz="2400" dirty="0">
+                <a:solidFill>
+                  <a:schemeClr val="bg2"/>
+                </a:solidFill>
+              </a:rPr>
+              <a:t>Form-based interface for adding income details.</a:t>
+            </a:r>
+          </a:p>
+          <a:p>
+            <a:r>
+              <a:rPr lang="en-AE" sz="2400" dirty="0">
+                <a:solidFill>
+                  <a:schemeClr val="bg2"/>
+                </a:solidFill>
+              </a:rPr>
+              <a:t>Fields for title, amount, date, category, and description</a:t>
+            </a:r>
+          </a:p>
+          <a:p>
+            <a:endParaRPr lang="en-AE" sz="2400" dirty="0">
+              <a:solidFill>
+                <a:schemeClr val="bg2"/>
+              </a:solidFill>
+            </a:endParaRPr>
+          </a:p>
+          <a:p>
+            <a:r>
+              <a:rPr lang="en-AE" sz="2800" b="1" dirty="0">
+                <a:solidFill>
+                  <a:schemeClr val="bg2"/>
+                </a:solidFill>
+              </a:rPr>
+              <a:t>View Income</a:t>
+            </a:r>
+          </a:p>
+          <a:p>
+            <a:endParaRPr lang="en-AE" sz="2400" dirty="0">
+              <a:solidFill>
+                <a:schemeClr val="bg2"/>
+              </a:solidFill>
+            </a:endParaRPr>
+          </a:p>
+          <a:p>
+            <a:r>
+              <a:rPr lang="en-AE" sz="2400" dirty="0">
+                <a:solidFill>
+                  <a:schemeClr val="bg2"/>
+                </a:solidFill>
+              </a:rPr>
+              <a:t>Display of all income transactions with relevant details.</a:t>
+            </a:r>
+          </a:p>
+          <a:p>
+            <a:r>
+              <a:rPr lang="en-AE" sz="2400" dirty="0">
+                <a:solidFill>
+                  <a:schemeClr val="bg2"/>
+                </a:solidFill>
+              </a:rPr>
+              <a:t>Option to delete transactions if needed.</a:t>
+            </a:r>
+          </a:p>
+        </p:txBody>
+      </p:sp>
+      <p:sp>
+        <p:nvSpPr>
+          <p:cNvPr id="6" name="TextBox 5">
+            <a:extLst>
+              <a:ext uri="{FF2B5EF4-FFF2-40B4-BE49-F238E27FC236}">
+                <a16:creationId xmlns:a16="http://schemas.microsoft.com/office/drawing/2014/main" id="{A42B4194-75A5-193F-88A3-3D04FC02FD46}"/>
+              </a:ext>
+            </a:extLst>
+          </p:cNvPr>
+          <p:cNvSpPr txBox="1"/>
+          <p:nvPr/>
+        </p:nvSpPr>
+        <p:spPr>
+          <a:xfrm>
+            <a:off x="1754155" y="223935"/>
+            <a:ext cx="4982547" cy="707886"/>
+          </a:xfrm>
+          <a:prstGeom prst="rect">
+            <a:avLst/>
+          </a:prstGeom>
+          <a:noFill/>
+        </p:spPr>
+        <p:txBody>
+          <a:bodyPr wrap="square" rtlCol="0">
+            <a:spAutoFit/>
+          </a:bodyPr>
+          <a:lstStyle/>
+          <a:p>
+            <a:r>
+              <a:rPr lang="en-US" sz="4000" b="1" dirty="0">
+                <a:solidFill>
+                  <a:srgbClr val="002060"/>
+                </a:solidFill>
+              </a:rPr>
+              <a:t>Income  page</a:t>
+            </a:r>
+            <a:endParaRPr lang="en-AE" sz="4000" b="1" dirty="0">
+              <a:solidFill>
+                <a:srgbClr val="002060"/>
+              </a:solidFill>
+            </a:endParaRPr>
+          </a:p>
+        </p:txBody>
+      </p:sp>
+    </p:spTree>
+    <p:extLst>
+      <p:ext uri="{BB962C8B-B14F-4D97-AF65-F5344CB8AC3E}">
+        <p14:creationId xmlns:p14="http://schemas.microsoft.com/office/powerpoint/2010/main" val="58838302"/>
+      </p:ext>
+    </p:extLst>
+  </p:cSld>
+  <p:clrMapOvr>
+    <a:masterClrMapping/>
+  </p:clrMapOvr>
+</p:sld>
+</file>
+
+<file path=ppt/slides/slide8.xml><?xml version="1.0" encoding="utf-8"?>
 <p:sld xmlns:a="http://schemas.openxmlformats.org/drawingml/2006/main" xmlns:r="http://schemas.openxmlformats.org/officeDocument/2006/relationships" xmlns:p="http://schemas.openxmlformats.org/presentationml/2006/main">
   <p:cSld>
     <p:spTree>
@@ -7841,10 +8712,10 @@
       </p:grpSpPr>
       <p:pic>
         <p:nvPicPr>
-          <p:cNvPr id="7" name="Picture 6">
-            <a:extLst>
-              <a:ext uri="{FF2B5EF4-FFF2-40B4-BE49-F238E27FC236}">
-                <a16:creationId xmlns:a16="http://schemas.microsoft.com/office/drawing/2014/main" id="{7D73DBA2-3446-DE93-2A75-5064CED35485}"/>
+          <p:cNvPr id="4" name="Picture 3">
+            <a:extLst>
+              <a:ext uri="{FF2B5EF4-FFF2-40B4-BE49-F238E27FC236}">
+                <a16:creationId xmlns:a16="http://schemas.microsoft.com/office/drawing/2014/main" id="{4D7B4DC6-4B68-4B65-2F6D-78A72A08FD8E}"/>
               </a:ext>
             </a:extLst>
           </p:cNvPr>
@@ -7861,8 +8732,8 @@
         </p:blipFill>
         <p:spPr>
           <a:xfrm>
-            <a:off x="-117987" y="0"/>
-            <a:ext cx="12446835" cy="6858000"/>
+            <a:off x="7679094" y="1"/>
+            <a:ext cx="4588002" cy="6858000"/>
           </a:xfrm>
           <a:prstGeom prst="rect">
             <a:avLst/>
@@ -7871,54 +8742,10 @@
       </p:pic>
       <p:sp>
         <p:nvSpPr>
-          <p:cNvPr id="8" name="TextBox 7">
-            <a:extLst>
-              <a:ext uri="{FF2B5EF4-FFF2-40B4-BE49-F238E27FC236}">
-                <a16:creationId xmlns:a16="http://schemas.microsoft.com/office/drawing/2014/main" id="{945BD7EE-6679-A6D2-08EB-31CB5601FB7F}"/>
-              </a:ext>
-            </a:extLst>
-          </p:cNvPr>
-          <p:cNvSpPr txBox="1"/>
-          <p:nvPr/>
-        </p:nvSpPr>
-        <p:spPr>
-          <a:xfrm>
-            <a:off x="1464906" y="335902"/>
-            <a:ext cx="9535885" cy="646331"/>
-          </a:xfrm>
-          <a:prstGeom prst="rect">
-            <a:avLst/>
-          </a:prstGeom>
-          <a:noFill/>
-        </p:spPr>
-        <p:txBody>
-          <a:bodyPr wrap="square" rtlCol="0">
-            <a:spAutoFit/>
-          </a:bodyPr>
-          <a:lstStyle/>
-          <a:p>
-            <a:r>
-              <a:rPr lang="en-AE" sz="3600" b="1">
-                <a:solidFill>
-                  <a:schemeClr val="bg2"/>
-                </a:solidFill>
-              </a:rPr>
-              <a:t>Income Management</a:t>
-            </a:r>
-            <a:endParaRPr lang="en-AE" sz="3600" b="1" dirty="0">
-              <a:solidFill>
-                <a:schemeClr val="bg2"/>
-              </a:solidFill>
-            </a:endParaRPr>
-          </a:p>
-        </p:txBody>
-      </p:sp>
-      <p:sp>
-        <p:nvSpPr>
-          <p:cNvPr id="9" name="Rectangle: Rounded Corners 8">
-            <a:extLst>
-              <a:ext uri="{FF2B5EF4-FFF2-40B4-BE49-F238E27FC236}">
-                <a16:creationId xmlns:a16="http://schemas.microsoft.com/office/drawing/2014/main" id="{2042CFBE-CB8A-9651-99A6-4C853D6E96BA}"/>
+          <p:cNvPr id="5" name="Rectangle: Rounded Corners 4">
+            <a:extLst>
+              <a:ext uri="{FF2B5EF4-FFF2-40B4-BE49-F238E27FC236}">
+                <a16:creationId xmlns:a16="http://schemas.microsoft.com/office/drawing/2014/main" id="{CBA20374-C477-9263-79A2-84ED5B5A84DB}"/>
               </a:ext>
             </a:extLst>
           </p:cNvPr>
@@ -7927,15 +8754,15 @@
         </p:nvSpPr>
         <p:spPr>
           <a:xfrm>
-            <a:off x="354560" y="1729845"/>
-            <a:ext cx="7007291" cy="5206482"/>
+            <a:off x="867747" y="1101012"/>
+            <a:ext cx="6223518" cy="5486400"/>
           </a:xfrm>
           <a:prstGeom prst="roundRect">
             <a:avLst/>
           </a:prstGeom>
           <a:solidFill>
             <a:schemeClr val="accent1">
-              <a:alpha val="26000"/>
+              <a:lumMod val="75000"/>
             </a:schemeClr>
           </a:solidFill>
         </p:spPr>
@@ -7959,38 +8786,22 @@
           <a:bodyPr rtlCol="0" anchor="ctr"/>
           <a:lstStyle/>
           <a:p>
-            <a:pPr algn="ctr"/>
-            <a:endParaRPr lang="en-AE" dirty="0"/>
-          </a:p>
-        </p:txBody>
-      </p:sp>
-      <p:sp>
-        <p:nvSpPr>
-          <p:cNvPr id="11" name="TextBox 10">
-            <a:extLst>
-              <a:ext uri="{FF2B5EF4-FFF2-40B4-BE49-F238E27FC236}">
-                <a16:creationId xmlns:a16="http://schemas.microsoft.com/office/drawing/2014/main" id="{A11F0610-91D8-CA06-8AD3-445403E49333}"/>
-              </a:ext>
-            </a:extLst>
-          </p:cNvPr>
-          <p:cNvSpPr txBox="1"/>
-          <p:nvPr/>
-        </p:nvSpPr>
-        <p:spPr>
-          <a:xfrm>
-            <a:off x="1139889" y="3088432"/>
-            <a:ext cx="5775649" cy="923330"/>
-          </a:xfrm>
-          <a:prstGeom prst="rect">
-            <a:avLst/>
-          </a:prstGeom>
-          <a:noFill/>
-        </p:spPr>
-        <p:txBody>
-          <a:bodyPr wrap="square" rtlCol="0">
-            <a:spAutoFit/>
-          </a:bodyPr>
-          <a:lstStyle/>
+            <a:endParaRPr lang="en-US" sz="2400" b="1" dirty="0">
+              <a:solidFill>
+                <a:schemeClr val="bg1"/>
+              </a:solidFill>
+            </a:endParaRPr>
+          </a:p>
+          <a:p>
+            <a:r>
+              <a:rPr lang="en-US" sz="2400" b="1" dirty="0">
+                <a:solidFill>
+                  <a:schemeClr val="bg1"/>
+                </a:solidFill>
+              </a:rPr>
+              <a:t>Visual Representation:</a:t>
+            </a:r>
+          </a:p>
           <a:p>
             <a:endParaRPr lang="en-US" dirty="0">
               <a:solidFill>
@@ -7999,6 +8810,43 @@
             </a:endParaRPr>
           </a:p>
           <a:p>
+            <a:r>
+              <a:rPr lang="en-US" sz="2400" dirty="0">
+                <a:solidFill>
+                  <a:schemeClr val="bg1"/>
+                </a:solidFill>
+              </a:rPr>
+              <a:t>Utilizes charts for a clear overview of transactions.</a:t>
+            </a:r>
+          </a:p>
+          <a:p>
+            <a:r>
+              <a:rPr lang="en-US" sz="2400" dirty="0">
+                <a:solidFill>
+                  <a:schemeClr val="bg1"/>
+                </a:solidFill>
+              </a:rPr>
+              <a:t>Charts dynamically updated based on user data.</a:t>
+            </a:r>
+          </a:p>
+          <a:p>
+            <a:endParaRPr lang="en-US" sz="2400" dirty="0">
+              <a:solidFill>
+                <a:schemeClr val="bg1"/>
+              </a:solidFill>
+            </a:endParaRPr>
+          </a:p>
+          <a:p>
+            <a:r>
+              <a:rPr lang="en-US" sz="2400" b="1" dirty="0">
+                <a:solidFill>
+                  <a:schemeClr val="bg1"/>
+                </a:solidFill>
+              </a:rPr>
+              <a:t>Statistics:</a:t>
+            </a:r>
+          </a:p>
+          <a:p>
             <a:endParaRPr lang="en-US" dirty="0">
               <a:solidFill>
                 <a:schemeClr val="bg1"/>
@@ -8006,16 +8854,34 @@
             </a:endParaRPr>
           </a:p>
           <a:p>
-            <a:endParaRPr lang="en-AE" dirty="0"/>
-          </a:p>
-        </p:txBody>
-      </p:sp>
-      <p:sp>
-        <p:nvSpPr>
-          <p:cNvPr id="13" name="TextBox 12">
-            <a:extLst>
-              <a:ext uri="{FF2B5EF4-FFF2-40B4-BE49-F238E27FC236}">
-                <a16:creationId xmlns:a16="http://schemas.microsoft.com/office/drawing/2014/main" id="{51FD09B0-F79A-0E12-6387-BD09CE537971}"/>
+            <a:r>
+              <a:rPr lang="en-US" sz="2400" dirty="0">
+                <a:solidFill>
+                  <a:schemeClr val="bg1"/>
+                </a:solidFill>
+              </a:rPr>
+              <a:t>Displays total income, total expense, and overall balance.</a:t>
+            </a:r>
+          </a:p>
+          <a:p>
+            <a:r>
+              <a:rPr lang="en-US" sz="2400" dirty="0">
+                <a:solidFill>
+                  <a:schemeClr val="bg1"/>
+                </a:solidFill>
+              </a:rPr>
+              <a:t>Real-time calculations ensure accurate information</a:t>
+            </a:r>
+            <a:endParaRPr lang="en-AE" sz="2400" dirty="0"/>
+          </a:p>
+        </p:txBody>
+      </p:sp>
+      <p:sp>
+        <p:nvSpPr>
+          <p:cNvPr id="6" name="TextBox 5">
+            <a:extLst>
+              <a:ext uri="{FF2B5EF4-FFF2-40B4-BE49-F238E27FC236}">
+                <a16:creationId xmlns:a16="http://schemas.microsoft.com/office/drawing/2014/main" id="{F0EAA916-A077-2E9A-DF6C-AAC0F762EAC7}"/>
               </a:ext>
             </a:extLst>
           </p:cNvPr>
@@ -8024,8 +8890,8 @@
         </p:nvSpPr>
         <p:spPr>
           <a:xfrm>
-            <a:off x="776771" y="1936227"/>
-            <a:ext cx="6162868" cy="4154984"/>
+            <a:off x="1754155" y="223935"/>
+            <a:ext cx="4982547" cy="707886"/>
           </a:xfrm>
           <a:prstGeom prst="rect">
             <a:avLst/>
@@ -8033,485 +8899,31 @@
           <a:noFill/>
         </p:spPr>
         <p:txBody>
-          <a:bodyPr wrap="square">
-            <a:spAutoFit/>
-          </a:bodyPr>
-          <a:lstStyle/>
-          <a:p>
-            <a:r>
-              <a:rPr lang="en-AE" sz="2800" b="1" dirty="0">
-                <a:solidFill>
-                  <a:schemeClr val="bg2"/>
-                </a:solidFill>
-              </a:rPr>
-              <a:t>Add Income</a:t>
-            </a:r>
-          </a:p>
-          <a:p>
-            <a:endParaRPr lang="en-AE" sz="2400" b="1" dirty="0">
-              <a:solidFill>
-                <a:schemeClr val="bg2"/>
-              </a:solidFill>
-            </a:endParaRPr>
-          </a:p>
-          <a:p>
-            <a:r>
-              <a:rPr lang="en-AE" sz="2400" dirty="0">
-                <a:solidFill>
-                  <a:schemeClr val="bg2"/>
-                </a:solidFill>
-              </a:rPr>
-              <a:t>Form-based interface for adding income details.</a:t>
-            </a:r>
-          </a:p>
-          <a:p>
-            <a:r>
-              <a:rPr lang="en-AE" sz="2400" dirty="0">
-                <a:solidFill>
-                  <a:schemeClr val="bg2"/>
-                </a:solidFill>
-              </a:rPr>
-              <a:t>Fields for title, amount, date, category, and description</a:t>
-            </a:r>
-          </a:p>
-          <a:p>
-            <a:endParaRPr lang="en-AE" dirty="0">
-              <a:solidFill>
-                <a:schemeClr val="bg2"/>
-              </a:solidFill>
-            </a:endParaRPr>
-          </a:p>
-          <a:p>
-            <a:r>
-              <a:rPr lang="en-AE" sz="2800" b="1" dirty="0">
-                <a:solidFill>
-                  <a:schemeClr val="bg2"/>
-                </a:solidFill>
-              </a:rPr>
-              <a:t>View Income</a:t>
-            </a:r>
-          </a:p>
-          <a:p>
-            <a:endParaRPr lang="en-AE" dirty="0">
-              <a:solidFill>
-                <a:schemeClr val="bg2"/>
-              </a:solidFill>
-            </a:endParaRPr>
-          </a:p>
-          <a:p>
-            <a:r>
-              <a:rPr lang="en-AE" sz="2400" dirty="0">
-                <a:solidFill>
-                  <a:schemeClr val="bg2"/>
-                </a:solidFill>
-              </a:rPr>
-              <a:t>Display of all income transactions with relevant details.</a:t>
-            </a:r>
-          </a:p>
-          <a:p>
-            <a:r>
-              <a:rPr lang="en-AE" sz="2400" dirty="0">
-                <a:solidFill>
-                  <a:schemeClr val="bg2"/>
-                </a:solidFill>
-              </a:rPr>
-              <a:t>Option to delete transactions if needed.</a:t>
-            </a:r>
-          </a:p>
-        </p:txBody>
-      </p:sp>
-      <p:pic>
-        <p:nvPicPr>
-          <p:cNvPr id="4" name="Picture 3">
-            <a:extLst>
-              <a:ext uri="{FF2B5EF4-FFF2-40B4-BE49-F238E27FC236}">
-                <a16:creationId xmlns:a16="http://schemas.microsoft.com/office/drawing/2014/main" id="{8355C774-5D22-6249-A467-878804EC0428}"/>
-              </a:ext>
-            </a:extLst>
-          </p:cNvPr>
-          <p:cNvPicPr>
-            <a:picLocks noChangeAspect="1"/>
-          </p:cNvPicPr>
-          <p:nvPr/>
-        </p:nvPicPr>
-        <p:blipFill>
-          <a:blip r:embed="rId3"/>
-          <a:stretch>
-            <a:fillRect/>
-          </a:stretch>
-        </p:blipFill>
-        <p:spPr>
-          <a:xfrm>
-            <a:off x="10820741" y="5967622"/>
-            <a:ext cx="1125066" cy="554476"/>
-          </a:xfrm>
-          <a:prstGeom prst="rect">
-            <a:avLst/>
-          </a:prstGeom>
-        </p:spPr>
-      </p:pic>
-    </p:spTree>
-    <p:extLst>
-      <p:ext uri="{BB962C8B-B14F-4D97-AF65-F5344CB8AC3E}">
-        <p14:creationId xmlns:p14="http://schemas.microsoft.com/office/powerpoint/2010/main" val="354833464"/>
-      </p:ext>
-    </p:extLst>
-  </p:cSld>
-  <p:clrMapOvr>
-    <a:masterClrMapping/>
-  </p:clrMapOvr>
-</p:sld>
-</file>
-
-<file path=ppt/slides/slide8.xml><?xml version="1.0" encoding="utf-8"?>
-<p:sld xmlns:a="http://schemas.openxmlformats.org/drawingml/2006/main" xmlns:r="http://schemas.openxmlformats.org/officeDocument/2006/relationships" xmlns:p="http://schemas.openxmlformats.org/presentationml/2006/main">
-  <p:cSld>
-    <p:spTree>
-      <p:nvGrpSpPr>
-        <p:cNvPr id="1" name="">
-          <a:extLst>
-            <a:ext uri="{FF2B5EF4-FFF2-40B4-BE49-F238E27FC236}">
-              <a16:creationId xmlns:a16="http://schemas.microsoft.com/office/drawing/2014/main" id="{6183E3F1-E2CF-C502-8175-D0EC768670F6}"/>
-            </a:ext>
-          </a:extLst>
-        </p:cNvPr>
-        <p:cNvGrpSpPr/>
-        <p:nvPr/>
-      </p:nvGrpSpPr>
-      <p:grpSpPr>
-        <a:xfrm>
-          <a:off x="0" y="0"/>
-          <a:ext cx="0" cy="0"/>
-          <a:chOff x="0" y="0"/>
-          <a:chExt cx="0" cy="0"/>
-        </a:xfrm>
-      </p:grpSpPr>
-      <p:pic>
-        <p:nvPicPr>
-          <p:cNvPr id="7" name="Picture 6">
-            <a:extLst>
-              <a:ext uri="{FF2B5EF4-FFF2-40B4-BE49-F238E27FC236}">
-                <a16:creationId xmlns:a16="http://schemas.microsoft.com/office/drawing/2014/main" id="{78E99A93-1A45-9C71-09A2-BB58EC5D82E5}"/>
-              </a:ext>
-            </a:extLst>
-          </p:cNvPr>
-          <p:cNvPicPr>
-            <a:picLocks noChangeAspect="1"/>
-          </p:cNvPicPr>
-          <p:nvPr/>
-        </p:nvPicPr>
-        <p:blipFill>
-          <a:blip r:embed="rId2"/>
-          <a:stretch>
-            <a:fillRect/>
-          </a:stretch>
-        </p:blipFill>
-        <p:spPr>
-          <a:xfrm>
-            <a:off x="0" y="0"/>
-            <a:ext cx="12328848" cy="6858000"/>
-          </a:xfrm>
-          <a:prstGeom prst="rect">
-            <a:avLst/>
-          </a:prstGeom>
-        </p:spPr>
-      </p:pic>
-      <p:sp>
-        <p:nvSpPr>
-          <p:cNvPr id="8" name="TextBox 7">
-            <a:extLst>
-              <a:ext uri="{FF2B5EF4-FFF2-40B4-BE49-F238E27FC236}">
-                <a16:creationId xmlns:a16="http://schemas.microsoft.com/office/drawing/2014/main" id="{D326771B-5BC8-9EE5-07C4-ACD387A8B11F}"/>
-              </a:ext>
-            </a:extLst>
-          </p:cNvPr>
-          <p:cNvSpPr txBox="1"/>
-          <p:nvPr/>
-        </p:nvSpPr>
-        <p:spPr>
-          <a:xfrm>
-            <a:off x="1464906" y="335902"/>
-            <a:ext cx="9535885" cy="646331"/>
-          </a:xfrm>
-          <a:prstGeom prst="rect">
-            <a:avLst/>
-          </a:prstGeom>
-          <a:noFill/>
-        </p:spPr>
-        <p:txBody>
           <a:bodyPr wrap="square" rtlCol="0">
             <a:spAutoFit/>
           </a:bodyPr>
           <a:lstStyle/>
           <a:p>
             <a:r>
-              <a:rPr lang="en-AE" sz="3600" b="1" dirty="0">
+              <a:rPr lang="en-US" sz="4000" b="1" dirty="0">
                 <a:solidFill>
-                  <a:schemeClr val="bg2"/>
+                  <a:srgbClr val="002060"/>
                 </a:solidFill>
               </a:rPr>
-              <a:t>Expense Management</a:t>
-            </a:r>
-          </a:p>
-        </p:txBody>
-      </p:sp>
-      <p:sp>
-        <p:nvSpPr>
-          <p:cNvPr id="9" name="Rectangle: Rounded Corners 8">
-            <a:extLst>
-              <a:ext uri="{FF2B5EF4-FFF2-40B4-BE49-F238E27FC236}">
-                <a16:creationId xmlns:a16="http://schemas.microsoft.com/office/drawing/2014/main" id="{6BCA68D8-5F10-82E5-A735-343A3567F1D2}"/>
-              </a:ext>
-            </a:extLst>
-          </p:cNvPr>
-          <p:cNvSpPr/>
-          <p:nvPr/>
-        </p:nvSpPr>
-        <p:spPr>
-          <a:xfrm>
-            <a:off x="270584" y="1408521"/>
-            <a:ext cx="7007291" cy="5206482"/>
-          </a:xfrm>
-          <a:prstGeom prst="roundRect">
-            <a:avLst/>
-          </a:prstGeom>
-          <a:solidFill>
-            <a:schemeClr val="accent1">
-              <a:alpha val="26000"/>
-            </a:schemeClr>
-          </a:solidFill>
-        </p:spPr>
-        <p:style>
-          <a:lnRef idx="2">
-            <a:schemeClr val="accent1">
-              <a:shade val="15000"/>
-            </a:schemeClr>
-          </a:lnRef>
-          <a:fillRef idx="1">
-            <a:schemeClr val="accent1"/>
-          </a:fillRef>
-          <a:effectRef idx="0">
-            <a:schemeClr val="accent1"/>
-          </a:effectRef>
-          <a:fontRef idx="minor">
-            <a:schemeClr val="lt1"/>
-          </a:fontRef>
-        </p:style>
-        <p:txBody>
-          <a:bodyPr rtlCol="0" anchor="ctr"/>
-          <a:lstStyle/>
-          <a:p>
-            <a:pPr algn="ctr"/>
-            <a:endParaRPr lang="en-AE" dirty="0"/>
-          </a:p>
-        </p:txBody>
-      </p:sp>
-      <p:sp>
-        <p:nvSpPr>
-          <p:cNvPr id="11" name="TextBox 10">
-            <a:extLst>
-              <a:ext uri="{FF2B5EF4-FFF2-40B4-BE49-F238E27FC236}">
-                <a16:creationId xmlns:a16="http://schemas.microsoft.com/office/drawing/2014/main" id="{12C0BA54-A5D5-7D4C-92CF-1A066BA5ADAF}"/>
-              </a:ext>
-            </a:extLst>
-          </p:cNvPr>
-          <p:cNvSpPr txBox="1"/>
-          <p:nvPr/>
-        </p:nvSpPr>
-        <p:spPr>
-          <a:xfrm>
-            <a:off x="1139889" y="3088432"/>
-            <a:ext cx="5775649" cy="923330"/>
-          </a:xfrm>
-          <a:prstGeom prst="rect">
-            <a:avLst/>
-          </a:prstGeom>
-          <a:noFill/>
-        </p:spPr>
-        <p:txBody>
-          <a:bodyPr wrap="square" rtlCol="0">
-            <a:spAutoFit/>
-          </a:bodyPr>
-          <a:lstStyle/>
-          <a:p>
-            <a:endParaRPr lang="en-US" dirty="0">
+              <a:t>Dashboard page</a:t>
+            </a:r>
+            <a:endParaRPr lang="en-AE" sz="4000" b="1" dirty="0">
               <a:solidFill>
-                <a:schemeClr val="bg1"/>
+                <a:srgbClr val="002060"/>
               </a:solidFill>
             </a:endParaRPr>
           </a:p>
-          <a:p>
-            <a:endParaRPr lang="en-US" dirty="0">
-              <a:solidFill>
-                <a:schemeClr val="bg1"/>
-              </a:solidFill>
-            </a:endParaRPr>
-          </a:p>
-          <a:p>
-            <a:endParaRPr lang="en-AE" dirty="0"/>
-          </a:p>
-        </p:txBody>
-      </p:sp>
-      <p:sp>
-        <p:nvSpPr>
-          <p:cNvPr id="13" name="TextBox 12">
-            <a:extLst>
-              <a:ext uri="{FF2B5EF4-FFF2-40B4-BE49-F238E27FC236}">
-                <a16:creationId xmlns:a16="http://schemas.microsoft.com/office/drawing/2014/main" id="{3FBBA2F0-58B0-4137-DA9D-114668249C0C}"/>
-              </a:ext>
-            </a:extLst>
-          </p:cNvPr>
-          <p:cNvSpPr txBox="1"/>
-          <p:nvPr/>
-        </p:nvSpPr>
-        <p:spPr>
-          <a:xfrm>
-            <a:off x="946279" y="1566895"/>
-            <a:ext cx="6162868" cy="4955203"/>
-          </a:xfrm>
-          <a:prstGeom prst="rect">
-            <a:avLst/>
-          </a:prstGeom>
-          <a:noFill/>
-        </p:spPr>
-        <p:txBody>
-          <a:bodyPr wrap="square">
-            <a:spAutoFit/>
-          </a:bodyPr>
-          <a:lstStyle/>
-          <a:p>
-            <a:r>
-              <a:rPr lang="en-US" sz="2800" b="1" dirty="0">
-                <a:solidFill>
-                  <a:schemeClr val="bg2"/>
-                </a:solidFill>
-              </a:rPr>
-              <a:t>Add Expense:</a:t>
-            </a:r>
-          </a:p>
-          <a:p>
-            <a:endParaRPr lang="en-US" sz="2800" b="1" dirty="0">
-              <a:solidFill>
-                <a:schemeClr val="bg2"/>
-              </a:solidFill>
-            </a:endParaRPr>
-          </a:p>
-          <a:p>
-            <a:r>
-              <a:rPr lang="en-US" sz="2400" dirty="0">
-                <a:solidFill>
-                  <a:schemeClr val="bg2"/>
-                </a:solidFill>
-              </a:rPr>
-              <a:t>Similar form-based interface for adding expense details.</a:t>
-            </a:r>
-          </a:p>
-          <a:p>
-            <a:r>
-              <a:rPr lang="en-US" sz="2400" dirty="0">
-                <a:solidFill>
-                  <a:schemeClr val="bg2"/>
-                </a:solidFill>
-              </a:rPr>
-              <a:t>Fields for title, amount, date, category, and description</a:t>
-            </a:r>
-            <a:r>
-              <a:rPr lang="en-US" sz="2800" dirty="0">
-                <a:solidFill>
-                  <a:schemeClr val="bg2"/>
-                </a:solidFill>
-              </a:rPr>
-              <a:t>.</a:t>
-            </a:r>
-          </a:p>
-          <a:p>
-            <a:endParaRPr lang="en-US" sz="2800" b="1" dirty="0">
-              <a:solidFill>
-                <a:schemeClr val="bg2"/>
-              </a:solidFill>
-            </a:endParaRPr>
-          </a:p>
-          <a:p>
-            <a:r>
-              <a:rPr lang="en-US" sz="2800" b="1" dirty="0">
-                <a:solidFill>
-                  <a:schemeClr val="bg2"/>
-                </a:solidFill>
-              </a:rPr>
-              <a:t>View Expense:</a:t>
-            </a:r>
-          </a:p>
-          <a:p>
-            <a:endParaRPr lang="en-US" sz="2800" b="1" dirty="0">
-              <a:solidFill>
-                <a:schemeClr val="bg2"/>
-              </a:solidFill>
-            </a:endParaRPr>
-          </a:p>
-          <a:p>
-            <a:r>
-              <a:rPr lang="en-US" sz="2400" dirty="0">
-                <a:solidFill>
-                  <a:schemeClr val="bg2"/>
-                </a:solidFill>
-              </a:rPr>
-              <a:t>Display of all expense transactions with relevant details.</a:t>
-            </a:r>
-          </a:p>
-          <a:p>
-            <a:r>
-              <a:rPr lang="en-US" sz="2400" dirty="0">
-                <a:solidFill>
-                  <a:schemeClr val="bg2"/>
-                </a:solidFill>
-              </a:rPr>
-              <a:t>Option to delete transactions if needed</a:t>
-            </a:r>
-            <a:r>
-              <a:rPr lang="en-US" sz="2800" dirty="0">
-                <a:solidFill>
-                  <a:schemeClr val="bg2"/>
-                </a:solidFill>
-              </a:rPr>
-              <a:t>.</a:t>
-            </a:r>
-          </a:p>
-        </p:txBody>
-      </p:sp>
-      <p:pic>
-        <p:nvPicPr>
-          <p:cNvPr id="3" name="Picture 2">
-            <a:extLst>
-              <a:ext uri="{FF2B5EF4-FFF2-40B4-BE49-F238E27FC236}">
-                <a16:creationId xmlns:a16="http://schemas.microsoft.com/office/drawing/2014/main" id="{90DEB1E3-F343-2613-301B-49EB3891D5D4}"/>
-              </a:ext>
-            </a:extLst>
-          </p:cNvPr>
-          <p:cNvPicPr>
-            <a:picLocks noChangeAspect="1"/>
-          </p:cNvPicPr>
-          <p:nvPr/>
-        </p:nvPicPr>
-        <p:blipFill>
-          <a:blip r:embed="rId3"/>
-          <a:stretch>
-            <a:fillRect/>
-          </a:stretch>
-        </p:blipFill>
-        <p:spPr>
-          <a:xfrm>
-            <a:off x="10561002" y="6060527"/>
-            <a:ext cx="1125066" cy="554476"/>
-          </a:xfrm>
-          <a:prstGeom prst="rect">
-            <a:avLst/>
-          </a:prstGeom>
-        </p:spPr>
-      </p:pic>
+        </p:txBody>
+      </p:sp>
     </p:spTree>
     <p:extLst>
       <p:ext uri="{BB962C8B-B14F-4D97-AF65-F5344CB8AC3E}">
-        <p14:creationId xmlns:p14="http://schemas.microsoft.com/office/powerpoint/2010/main" val="71138351"/>
+        <p14:creationId xmlns:p14="http://schemas.microsoft.com/office/powerpoint/2010/main" val="654919675"/>
       </p:ext>
     </p:extLst>
   </p:cSld>

--- a/WORKSHOP_INTRO/mean-finance-manager-workshop-intro.pptx
+++ b/WORKSHOP_INTRO/mean-finance-manager-workshop-intro.pptx
@@ -3,28 +3,28 @@
 <p:presentation xmlns:a="http://schemas.openxmlformats.org/drawingml/2006/main" xmlns:r="http://schemas.openxmlformats.org/officeDocument/2006/relationships" xmlns:p="http://schemas.openxmlformats.org/presentationml/2006/main">
   <p:sldMasterIdLst>
     <p:sldMasterId id="2147483648" r:id="rId1"/>
-    <p:sldMasterId id="2147483660" r:id="rId3"/>
+    <p:sldMasterId id="2147483660" r:id="rId2"/>
   </p:sldMasterIdLst>
   <p:notesMasterIdLst>
-    <p:notesMasterId r:id="rId20"/>
+    <p:notesMasterId r:id="rId19"/>
   </p:notesMasterIdLst>
   <p:sldIdLst>
-    <p:sldId id="351" r:id="rId4"/>
-    <p:sldId id="360" r:id="rId5"/>
-    <p:sldId id="353" r:id="rId6"/>
-    <p:sldId id="375" r:id="rId7"/>
-    <p:sldId id="267" r:id="rId8"/>
-    <p:sldId id="380" r:id="rId9"/>
-    <p:sldId id="359" r:id="rId10"/>
-    <p:sldId id="358" r:id="rId11"/>
-    <p:sldId id="356" r:id="rId12"/>
-    <p:sldId id="382" r:id="rId13"/>
-    <p:sldId id="383" r:id="rId14"/>
-    <p:sldId id="269" r:id="rId15"/>
-    <p:sldId id="355" r:id="rId16"/>
-    <p:sldId id="354" r:id="rId17"/>
-    <p:sldId id="298" r:id="rId18"/>
-    <p:sldId id="350" r:id="rId19"/>
+    <p:sldId id="351" r:id="rId3"/>
+    <p:sldId id="360" r:id="rId4"/>
+    <p:sldId id="353" r:id="rId5"/>
+    <p:sldId id="384" r:id="rId6"/>
+    <p:sldId id="267" r:id="rId7"/>
+    <p:sldId id="380" r:id="rId8"/>
+    <p:sldId id="359" r:id="rId9"/>
+    <p:sldId id="358" r:id="rId10"/>
+    <p:sldId id="356" r:id="rId11"/>
+    <p:sldId id="382" r:id="rId12"/>
+    <p:sldId id="383" r:id="rId13"/>
+    <p:sldId id="269" r:id="rId14"/>
+    <p:sldId id="355" r:id="rId15"/>
+    <p:sldId id="354" r:id="rId16"/>
+    <p:sldId id="298" r:id="rId17"/>
+    <p:sldId id="350" r:id="rId18"/>
   </p:sldIdLst>
   <p:sldSz cx="12192000" cy="6858000"/>
   <p:notesSz cx="6858000" cy="9144000"/>
@@ -123,6 +123,11 @@
       </a:defRPr>
     </a:lvl9pPr>
   </p:defaultTextStyle>
+  <p:extLst>
+    <p:ext uri="{EFAFB233-063F-42B5-8137-9DF3F51BA10A}">
+      <p15:sldGuideLst xmlns:p15="http://schemas.microsoft.com/office/powerpoint/2012/main"/>
+    </p:ext>
+  </p:extLst>
 </p:presentation>
 </file>
 
@@ -208,6 +213,7 @@
           <a:p>
             <a:fld id="{F0C6D11E-40F3-4DFF-BB84-43EF8F1BE3B8}" type="datetimeFigureOut">
               <a:rPr lang="en-US" smtClean="0"/>
+              <a:t>2/15/2024</a:t>
             </a:fld>
             <a:endParaRPr lang="en-US"/>
           </a:p>
@@ -274,7 +280,6 @@
               <a:rPr lang="en-US"/>
               <a:t>Click to edit Master text styles</a:t>
             </a:r>
-            <a:endParaRPr lang="en-US"/>
           </a:p>
           <a:p>
             <a:pPr lvl="1"/>
@@ -282,7 +287,6 @@
               <a:rPr lang="en-US"/>
               <a:t>Second level</a:t>
             </a:r>
-            <a:endParaRPr lang="en-US"/>
           </a:p>
           <a:p>
             <a:pPr lvl="2"/>
@@ -290,7 +294,6 @@
               <a:rPr lang="en-US"/>
               <a:t>Third level</a:t>
             </a:r>
-            <a:endParaRPr lang="en-US"/>
           </a:p>
           <a:p>
             <a:pPr lvl="3"/>
@@ -298,7 +301,6 @@
               <a:rPr lang="en-US"/>
               <a:t>Fourth level</a:t>
             </a:r>
-            <a:endParaRPr lang="en-US"/>
           </a:p>
           <a:p>
             <a:pPr lvl="4"/>
@@ -306,7 +308,6 @@
               <a:rPr lang="en-US"/>
               <a:t>Fifth level</a:t>
             </a:r>
-            <a:endParaRPr lang="en-US"/>
           </a:p>
         </p:txBody>
       </p:sp>
@@ -370,6 +371,7 @@
           <a:p>
             <a:fld id="{8BB15BDF-E373-445B-BF3A-9644459C1A6A}" type="slidenum">
               <a:rPr lang="en-US" smtClean="0"/>
+              <a:t>‹#›</a:t>
             </a:fld>
             <a:endParaRPr lang="en-US"/>
           </a:p>
@@ -473,6 +475,201 @@
 </p:notesMaster>
 </file>
 
+<file path=ppt/notesSlides/notesSlide1.xml><?xml version="1.0" encoding="utf-8"?>
+<p:notes xmlns:a="http://schemas.openxmlformats.org/drawingml/2006/main" xmlns:r="http://schemas.openxmlformats.org/officeDocument/2006/relationships" xmlns:p="http://schemas.openxmlformats.org/presentationml/2006/main">
+  <p:cSld>
+    <p:spTree>
+      <p:nvGrpSpPr>
+        <p:cNvPr id="1" name=""/>
+        <p:cNvGrpSpPr/>
+        <p:nvPr/>
+      </p:nvGrpSpPr>
+      <p:grpSpPr>
+        <a:xfrm>
+          <a:off x="0" y="0"/>
+          <a:ext cx="0" cy="0"/>
+          <a:chOff x="0" y="0"/>
+          <a:chExt cx="0" cy="0"/>
+        </a:xfrm>
+      </p:grpSpPr>
+      <p:sp>
+        <p:nvSpPr>
+          <p:cNvPr id="2" name="Slide Image Placeholder 1"/>
+          <p:cNvSpPr>
+            <a:spLocks noGrp="1" noRot="1" noChangeAspect="1"/>
+          </p:cNvSpPr>
+          <p:nvPr>
+            <p:ph type="sldImg"/>
+          </p:nvPr>
+        </p:nvSpPr>
+        <p:spPr/>
+      </p:sp>
+      <p:sp>
+        <p:nvSpPr>
+          <p:cNvPr id="3" name="Notes Placeholder 2"/>
+          <p:cNvSpPr>
+            <a:spLocks noGrp="1"/>
+          </p:cNvSpPr>
+          <p:nvPr>
+            <p:ph type="body" idx="1"/>
+          </p:nvPr>
+        </p:nvSpPr>
+        <p:spPr/>
+        <p:txBody>
+          <a:bodyPr/>
+          <a:lstStyle/>
+          <a:p>
+            <a:r>
+              <a:rPr lang="en-US" b="1" dirty="0" err="1">
+                <a:sym typeface="+mn-ea"/>
+              </a:rPr>
+              <a:t>Familiarisation</a:t>
+            </a:r>
+            <a:r>
+              <a:rPr lang="en-US" b="1" dirty="0">
+                <a:sym typeface="+mn-ea"/>
+              </a:rPr>
+              <a:t> Objective:</a:t>
+            </a:r>
+            <a:r>
+              <a:rPr lang="en-US" dirty="0">
+                <a:sym typeface="+mn-ea"/>
+              </a:rPr>
+              <a:t> Introduce participants to the basic concepts of the MEAN stack and Docker.</a:t>
+            </a:r>
+            <a:endParaRPr lang="en-US" dirty="0"/>
+          </a:p>
+          <a:p>
+            <a:r>
+              <a:rPr lang="en-US" b="1" dirty="0">
+                <a:sym typeface="+mn-ea"/>
+              </a:rPr>
+              <a:t>Hands-On Experience:</a:t>
+            </a:r>
+            <a:r>
+              <a:rPr lang="en-US" dirty="0">
+                <a:sym typeface="+mn-ea"/>
+              </a:rPr>
+              <a:t> Provide opportunities for hands-on exploration and experimentation.</a:t>
+            </a:r>
+            <a:endParaRPr lang="en-US" dirty="0"/>
+          </a:p>
+          <a:p>
+            <a:r>
+              <a:rPr lang="en-US" b="1" dirty="0">
+                <a:sym typeface="+mn-ea"/>
+              </a:rPr>
+              <a:t>Understanding Ecosystem:</a:t>
+            </a:r>
+            <a:r>
+              <a:rPr lang="en-US" dirty="0">
+                <a:sym typeface="+mn-ea"/>
+              </a:rPr>
+              <a:t> Gain familiarity with the components and interactions within the MEAN stack.</a:t>
+            </a:r>
+            <a:endParaRPr lang="en-US" dirty="0"/>
+          </a:p>
+          <a:p>
+            <a:r>
+              <a:rPr lang="en-US" b="1" dirty="0">
+                <a:sym typeface="+mn-ea"/>
+              </a:rPr>
+              <a:t>Containerization Overview:</a:t>
+            </a:r>
+            <a:r>
+              <a:rPr lang="en-US" dirty="0">
+                <a:sym typeface="+mn-ea"/>
+              </a:rPr>
+              <a:t> Offer an overview of Docker and its role in modern web development.</a:t>
+            </a:r>
+            <a:endParaRPr lang="en-US" dirty="0"/>
+          </a:p>
+          <a:p>
+            <a:r>
+              <a:rPr lang="en-US" b="1" dirty="0">
+                <a:sym typeface="+mn-ea"/>
+              </a:rPr>
+              <a:t>Practical Exposure:</a:t>
+            </a:r>
+            <a:r>
+              <a:rPr lang="en-US" dirty="0">
+                <a:sym typeface="+mn-ea"/>
+              </a:rPr>
+              <a:t> Focus on practical exercises to give participants a feel for working with MEAN and Docker.</a:t>
+            </a:r>
+            <a:endParaRPr lang="en-US" dirty="0"/>
+          </a:p>
+          <a:p>
+            <a:r>
+              <a:rPr lang="en-US" b="1" dirty="0">
+                <a:sym typeface="+mn-ea"/>
+              </a:rPr>
+              <a:t>No In-Depth Learning:</a:t>
+            </a:r>
+            <a:r>
+              <a:rPr lang="en-US" dirty="0">
+                <a:sym typeface="+mn-ea"/>
+              </a:rPr>
+              <a:t> Clarify that the workshop is not designed for in-depth learning but rather for getting acquainted with the technologies.</a:t>
+            </a:r>
+            <a:endParaRPr lang="en-US" dirty="0"/>
+          </a:p>
+          <a:p>
+            <a:r>
+              <a:rPr lang="en-US" b="1" dirty="0">
+                <a:sym typeface="+mn-ea"/>
+              </a:rPr>
+              <a:t>Preparation for Further Learning:</a:t>
+            </a:r>
+            <a:r>
+              <a:rPr lang="en-US" dirty="0">
+                <a:sym typeface="+mn-ea"/>
+              </a:rPr>
+              <a:t> Lay the groundwork for participants to pursue further learning on their own after the workshop.</a:t>
+            </a:r>
+            <a:endParaRPr lang="en-US" dirty="0"/>
+          </a:p>
+          <a:p>
+            <a:endParaRPr lang="en-AE" dirty="0"/>
+          </a:p>
+        </p:txBody>
+      </p:sp>
+      <p:sp>
+        <p:nvSpPr>
+          <p:cNvPr id="4" name="Slide Number Placeholder 3"/>
+          <p:cNvSpPr>
+            <a:spLocks noGrp="1"/>
+          </p:cNvSpPr>
+          <p:nvPr>
+            <p:ph type="sldNum" sz="quarter" idx="5"/>
+          </p:nvPr>
+        </p:nvSpPr>
+        <p:spPr/>
+        <p:txBody>
+          <a:bodyPr/>
+          <a:lstStyle/>
+          <a:p>
+            <a:fld id="{8BB15BDF-E373-445B-BF3A-9644459C1A6A}" type="slidenum">
+              <a:rPr lang="en-US" smtClean="0"/>
+              <a:t>4</a:t>
+            </a:fld>
+            <a:endParaRPr lang="en-US"/>
+          </a:p>
+        </p:txBody>
+      </p:sp>
+    </p:spTree>
+    <p:extLst>
+      <p:ext uri="{BB962C8B-B14F-4D97-AF65-F5344CB8AC3E}">
+        <p14:creationId xmlns:p14="http://schemas.microsoft.com/office/powerpoint/2010/main" val="2122376432"/>
+      </p:ext>
+    </p:extLst>
+  </p:cSld>
+  <p:clrMapOvr>
+    <a:masterClrMapping/>
+  </p:clrMapOvr>
+</p:notes>
+</file>
+
 <file path=ppt/slideLayouts/slideLayout1.xml><?xml version="1.0" encoding="utf-8"?>
 <p:sldLayout xmlns:a="http://schemas.openxmlformats.org/drawingml/2006/main" xmlns:r="http://schemas.openxmlformats.org/officeDocument/2006/relationships" xmlns:p="http://schemas.openxmlformats.org/presentationml/2006/main" type="title" preserve="1">
   <p:cSld name="Title Slide">
@@ -518,7 +715,6 @@
               <a:rPr lang="en-US"/>
               <a:t>Click to edit Master title style</a:t>
             </a:r>
-            <a:endParaRPr lang="en-US"/>
           </a:p>
         </p:txBody>
       </p:sp>
@@ -583,7 +779,6 @@
               <a:rPr lang="en-US"/>
               <a:t>Click to edit Master subtitle style</a:t>
             </a:r>
-            <a:endParaRPr lang="en-US"/>
           </a:p>
         </p:txBody>
       </p:sp>
@@ -604,6 +799,7 @@
           <a:p>
             <a:fld id="{5DD185EA-F696-4F9E-9346-7F0B9D6692E3}" type="datetimeFigureOut">
               <a:rPr lang="en-US" smtClean="0"/>
+              <a:t>2/15/2024</a:t>
             </a:fld>
             <a:endParaRPr lang="en-US"/>
           </a:p>
@@ -645,6 +841,7 @@
           <a:p>
             <a:fld id="{C0E18D43-B78A-47B6-929C-7502EDBA8DD3}" type="slidenum">
               <a:rPr lang="en-US" smtClean="0"/>
+              <a:t>‹#›</a:t>
             </a:fld>
             <a:endParaRPr lang="en-US"/>
           </a:p>
@@ -694,7 +891,6 @@
               <a:rPr lang="en-US"/>
               <a:t>Click to edit Master title style</a:t>
             </a:r>
-            <a:endParaRPr lang="en-US"/>
           </a:p>
         </p:txBody>
       </p:sp>
@@ -718,7 +914,6 @@
               <a:rPr lang="en-US"/>
               <a:t>Click to edit Master text styles</a:t>
             </a:r>
-            <a:endParaRPr lang="en-US"/>
           </a:p>
           <a:p>
             <a:pPr lvl="1"/>
@@ -726,7 +921,6 @@
               <a:rPr lang="en-US"/>
               <a:t>Second level</a:t>
             </a:r>
-            <a:endParaRPr lang="en-US"/>
           </a:p>
           <a:p>
             <a:pPr lvl="2"/>
@@ -734,7 +928,6 @@
               <a:rPr lang="en-US"/>
               <a:t>Third level</a:t>
             </a:r>
-            <a:endParaRPr lang="en-US"/>
           </a:p>
           <a:p>
             <a:pPr lvl="3"/>
@@ -742,7 +935,6 @@
               <a:rPr lang="en-US"/>
               <a:t>Fourth level</a:t>
             </a:r>
-            <a:endParaRPr lang="en-US"/>
           </a:p>
           <a:p>
             <a:pPr lvl="4"/>
@@ -750,7 +942,6 @@
               <a:rPr lang="en-US"/>
               <a:t>Fifth level</a:t>
             </a:r>
-            <a:endParaRPr lang="en-US"/>
           </a:p>
         </p:txBody>
       </p:sp>
@@ -771,6 +962,7 @@
           <a:p>
             <a:fld id="{5DD185EA-F696-4F9E-9346-7F0B9D6692E3}" type="datetimeFigureOut">
               <a:rPr lang="en-US" smtClean="0"/>
+              <a:t>2/15/2024</a:t>
             </a:fld>
             <a:endParaRPr lang="en-US"/>
           </a:p>
@@ -812,6 +1004,7 @@
           <a:p>
             <a:fld id="{C0E18D43-B78A-47B6-929C-7502EDBA8DD3}" type="slidenum">
               <a:rPr lang="en-US" smtClean="0"/>
+              <a:t>‹#›</a:t>
             </a:fld>
             <a:endParaRPr lang="en-US"/>
           </a:p>
@@ -866,7 +1059,6 @@
               <a:rPr lang="en-US"/>
               <a:t>Click to edit Master title style</a:t>
             </a:r>
-            <a:endParaRPr lang="en-US"/>
           </a:p>
         </p:txBody>
       </p:sp>
@@ -895,7 +1087,6 @@
               <a:rPr lang="en-US"/>
               <a:t>Click to edit Master text styles</a:t>
             </a:r>
-            <a:endParaRPr lang="en-US"/>
           </a:p>
           <a:p>
             <a:pPr lvl="1"/>
@@ -903,7 +1094,6 @@
               <a:rPr lang="en-US"/>
               <a:t>Second level</a:t>
             </a:r>
-            <a:endParaRPr lang="en-US"/>
           </a:p>
           <a:p>
             <a:pPr lvl="2"/>
@@ -911,7 +1101,6 @@
               <a:rPr lang="en-US"/>
               <a:t>Third level</a:t>
             </a:r>
-            <a:endParaRPr lang="en-US"/>
           </a:p>
           <a:p>
             <a:pPr lvl="3"/>
@@ -919,7 +1108,6 @@
               <a:rPr lang="en-US"/>
               <a:t>Fourth level</a:t>
             </a:r>
-            <a:endParaRPr lang="en-US"/>
           </a:p>
           <a:p>
             <a:pPr lvl="4"/>
@@ -927,7 +1115,6 @@
               <a:rPr lang="en-US"/>
               <a:t>Fifth level</a:t>
             </a:r>
-            <a:endParaRPr lang="en-US"/>
           </a:p>
         </p:txBody>
       </p:sp>
@@ -948,6 +1135,7 @@
           <a:p>
             <a:fld id="{5DD185EA-F696-4F9E-9346-7F0B9D6692E3}" type="datetimeFigureOut">
               <a:rPr lang="en-US" smtClean="0"/>
+              <a:t>2/15/2024</a:t>
             </a:fld>
             <a:endParaRPr lang="en-US"/>
           </a:p>
@@ -989,6 +1177,7 @@
           <a:p>
             <a:fld id="{C0E18D43-B78A-47B6-929C-7502EDBA8DD3}" type="slidenum">
               <a:rPr lang="en-US" smtClean="0"/>
+              <a:t>‹#›</a:t>
             </a:fld>
             <a:endParaRPr lang="en-US"/>
           </a:p>
@@ -1047,7 +1236,6 @@
               <a:rPr lang="en-US"/>
               <a:t>Click to edit Master title style</a:t>
             </a:r>
-            <a:endParaRPr lang="en-US"/>
           </a:p>
         </p:txBody>
       </p:sp>
@@ -1112,7 +1300,6 @@
               <a:rPr lang="en-US"/>
               <a:t>Click to edit Master subtitle style</a:t>
             </a:r>
-            <a:endParaRPr lang="en-US"/>
           </a:p>
         </p:txBody>
       </p:sp>
@@ -1133,6 +1320,7 @@
           <a:p>
             <a:fld id="{5DD185EA-F696-4F9E-9346-7F0B9D6692E3}" type="datetimeFigureOut">
               <a:rPr lang="en-US" smtClean="0"/>
+              <a:t>2/15/2024</a:t>
             </a:fld>
             <a:endParaRPr lang="en-US"/>
           </a:p>
@@ -1174,6 +1362,7 @@
           <a:p>
             <a:fld id="{C0E18D43-B78A-47B6-929C-7502EDBA8DD3}" type="slidenum">
               <a:rPr lang="en-US" smtClean="0"/>
+              <a:t>‹#›</a:t>
             </a:fld>
             <a:endParaRPr lang="en-US"/>
           </a:p>
@@ -1223,7 +1412,6 @@
               <a:rPr lang="en-US"/>
               <a:t>Click to edit Master title style</a:t>
             </a:r>
-            <a:endParaRPr lang="en-US"/>
           </a:p>
         </p:txBody>
       </p:sp>
@@ -1247,7 +1435,6 @@
               <a:rPr lang="en-US"/>
               <a:t>Click to edit Master text styles</a:t>
             </a:r>
-            <a:endParaRPr lang="en-US"/>
           </a:p>
           <a:p>
             <a:pPr lvl="1"/>
@@ -1255,7 +1442,6 @@
               <a:rPr lang="en-US"/>
               <a:t>Second level</a:t>
             </a:r>
-            <a:endParaRPr lang="en-US"/>
           </a:p>
           <a:p>
             <a:pPr lvl="2"/>
@@ -1263,7 +1449,6 @@
               <a:rPr lang="en-US"/>
               <a:t>Third level</a:t>
             </a:r>
-            <a:endParaRPr lang="en-US"/>
           </a:p>
           <a:p>
             <a:pPr lvl="3"/>
@@ -1271,7 +1456,6 @@
               <a:rPr lang="en-US"/>
               <a:t>Fourth level</a:t>
             </a:r>
-            <a:endParaRPr lang="en-US"/>
           </a:p>
           <a:p>
             <a:pPr lvl="4"/>
@@ -1279,7 +1463,6 @@
               <a:rPr lang="en-US"/>
               <a:t>Fifth level</a:t>
             </a:r>
-            <a:endParaRPr lang="en-US"/>
           </a:p>
         </p:txBody>
       </p:sp>
@@ -1300,6 +1483,7 @@
           <a:p>
             <a:fld id="{5DD185EA-F696-4F9E-9346-7F0B9D6692E3}" type="datetimeFigureOut">
               <a:rPr lang="en-US" smtClean="0"/>
+              <a:t>2/15/2024</a:t>
             </a:fld>
             <a:endParaRPr lang="en-US"/>
           </a:p>
@@ -1341,6 +1525,7 @@
           <a:p>
             <a:fld id="{C0E18D43-B78A-47B6-929C-7502EDBA8DD3}" type="slidenum">
               <a:rPr lang="en-US" smtClean="0"/>
+              <a:t>‹#›</a:t>
             </a:fld>
             <a:endParaRPr lang="en-US"/>
           </a:p>
@@ -1399,7 +1584,6 @@
               <a:rPr lang="en-US"/>
               <a:t>Click to edit Master title style</a:t>
             </a:r>
-            <a:endParaRPr lang="en-US"/>
           </a:p>
         </p:txBody>
       </p:sp>
@@ -1519,7 +1703,6 @@
               <a:rPr lang="en-US"/>
               <a:t>Click to edit Master text styles</a:t>
             </a:r>
-            <a:endParaRPr lang="en-US"/>
           </a:p>
         </p:txBody>
       </p:sp>
@@ -1540,6 +1723,7 @@
           <a:p>
             <a:fld id="{5DD185EA-F696-4F9E-9346-7F0B9D6692E3}" type="datetimeFigureOut">
               <a:rPr lang="en-US" smtClean="0"/>
+              <a:t>2/15/2024</a:t>
             </a:fld>
             <a:endParaRPr lang="en-US"/>
           </a:p>
@@ -1581,6 +1765,7 @@
           <a:p>
             <a:fld id="{C0E18D43-B78A-47B6-929C-7502EDBA8DD3}" type="slidenum">
               <a:rPr lang="en-US" smtClean="0"/>
+              <a:t>‹#›</a:t>
             </a:fld>
             <a:endParaRPr lang="en-US"/>
           </a:p>
@@ -1630,7 +1815,6 @@
               <a:rPr lang="en-US"/>
               <a:t>Click to edit Master title style</a:t>
             </a:r>
-            <a:endParaRPr lang="en-US"/>
           </a:p>
         </p:txBody>
       </p:sp>
@@ -1659,7 +1843,6 @@
               <a:rPr lang="en-US"/>
               <a:t>Click to edit Master text styles</a:t>
             </a:r>
-            <a:endParaRPr lang="en-US"/>
           </a:p>
           <a:p>
             <a:pPr lvl="1"/>
@@ -1667,7 +1850,6 @@
               <a:rPr lang="en-US"/>
               <a:t>Second level</a:t>
             </a:r>
-            <a:endParaRPr lang="en-US"/>
           </a:p>
           <a:p>
             <a:pPr lvl="2"/>
@@ -1675,7 +1857,6 @@
               <a:rPr lang="en-US"/>
               <a:t>Third level</a:t>
             </a:r>
-            <a:endParaRPr lang="en-US"/>
           </a:p>
           <a:p>
             <a:pPr lvl="3"/>
@@ -1683,7 +1864,6 @@
               <a:rPr lang="en-US"/>
               <a:t>Fourth level</a:t>
             </a:r>
-            <a:endParaRPr lang="en-US"/>
           </a:p>
           <a:p>
             <a:pPr lvl="4"/>
@@ -1691,7 +1871,6 @@
               <a:rPr lang="en-US"/>
               <a:t>Fifth level</a:t>
             </a:r>
-            <a:endParaRPr lang="en-US"/>
           </a:p>
         </p:txBody>
       </p:sp>
@@ -1720,7 +1899,6 @@
               <a:rPr lang="en-US"/>
               <a:t>Click to edit Master text styles</a:t>
             </a:r>
-            <a:endParaRPr lang="en-US"/>
           </a:p>
           <a:p>
             <a:pPr lvl="1"/>
@@ -1728,7 +1906,6 @@
               <a:rPr lang="en-US"/>
               <a:t>Second level</a:t>
             </a:r>
-            <a:endParaRPr lang="en-US"/>
           </a:p>
           <a:p>
             <a:pPr lvl="2"/>
@@ -1736,7 +1913,6 @@
               <a:rPr lang="en-US"/>
               <a:t>Third level</a:t>
             </a:r>
-            <a:endParaRPr lang="en-US"/>
           </a:p>
           <a:p>
             <a:pPr lvl="3"/>
@@ -1744,7 +1920,6 @@
               <a:rPr lang="en-US"/>
               <a:t>Fourth level</a:t>
             </a:r>
-            <a:endParaRPr lang="en-US"/>
           </a:p>
           <a:p>
             <a:pPr lvl="4"/>
@@ -1752,7 +1927,6 @@
               <a:rPr lang="en-US"/>
               <a:t>Fifth level</a:t>
             </a:r>
-            <a:endParaRPr lang="en-US"/>
           </a:p>
         </p:txBody>
       </p:sp>
@@ -1773,6 +1947,7 @@
           <a:p>
             <a:fld id="{5DD185EA-F696-4F9E-9346-7F0B9D6692E3}" type="datetimeFigureOut">
               <a:rPr lang="en-US" smtClean="0"/>
+              <a:t>2/15/2024</a:t>
             </a:fld>
             <a:endParaRPr lang="en-US"/>
           </a:p>
@@ -1814,6 +1989,7 @@
           <a:p>
             <a:fld id="{C0E18D43-B78A-47B6-929C-7502EDBA8DD3}" type="slidenum">
               <a:rPr lang="en-US" smtClean="0"/>
+              <a:t>‹#›</a:t>
             </a:fld>
             <a:endParaRPr lang="en-US"/>
           </a:p>
@@ -1868,7 +2044,6 @@
               <a:rPr lang="en-US"/>
               <a:t>Click to edit Master title style</a:t>
             </a:r>
-            <a:endParaRPr lang="en-US"/>
           </a:p>
         </p:txBody>
       </p:sp>
@@ -1934,7 +2109,6 @@
               <a:rPr lang="en-US"/>
               <a:t>Click to edit Master text styles</a:t>
             </a:r>
-            <a:endParaRPr lang="en-US"/>
           </a:p>
         </p:txBody>
       </p:sp>
@@ -1963,7 +2137,6 @@
               <a:rPr lang="en-US"/>
               <a:t>Click to edit Master text styles</a:t>
             </a:r>
-            <a:endParaRPr lang="en-US"/>
           </a:p>
           <a:p>
             <a:pPr lvl="1"/>
@@ -1971,7 +2144,6 @@
               <a:rPr lang="en-US"/>
               <a:t>Second level</a:t>
             </a:r>
-            <a:endParaRPr lang="en-US"/>
           </a:p>
           <a:p>
             <a:pPr lvl="2"/>
@@ -1979,7 +2151,6 @@
               <a:rPr lang="en-US"/>
               <a:t>Third level</a:t>
             </a:r>
-            <a:endParaRPr lang="en-US"/>
           </a:p>
           <a:p>
             <a:pPr lvl="3"/>
@@ -1987,7 +2158,6 @@
               <a:rPr lang="en-US"/>
               <a:t>Fourth level</a:t>
             </a:r>
-            <a:endParaRPr lang="en-US"/>
           </a:p>
           <a:p>
             <a:pPr lvl="4"/>
@@ -1995,7 +2165,6 @@
               <a:rPr lang="en-US"/>
               <a:t>Fifth level</a:t>
             </a:r>
-            <a:endParaRPr lang="en-US"/>
           </a:p>
         </p:txBody>
       </p:sp>
@@ -2061,7 +2230,6 @@
               <a:rPr lang="en-US"/>
               <a:t>Click to edit Master text styles</a:t>
             </a:r>
-            <a:endParaRPr lang="en-US"/>
           </a:p>
         </p:txBody>
       </p:sp>
@@ -2090,7 +2258,6 @@
               <a:rPr lang="en-US"/>
               <a:t>Click to edit Master text styles</a:t>
             </a:r>
-            <a:endParaRPr lang="en-US"/>
           </a:p>
           <a:p>
             <a:pPr lvl="1"/>
@@ -2098,7 +2265,6 @@
               <a:rPr lang="en-US"/>
               <a:t>Second level</a:t>
             </a:r>
-            <a:endParaRPr lang="en-US"/>
           </a:p>
           <a:p>
             <a:pPr lvl="2"/>
@@ -2106,7 +2272,6 @@
               <a:rPr lang="en-US"/>
               <a:t>Third level</a:t>
             </a:r>
-            <a:endParaRPr lang="en-US"/>
           </a:p>
           <a:p>
             <a:pPr lvl="3"/>
@@ -2114,7 +2279,6 @@
               <a:rPr lang="en-US"/>
               <a:t>Fourth level</a:t>
             </a:r>
-            <a:endParaRPr lang="en-US"/>
           </a:p>
           <a:p>
             <a:pPr lvl="4"/>
@@ -2122,7 +2286,6 @@
               <a:rPr lang="en-US"/>
               <a:t>Fifth level</a:t>
             </a:r>
-            <a:endParaRPr lang="en-US"/>
           </a:p>
         </p:txBody>
       </p:sp>
@@ -2143,6 +2306,7 @@
           <a:p>
             <a:fld id="{5DD185EA-F696-4F9E-9346-7F0B9D6692E3}" type="datetimeFigureOut">
               <a:rPr lang="en-US" smtClean="0"/>
+              <a:t>2/15/2024</a:t>
             </a:fld>
             <a:endParaRPr lang="en-US"/>
           </a:p>
@@ -2184,6 +2348,7 @@
           <a:p>
             <a:fld id="{C0E18D43-B78A-47B6-929C-7502EDBA8DD3}" type="slidenum">
               <a:rPr lang="en-US" smtClean="0"/>
+              <a:t>‹#›</a:t>
             </a:fld>
             <a:endParaRPr lang="en-US"/>
           </a:p>
@@ -2233,7 +2398,6 @@
               <a:rPr lang="en-US"/>
               <a:t>Click to edit Master title style</a:t>
             </a:r>
-            <a:endParaRPr lang="en-US"/>
           </a:p>
         </p:txBody>
       </p:sp>
@@ -2254,6 +2418,7 @@
           <a:p>
             <a:fld id="{5DD185EA-F696-4F9E-9346-7F0B9D6692E3}" type="datetimeFigureOut">
               <a:rPr lang="en-US" smtClean="0"/>
+              <a:t>2/15/2024</a:t>
             </a:fld>
             <a:endParaRPr lang="en-US"/>
           </a:p>
@@ -2295,6 +2460,7 @@
           <a:p>
             <a:fld id="{C0E18D43-B78A-47B6-929C-7502EDBA8DD3}" type="slidenum">
               <a:rPr lang="en-US" smtClean="0"/>
+              <a:t>‹#›</a:t>
             </a:fld>
             <a:endParaRPr lang="en-US"/>
           </a:p>
@@ -2342,6 +2508,7 @@
           <a:p>
             <a:fld id="{5DD185EA-F696-4F9E-9346-7F0B9D6692E3}" type="datetimeFigureOut">
               <a:rPr lang="en-US" smtClean="0"/>
+              <a:t>2/15/2024</a:t>
             </a:fld>
             <a:endParaRPr lang="en-US"/>
           </a:p>
@@ -2383,6 +2550,7 @@
           <a:p>
             <a:fld id="{C0E18D43-B78A-47B6-929C-7502EDBA8DD3}" type="slidenum">
               <a:rPr lang="en-US" smtClean="0"/>
+              <a:t>‹#›</a:t>
             </a:fld>
             <a:endParaRPr lang="en-US"/>
           </a:p>
@@ -2441,7 +2609,6 @@
               <a:rPr lang="en-US"/>
               <a:t>Click to edit Master title style</a:t>
             </a:r>
-            <a:endParaRPr lang="en-US"/>
           </a:p>
         </p:txBody>
       </p:sp>
@@ -2498,7 +2665,6 @@
               <a:rPr lang="en-US"/>
               <a:t>Click to edit Master text styles</a:t>
             </a:r>
-            <a:endParaRPr lang="en-US"/>
           </a:p>
           <a:p>
             <a:pPr lvl="1"/>
@@ -2506,7 +2672,6 @@
               <a:rPr lang="en-US"/>
               <a:t>Second level</a:t>
             </a:r>
-            <a:endParaRPr lang="en-US"/>
           </a:p>
           <a:p>
             <a:pPr lvl="2"/>
@@ -2514,7 +2679,6 @@
               <a:rPr lang="en-US"/>
               <a:t>Third level</a:t>
             </a:r>
-            <a:endParaRPr lang="en-US"/>
           </a:p>
           <a:p>
             <a:pPr lvl="3"/>
@@ -2522,7 +2686,6 @@
               <a:rPr lang="en-US"/>
               <a:t>Fourth level</a:t>
             </a:r>
-            <a:endParaRPr lang="en-US"/>
           </a:p>
           <a:p>
             <a:pPr lvl="4"/>
@@ -2530,7 +2693,6 @@
               <a:rPr lang="en-US"/>
               <a:t>Fifth level</a:t>
             </a:r>
-            <a:endParaRPr lang="en-US"/>
           </a:p>
         </p:txBody>
       </p:sp>
@@ -2596,7 +2758,6 @@
               <a:rPr lang="en-US"/>
               <a:t>Click to edit Master text styles</a:t>
             </a:r>
-            <a:endParaRPr lang="en-US"/>
           </a:p>
         </p:txBody>
       </p:sp>
@@ -2617,6 +2778,7 @@
           <a:p>
             <a:fld id="{5DD185EA-F696-4F9E-9346-7F0B9D6692E3}" type="datetimeFigureOut">
               <a:rPr lang="en-US" smtClean="0"/>
+              <a:t>2/15/2024</a:t>
             </a:fld>
             <a:endParaRPr lang="en-US"/>
           </a:p>
@@ -2658,6 +2820,7 @@
           <a:p>
             <a:fld id="{C0E18D43-B78A-47B6-929C-7502EDBA8DD3}" type="slidenum">
               <a:rPr lang="en-US" smtClean="0"/>
+              <a:t>‹#›</a:t>
             </a:fld>
             <a:endParaRPr lang="en-US"/>
           </a:p>
@@ -2707,7 +2870,6 @@
               <a:rPr lang="en-US"/>
               <a:t>Click to edit Master title style</a:t>
             </a:r>
-            <a:endParaRPr lang="en-US"/>
           </a:p>
         </p:txBody>
       </p:sp>
@@ -2731,7 +2893,6 @@
               <a:rPr lang="en-US"/>
               <a:t>Click to edit Master text styles</a:t>
             </a:r>
-            <a:endParaRPr lang="en-US"/>
           </a:p>
           <a:p>
             <a:pPr lvl="1"/>
@@ -2739,7 +2900,6 @@
               <a:rPr lang="en-US"/>
               <a:t>Second level</a:t>
             </a:r>
-            <a:endParaRPr lang="en-US"/>
           </a:p>
           <a:p>
             <a:pPr lvl="2"/>
@@ -2747,7 +2907,6 @@
               <a:rPr lang="en-US"/>
               <a:t>Third level</a:t>
             </a:r>
-            <a:endParaRPr lang="en-US"/>
           </a:p>
           <a:p>
             <a:pPr lvl="3"/>
@@ -2755,7 +2914,6 @@
               <a:rPr lang="en-US"/>
               <a:t>Fourth level</a:t>
             </a:r>
-            <a:endParaRPr lang="en-US"/>
           </a:p>
           <a:p>
             <a:pPr lvl="4"/>
@@ -2763,7 +2921,6 @@
               <a:rPr lang="en-US"/>
               <a:t>Fifth level</a:t>
             </a:r>
-            <a:endParaRPr lang="en-US"/>
           </a:p>
         </p:txBody>
       </p:sp>
@@ -2784,6 +2941,7 @@
           <a:p>
             <a:fld id="{5DD185EA-F696-4F9E-9346-7F0B9D6692E3}" type="datetimeFigureOut">
               <a:rPr lang="en-US" smtClean="0"/>
+              <a:t>2/15/2024</a:t>
             </a:fld>
             <a:endParaRPr lang="en-US"/>
           </a:p>
@@ -2825,6 +2983,7 @@
           <a:p>
             <a:fld id="{C0E18D43-B78A-47B6-929C-7502EDBA8DD3}" type="slidenum">
               <a:rPr lang="en-US" smtClean="0"/>
+              <a:t>‹#›</a:t>
             </a:fld>
             <a:endParaRPr lang="en-US"/>
           </a:p>
@@ -2883,7 +3042,6 @@
               <a:rPr lang="en-US"/>
               <a:t>Click to edit Master title style</a:t>
             </a:r>
-            <a:endParaRPr lang="en-US"/>
           </a:p>
         </p:txBody>
       </p:sp>
@@ -3010,7 +3168,6 @@
               <a:rPr lang="en-US"/>
               <a:t>Click to edit Master text styles</a:t>
             </a:r>
-            <a:endParaRPr lang="en-US"/>
           </a:p>
         </p:txBody>
       </p:sp>
@@ -3031,6 +3188,7 @@
           <a:p>
             <a:fld id="{5DD185EA-F696-4F9E-9346-7F0B9D6692E3}" type="datetimeFigureOut">
               <a:rPr lang="en-US" smtClean="0"/>
+              <a:t>2/15/2024</a:t>
             </a:fld>
             <a:endParaRPr lang="en-US"/>
           </a:p>
@@ -3072,6 +3230,7 @@
           <a:p>
             <a:fld id="{C0E18D43-B78A-47B6-929C-7502EDBA8DD3}" type="slidenum">
               <a:rPr lang="en-US" smtClean="0"/>
+              <a:t>‹#›</a:t>
             </a:fld>
             <a:endParaRPr lang="en-US"/>
           </a:p>
@@ -3121,7 +3280,6 @@
               <a:rPr lang="en-US"/>
               <a:t>Click to edit Master title style</a:t>
             </a:r>
-            <a:endParaRPr lang="en-US"/>
           </a:p>
         </p:txBody>
       </p:sp>
@@ -3145,7 +3303,6 @@
               <a:rPr lang="en-US"/>
               <a:t>Click to edit Master text styles</a:t>
             </a:r>
-            <a:endParaRPr lang="en-US"/>
           </a:p>
           <a:p>
             <a:pPr lvl="1"/>
@@ -3153,7 +3310,6 @@
               <a:rPr lang="en-US"/>
               <a:t>Second level</a:t>
             </a:r>
-            <a:endParaRPr lang="en-US"/>
           </a:p>
           <a:p>
             <a:pPr lvl="2"/>
@@ -3161,7 +3317,6 @@
               <a:rPr lang="en-US"/>
               <a:t>Third level</a:t>
             </a:r>
-            <a:endParaRPr lang="en-US"/>
           </a:p>
           <a:p>
             <a:pPr lvl="3"/>
@@ -3169,7 +3324,6 @@
               <a:rPr lang="en-US"/>
               <a:t>Fourth level</a:t>
             </a:r>
-            <a:endParaRPr lang="en-US"/>
           </a:p>
           <a:p>
             <a:pPr lvl="4"/>
@@ -3177,7 +3331,6 @@
               <a:rPr lang="en-US"/>
               <a:t>Fifth level</a:t>
             </a:r>
-            <a:endParaRPr lang="en-US"/>
           </a:p>
         </p:txBody>
       </p:sp>
@@ -3198,6 +3351,7 @@
           <a:p>
             <a:fld id="{5DD185EA-F696-4F9E-9346-7F0B9D6692E3}" type="datetimeFigureOut">
               <a:rPr lang="en-US" smtClean="0"/>
+              <a:t>2/15/2024</a:t>
             </a:fld>
             <a:endParaRPr lang="en-US"/>
           </a:p>
@@ -3239,6 +3393,7 @@
           <a:p>
             <a:fld id="{C0E18D43-B78A-47B6-929C-7502EDBA8DD3}" type="slidenum">
               <a:rPr lang="en-US" smtClean="0"/>
+              <a:t>‹#›</a:t>
             </a:fld>
             <a:endParaRPr lang="en-US"/>
           </a:p>
@@ -3293,7 +3448,6 @@
               <a:rPr lang="en-US"/>
               <a:t>Click to edit Master title style</a:t>
             </a:r>
-            <a:endParaRPr lang="en-US"/>
           </a:p>
         </p:txBody>
       </p:sp>
@@ -3322,7 +3476,6 @@
               <a:rPr lang="en-US"/>
               <a:t>Click to edit Master text styles</a:t>
             </a:r>
-            <a:endParaRPr lang="en-US"/>
           </a:p>
           <a:p>
             <a:pPr lvl="1"/>
@@ -3330,7 +3483,6 @@
               <a:rPr lang="en-US"/>
               <a:t>Second level</a:t>
             </a:r>
-            <a:endParaRPr lang="en-US"/>
           </a:p>
           <a:p>
             <a:pPr lvl="2"/>
@@ -3338,7 +3490,6 @@
               <a:rPr lang="en-US"/>
               <a:t>Third level</a:t>
             </a:r>
-            <a:endParaRPr lang="en-US"/>
           </a:p>
           <a:p>
             <a:pPr lvl="3"/>
@@ -3346,7 +3497,6 @@
               <a:rPr lang="en-US"/>
               <a:t>Fourth level</a:t>
             </a:r>
-            <a:endParaRPr lang="en-US"/>
           </a:p>
           <a:p>
             <a:pPr lvl="4"/>
@@ -3354,7 +3504,6 @@
               <a:rPr lang="en-US"/>
               <a:t>Fifth level</a:t>
             </a:r>
-            <a:endParaRPr lang="en-US"/>
           </a:p>
         </p:txBody>
       </p:sp>
@@ -3375,6 +3524,7 @@
           <a:p>
             <a:fld id="{5DD185EA-F696-4F9E-9346-7F0B9D6692E3}" type="datetimeFigureOut">
               <a:rPr lang="en-US" smtClean="0"/>
+              <a:t>2/15/2024</a:t>
             </a:fld>
             <a:endParaRPr lang="en-US"/>
           </a:p>
@@ -3416,6 +3566,7 @@
           <a:p>
             <a:fld id="{C0E18D43-B78A-47B6-929C-7502EDBA8DD3}" type="slidenum">
               <a:rPr lang="en-US" smtClean="0"/>
+              <a:t>‹#›</a:t>
             </a:fld>
             <a:endParaRPr lang="en-US"/>
           </a:p>
@@ -3474,7 +3625,6 @@
               <a:rPr lang="en-US"/>
               <a:t>Click to edit Master title style</a:t>
             </a:r>
-            <a:endParaRPr lang="en-US"/>
           </a:p>
         </p:txBody>
       </p:sp>
@@ -3594,7 +3744,6 @@
               <a:rPr lang="en-US"/>
               <a:t>Click to edit Master text styles</a:t>
             </a:r>
-            <a:endParaRPr lang="en-US"/>
           </a:p>
         </p:txBody>
       </p:sp>
@@ -3615,6 +3764,7 @@
           <a:p>
             <a:fld id="{5DD185EA-F696-4F9E-9346-7F0B9D6692E3}" type="datetimeFigureOut">
               <a:rPr lang="en-US" smtClean="0"/>
+              <a:t>2/15/2024</a:t>
             </a:fld>
             <a:endParaRPr lang="en-US"/>
           </a:p>
@@ -3656,6 +3806,7 @@
           <a:p>
             <a:fld id="{C0E18D43-B78A-47B6-929C-7502EDBA8DD3}" type="slidenum">
               <a:rPr lang="en-US" smtClean="0"/>
+              <a:t>‹#›</a:t>
             </a:fld>
             <a:endParaRPr lang="en-US"/>
           </a:p>
@@ -3705,7 +3856,6 @@
               <a:rPr lang="en-US"/>
               <a:t>Click to edit Master title style</a:t>
             </a:r>
-            <a:endParaRPr lang="en-US"/>
           </a:p>
         </p:txBody>
       </p:sp>
@@ -3734,7 +3884,6 @@
               <a:rPr lang="en-US"/>
               <a:t>Click to edit Master text styles</a:t>
             </a:r>
-            <a:endParaRPr lang="en-US"/>
           </a:p>
           <a:p>
             <a:pPr lvl="1"/>
@@ -3742,7 +3891,6 @@
               <a:rPr lang="en-US"/>
               <a:t>Second level</a:t>
             </a:r>
-            <a:endParaRPr lang="en-US"/>
           </a:p>
           <a:p>
             <a:pPr lvl="2"/>
@@ -3750,7 +3898,6 @@
               <a:rPr lang="en-US"/>
               <a:t>Third level</a:t>
             </a:r>
-            <a:endParaRPr lang="en-US"/>
           </a:p>
           <a:p>
             <a:pPr lvl="3"/>
@@ -3758,7 +3905,6 @@
               <a:rPr lang="en-US"/>
               <a:t>Fourth level</a:t>
             </a:r>
-            <a:endParaRPr lang="en-US"/>
           </a:p>
           <a:p>
             <a:pPr lvl="4"/>
@@ -3766,7 +3912,6 @@
               <a:rPr lang="en-US"/>
               <a:t>Fifth level</a:t>
             </a:r>
-            <a:endParaRPr lang="en-US"/>
           </a:p>
         </p:txBody>
       </p:sp>
@@ -3795,7 +3940,6 @@
               <a:rPr lang="en-US"/>
               <a:t>Click to edit Master text styles</a:t>
             </a:r>
-            <a:endParaRPr lang="en-US"/>
           </a:p>
           <a:p>
             <a:pPr lvl="1"/>
@@ -3803,7 +3947,6 @@
               <a:rPr lang="en-US"/>
               <a:t>Second level</a:t>
             </a:r>
-            <a:endParaRPr lang="en-US"/>
           </a:p>
           <a:p>
             <a:pPr lvl="2"/>
@@ -3811,7 +3954,6 @@
               <a:rPr lang="en-US"/>
               <a:t>Third level</a:t>
             </a:r>
-            <a:endParaRPr lang="en-US"/>
           </a:p>
           <a:p>
             <a:pPr lvl="3"/>
@@ -3819,7 +3961,6 @@
               <a:rPr lang="en-US"/>
               <a:t>Fourth level</a:t>
             </a:r>
-            <a:endParaRPr lang="en-US"/>
           </a:p>
           <a:p>
             <a:pPr lvl="4"/>
@@ -3827,7 +3968,6 @@
               <a:rPr lang="en-US"/>
               <a:t>Fifth level</a:t>
             </a:r>
-            <a:endParaRPr lang="en-US"/>
           </a:p>
         </p:txBody>
       </p:sp>
@@ -3848,6 +3988,7 @@
           <a:p>
             <a:fld id="{5DD185EA-F696-4F9E-9346-7F0B9D6692E3}" type="datetimeFigureOut">
               <a:rPr lang="en-US" smtClean="0"/>
+              <a:t>2/15/2024</a:t>
             </a:fld>
             <a:endParaRPr lang="en-US"/>
           </a:p>
@@ -3889,6 +4030,7 @@
           <a:p>
             <a:fld id="{C0E18D43-B78A-47B6-929C-7502EDBA8DD3}" type="slidenum">
               <a:rPr lang="en-US" smtClean="0"/>
+              <a:t>‹#›</a:t>
             </a:fld>
             <a:endParaRPr lang="en-US"/>
           </a:p>
@@ -3943,7 +4085,6 @@
               <a:rPr lang="en-US"/>
               <a:t>Click to edit Master title style</a:t>
             </a:r>
-            <a:endParaRPr lang="en-US"/>
           </a:p>
         </p:txBody>
       </p:sp>
@@ -4009,7 +4150,6 @@
               <a:rPr lang="en-US"/>
               <a:t>Click to edit Master text styles</a:t>
             </a:r>
-            <a:endParaRPr lang="en-US"/>
           </a:p>
         </p:txBody>
       </p:sp>
@@ -4038,7 +4178,6 @@
               <a:rPr lang="en-US"/>
               <a:t>Click to edit Master text styles</a:t>
             </a:r>
-            <a:endParaRPr lang="en-US"/>
           </a:p>
           <a:p>
             <a:pPr lvl="1"/>
@@ -4046,7 +4185,6 @@
               <a:rPr lang="en-US"/>
               <a:t>Second level</a:t>
             </a:r>
-            <a:endParaRPr lang="en-US"/>
           </a:p>
           <a:p>
             <a:pPr lvl="2"/>
@@ -4054,7 +4192,6 @@
               <a:rPr lang="en-US"/>
               <a:t>Third level</a:t>
             </a:r>
-            <a:endParaRPr lang="en-US"/>
           </a:p>
           <a:p>
             <a:pPr lvl="3"/>
@@ -4062,7 +4199,6 @@
               <a:rPr lang="en-US"/>
               <a:t>Fourth level</a:t>
             </a:r>
-            <a:endParaRPr lang="en-US"/>
           </a:p>
           <a:p>
             <a:pPr lvl="4"/>
@@ -4070,7 +4206,6 @@
               <a:rPr lang="en-US"/>
               <a:t>Fifth level</a:t>
             </a:r>
-            <a:endParaRPr lang="en-US"/>
           </a:p>
         </p:txBody>
       </p:sp>
@@ -4136,7 +4271,6 @@
               <a:rPr lang="en-US"/>
               <a:t>Click to edit Master text styles</a:t>
             </a:r>
-            <a:endParaRPr lang="en-US"/>
           </a:p>
         </p:txBody>
       </p:sp>
@@ -4165,7 +4299,6 @@
               <a:rPr lang="en-US"/>
               <a:t>Click to edit Master text styles</a:t>
             </a:r>
-            <a:endParaRPr lang="en-US"/>
           </a:p>
           <a:p>
             <a:pPr lvl="1"/>
@@ -4173,7 +4306,6 @@
               <a:rPr lang="en-US"/>
               <a:t>Second level</a:t>
             </a:r>
-            <a:endParaRPr lang="en-US"/>
           </a:p>
           <a:p>
             <a:pPr lvl="2"/>
@@ -4181,7 +4313,6 @@
               <a:rPr lang="en-US"/>
               <a:t>Third level</a:t>
             </a:r>
-            <a:endParaRPr lang="en-US"/>
           </a:p>
           <a:p>
             <a:pPr lvl="3"/>
@@ -4189,7 +4320,6 @@
               <a:rPr lang="en-US"/>
               <a:t>Fourth level</a:t>
             </a:r>
-            <a:endParaRPr lang="en-US"/>
           </a:p>
           <a:p>
             <a:pPr lvl="4"/>
@@ -4197,7 +4327,6 @@
               <a:rPr lang="en-US"/>
               <a:t>Fifth level</a:t>
             </a:r>
-            <a:endParaRPr lang="en-US"/>
           </a:p>
         </p:txBody>
       </p:sp>
@@ -4218,6 +4347,7 @@
           <a:p>
             <a:fld id="{5DD185EA-F696-4F9E-9346-7F0B9D6692E3}" type="datetimeFigureOut">
               <a:rPr lang="en-US" smtClean="0"/>
+              <a:t>2/15/2024</a:t>
             </a:fld>
             <a:endParaRPr lang="en-US"/>
           </a:p>
@@ -4259,6 +4389,7 @@
           <a:p>
             <a:fld id="{C0E18D43-B78A-47B6-929C-7502EDBA8DD3}" type="slidenum">
               <a:rPr lang="en-US" smtClean="0"/>
+              <a:t>‹#›</a:t>
             </a:fld>
             <a:endParaRPr lang="en-US"/>
           </a:p>
@@ -4308,7 +4439,6 @@
               <a:rPr lang="en-US"/>
               <a:t>Click to edit Master title style</a:t>
             </a:r>
-            <a:endParaRPr lang="en-US"/>
           </a:p>
         </p:txBody>
       </p:sp>
@@ -4329,6 +4459,7 @@
           <a:p>
             <a:fld id="{5DD185EA-F696-4F9E-9346-7F0B9D6692E3}" type="datetimeFigureOut">
               <a:rPr lang="en-US" smtClean="0"/>
+              <a:t>2/15/2024</a:t>
             </a:fld>
             <a:endParaRPr lang="en-US"/>
           </a:p>
@@ -4370,6 +4501,7 @@
           <a:p>
             <a:fld id="{C0E18D43-B78A-47B6-929C-7502EDBA8DD3}" type="slidenum">
               <a:rPr lang="en-US" smtClean="0"/>
+              <a:t>‹#›</a:t>
             </a:fld>
             <a:endParaRPr lang="en-US"/>
           </a:p>
@@ -4417,6 +4549,7 @@
           <a:p>
             <a:fld id="{5DD185EA-F696-4F9E-9346-7F0B9D6692E3}" type="datetimeFigureOut">
               <a:rPr lang="en-US" smtClean="0"/>
+              <a:t>2/15/2024</a:t>
             </a:fld>
             <a:endParaRPr lang="en-US"/>
           </a:p>
@@ -4458,6 +4591,7 @@
           <a:p>
             <a:fld id="{C0E18D43-B78A-47B6-929C-7502EDBA8DD3}" type="slidenum">
               <a:rPr lang="en-US" smtClean="0"/>
+              <a:t>‹#›</a:t>
             </a:fld>
             <a:endParaRPr lang="en-US"/>
           </a:p>
@@ -4516,7 +4650,6 @@
               <a:rPr lang="en-US"/>
               <a:t>Click to edit Master title style</a:t>
             </a:r>
-            <a:endParaRPr lang="en-US"/>
           </a:p>
         </p:txBody>
       </p:sp>
@@ -4573,7 +4706,6 @@
               <a:rPr lang="en-US"/>
               <a:t>Click to edit Master text styles</a:t>
             </a:r>
-            <a:endParaRPr lang="en-US"/>
           </a:p>
           <a:p>
             <a:pPr lvl="1"/>
@@ -4581,7 +4713,6 @@
               <a:rPr lang="en-US"/>
               <a:t>Second level</a:t>
             </a:r>
-            <a:endParaRPr lang="en-US"/>
           </a:p>
           <a:p>
             <a:pPr lvl="2"/>
@@ -4589,7 +4720,6 @@
               <a:rPr lang="en-US"/>
               <a:t>Third level</a:t>
             </a:r>
-            <a:endParaRPr lang="en-US"/>
           </a:p>
           <a:p>
             <a:pPr lvl="3"/>
@@ -4597,7 +4727,6 @@
               <a:rPr lang="en-US"/>
               <a:t>Fourth level</a:t>
             </a:r>
-            <a:endParaRPr lang="en-US"/>
           </a:p>
           <a:p>
             <a:pPr lvl="4"/>
@@ -4605,7 +4734,6 @@
               <a:rPr lang="en-US"/>
               <a:t>Fifth level</a:t>
             </a:r>
-            <a:endParaRPr lang="en-US"/>
           </a:p>
         </p:txBody>
       </p:sp>
@@ -4671,7 +4799,6 @@
               <a:rPr lang="en-US"/>
               <a:t>Click to edit Master text styles</a:t>
             </a:r>
-            <a:endParaRPr lang="en-US"/>
           </a:p>
         </p:txBody>
       </p:sp>
@@ -4692,6 +4819,7 @@
           <a:p>
             <a:fld id="{5DD185EA-F696-4F9E-9346-7F0B9D6692E3}" type="datetimeFigureOut">
               <a:rPr lang="en-US" smtClean="0"/>
+              <a:t>2/15/2024</a:t>
             </a:fld>
             <a:endParaRPr lang="en-US"/>
           </a:p>
@@ -4733,6 +4861,7 @@
           <a:p>
             <a:fld id="{C0E18D43-B78A-47B6-929C-7502EDBA8DD3}" type="slidenum">
               <a:rPr lang="en-US" smtClean="0"/>
+              <a:t>‹#›</a:t>
             </a:fld>
             <a:endParaRPr lang="en-US"/>
           </a:p>
@@ -4791,7 +4920,6 @@
               <a:rPr lang="en-US"/>
               <a:t>Click to edit Master title style</a:t>
             </a:r>
-            <a:endParaRPr lang="en-US"/>
           </a:p>
         </p:txBody>
       </p:sp>
@@ -4918,7 +5046,6 @@
               <a:rPr lang="en-US"/>
               <a:t>Click to edit Master text styles</a:t>
             </a:r>
-            <a:endParaRPr lang="en-US"/>
           </a:p>
         </p:txBody>
       </p:sp>
@@ -4939,6 +5066,7 @@
           <a:p>
             <a:fld id="{5DD185EA-F696-4F9E-9346-7F0B9D6692E3}" type="datetimeFigureOut">
               <a:rPr lang="en-US" smtClean="0"/>
+              <a:t>2/15/2024</a:t>
             </a:fld>
             <a:endParaRPr lang="en-US"/>
           </a:p>
@@ -4980,6 +5108,7 @@
           <a:p>
             <a:fld id="{C0E18D43-B78A-47B6-929C-7502EDBA8DD3}" type="slidenum">
               <a:rPr lang="en-US" smtClean="0"/>
+              <a:t>‹#›</a:t>
             </a:fld>
             <a:endParaRPr lang="en-US"/>
           </a:p>
@@ -5044,7 +5173,6 @@
               <a:rPr lang="en-US"/>
               <a:t>Click to edit Master title style</a:t>
             </a:r>
-            <a:endParaRPr lang="en-US"/>
           </a:p>
         </p:txBody>
       </p:sp>
@@ -5078,7 +5206,6 @@
               <a:rPr lang="en-US"/>
               <a:t>Click to edit Master text styles</a:t>
             </a:r>
-            <a:endParaRPr lang="en-US"/>
           </a:p>
           <a:p>
             <a:pPr lvl="1"/>
@@ -5086,7 +5213,6 @@
               <a:rPr lang="en-US"/>
               <a:t>Second level</a:t>
             </a:r>
-            <a:endParaRPr lang="en-US"/>
           </a:p>
           <a:p>
             <a:pPr lvl="2"/>
@@ -5094,7 +5220,6 @@
               <a:rPr lang="en-US"/>
               <a:t>Third level</a:t>
             </a:r>
-            <a:endParaRPr lang="en-US"/>
           </a:p>
           <a:p>
             <a:pPr lvl="3"/>
@@ -5102,7 +5227,6 @@
               <a:rPr lang="en-US"/>
               <a:t>Fourth level</a:t>
             </a:r>
-            <a:endParaRPr lang="en-US"/>
           </a:p>
           <a:p>
             <a:pPr lvl="4"/>
@@ -5110,7 +5234,6 @@
               <a:rPr lang="en-US"/>
               <a:t>Fifth level</a:t>
             </a:r>
-            <a:endParaRPr lang="en-US"/>
           </a:p>
         </p:txBody>
       </p:sp>
@@ -5149,6 +5272,7 @@
           <a:p>
             <a:fld id="{5DD185EA-F696-4F9E-9346-7F0B9D6692E3}" type="datetimeFigureOut">
               <a:rPr lang="en-US" smtClean="0"/>
+              <a:t>2/15/2024</a:t>
             </a:fld>
             <a:endParaRPr lang="en-US"/>
           </a:p>
@@ -5226,6 +5350,7 @@
           <a:p>
             <a:fld id="{C0E18D43-B78A-47B6-929C-7502EDBA8DD3}" type="slidenum">
               <a:rPr lang="en-US" smtClean="0"/>
+              <a:t>‹#›</a:t>
             </a:fld>
             <a:endParaRPr lang="en-US"/>
           </a:p>
@@ -5581,7 +5706,6 @@
               <a:rPr lang="en-US"/>
               <a:t>Click to edit Master title style</a:t>
             </a:r>
-            <a:endParaRPr lang="en-US"/>
           </a:p>
         </p:txBody>
       </p:sp>
@@ -5615,7 +5739,6 @@
               <a:rPr lang="en-US"/>
               <a:t>Click to edit Master text styles</a:t>
             </a:r>
-            <a:endParaRPr lang="en-US"/>
           </a:p>
           <a:p>
             <a:pPr lvl="1"/>
@@ -5623,7 +5746,6 @@
               <a:rPr lang="en-US"/>
               <a:t>Second level</a:t>
             </a:r>
-            <a:endParaRPr lang="en-US"/>
           </a:p>
           <a:p>
             <a:pPr lvl="2"/>
@@ -5631,7 +5753,6 @@
               <a:rPr lang="en-US"/>
               <a:t>Third level</a:t>
             </a:r>
-            <a:endParaRPr lang="en-US"/>
           </a:p>
           <a:p>
             <a:pPr lvl="3"/>
@@ -5639,7 +5760,6 @@
               <a:rPr lang="en-US"/>
               <a:t>Fourth level</a:t>
             </a:r>
-            <a:endParaRPr lang="en-US"/>
           </a:p>
           <a:p>
             <a:pPr lvl="4"/>
@@ -5647,7 +5767,6 @@
               <a:rPr lang="en-US"/>
               <a:t>Fifth level</a:t>
             </a:r>
-            <a:endParaRPr lang="en-US"/>
           </a:p>
         </p:txBody>
       </p:sp>
@@ -5686,6 +5805,7 @@
           <a:p>
             <a:fld id="{5DD185EA-F696-4F9E-9346-7F0B9D6692E3}" type="datetimeFigureOut">
               <a:rPr lang="en-US" smtClean="0"/>
+              <a:t>2/15/2024</a:t>
             </a:fld>
             <a:endParaRPr lang="en-US"/>
           </a:p>
@@ -5763,6 +5883,7 @@
           <a:p>
             <a:fld id="{C0E18D43-B78A-47B6-929C-7502EDBA8DD3}" type="slidenum">
               <a:rPr lang="en-US" smtClean="0"/>
+              <a:t>‹#›</a:t>
             </a:fld>
             <a:endParaRPr lang="en-US"/>
           </a:p>
@@ -6093,7 +6214,7 @@
           <p:nvPr/>
         </p:nvPicPr>
         <p:blipFill>
-          <a:blip r:embed="rId1">
+          <a:blip r:embed="rId2">
             <a:extLst>
               <a:ext uri="{28A0092B-C50C-407E-A947-70E740481C1C}">
                 <a14:useLocalDpi xmlns:a14="http://schemas.microsoft.com/office/drawing/2010/main" val="0"/>
@@ -6128,6 +6249,218 @@
       <p:pic>
         <p:nvPicPr>
           <p:cNvPr id="2052" name="Picture 4" descr="6,771 Full Stack Developer Illustrations - Free in SVG, PNG ..."/>
+          <p:cNvPicPr>
+            <a:picLocks noChangeAspect="1" noChangeArrowheads="1"/>
+          </p:cNvPicPr>
+          <p:nvPr/>
+        </p:nvPicPr>
+        <p:blipFill>
+          <a:blip r:embed="rId3">
+            <a:extLst>
+              <a:ext uri="{28A0092B-C50C-407E-A947-70E740481C1C}">
+                <a14:useLocalDpi xmlns:a14="http://schemas.microsoft.com/office/drawing/2010/main" val="0"/>
+              </a:ext>
+            </a:extLst>
+          </a:blip>
+          <a:srcRect/>
+          <a:stretch>
+            <a:fillRect/>
+          </a:stretch>
+        </p:blipFill>
+        <p:spPr bwMode="auto">
+          <a:xfrm>
+            <a:off x="2713703" y="2427914"/>
+            <a:ext cx="7531309" cy="5205679"/>
+          </a:xfrm>
+          <a:prstGeom prst="rect">
+            <a:avLst/>
+          </a:prstGeom>
+          <a:noFill/>
+          <a:extLst>
+            <a:ext uri="{909E8E84-426E-40DD-AFC4-6F175D3DCCD1}">
+              <a14:hiddenFill xmlns:a14="http://schemas.microsoft.com/office/drawing/2010/main">
+                <a:solidFill>
+                  <a:srgbClr val="FFFFFF"/>
+                </a:solidFill>
+              </a14:hiddenFill>
+            </a:ext>
+          </a:extLst>
+        </p:spPr>
+      </p:pic>
+      <p:sp>
+        <p:nvSpPr>
+          <p:cNvPr id="4" name="TextBox 3"/>
+          <p:cNvSpPr txBox="1"/>
+          <p:nvPr/>
+        </p:nvSpPr>
+        <p:spPr>
+          <a:xfrm>
+            <a:off x="3987534" y="310273"/>
+            <a:ext cx="6458138" cy="2585323"/>
+          </a:xfrm>
+          <a:prstGeom prst="rect">
+            <a:avLst/>
+          </a:prstGeom>
+          <a:noFill/>
+        </p:spPr>
+        <p:txBody>
+          <a:bodyPr wrap="square" rtlCol="0">
+            <a:spAutoFit/>
+          </a:bodyPr>
+          <a:lstStyle/>
+          <a:p>
+            <a:r>
+              <a:rPr lang="en-US" sz="5400" b="1" dirty="0">
+                <a:solidFill>
+                  <a:schemeClr val="bg2">
+                    <a:lumMod val="10000"/>
+                  </a:schemeClr>
+                </a:solidFill>
+              </a:rPr>
+              <a:t>WORKSHOP </a:t>
+            </a:r>
+          </a:p>
+          <a:p>
+            <a:r>
+              <a:rPr lang="en-US" sz="5400" b="1" dirty="0"/>
+              <a:t>          IN </a:t>
+            </a:r>
+          </a:p>
+          <a:p>
+            <a:r>
+              <a:rPr lang="en-US" sz="5400" b="1" dirty="0">
+                <a:solidFill>
+                  <a:schemeClr val="accent4">
+                    <a:lumMod val="60000"/>
+                    <a:lumOff val="40000"/>
+                  </a:schemeClr>
+                </a:solidFill>
+              </a:rPr>
+              <a:t>MEAN  STACK</a:t>
+            </a:r>
+          </a:p>
+        </p:txBody>
+      </p:sp>
+      <p:pic>
+        <p:nvPicPr>
+          <p:cNvPr id="8" name="Picture 7"/>
+          <p:cNvPicPr>
+            <a:picLocks noChangeAspect="1"/>
+          </p:cNvPicPr>
+          <p:nvPr/>
+        </p:nvPicPr>
+        <p:blipFill>
+          <a:blip r:embed="rId4"/>
+          <a:stretch>
+            <a:fillRect/>
+          </a:stretch>
+        </p:blipFill>
+        <p:spPr>
+          <a:xfrm>
+            <a:off x="7769141" y="4738380"/>
+            <a:ext cx="1125066" cy="587828"/>
+          </a:xfrm>
+          <a:prstGeom prst="rect">
+            <a:avLst/>
+          </a:prstGeom>
+        </p:spPr>
+      </p:pic>
+    </p:spTree>
+  </p:cSld>
+  <p:clrMapOvr>
+    <a:masterClrMapping/>
+  </p:clrMapOvr>
+</p:sld>
+</file>
+
+<file path=ppt/slides/slide10.xml><?xml version="1.0" encoding="utf-8"?>
+<p:sld xmlns:a="http://schemas.openxmlformats.org/drawingml/2006/main" xmlns:r="http://schemas.openxmlformats.org/officeDocument/2006/relationships" xmlns:p="http://schemas.openxmlformats.org/presentationml/2006/main">
+  <p:cSld>
+    <p:spTree>
+      <p:nvGrpSpPr>
+        <p:cNvPr id="1" name=""/>
+        <p:cNvGrpSpPr/>
+        <p:nvPr/>
+      </p:nvGrpSpPr>
+      <p:grpSpPr>
+        <a:xfrm>
+          <a:off x="0" y="0"/>
+          <a:ext cx="0" cy="0"/>
+          <a:chOff x="0" y="0"/>
+          <a:chExt cx="0" cy="0"/>
+        </a:xfrm>
+      </p:grpSpPr>
+      <p:sp>
+        <p:nvSpPr>
+          <p:cNvPr id="4" name="Title 3"/>
+          <p:cNvSpPr>
+            <a:spLocks noGrp="1"/>
+          </p:cNvSpPr>
+          <p:nvPr>
+            <p:ph type="title"/>
+          </p:nvPr>
+        </p:nvSpPr>
+        <p:spPr>
+          <a:xfrm>
+            <a:off x="1441450" y="953729"/>
+            <a:ext cx="10515600" cy="1956927"/>
+          </a:xfrm>
+        </p:spPr>
+        <p:txBody>
+          <a:bodyPr/>
+          <a:lstStyle/>
+          <a:p>
+            <a:r>
+              <a:rPr lang="en-US" b="1" dirty="0">
+                <a:solidFill>
+                  <a:srgbClr val="002060"/>
+                </a:solidFill>
+              </a:rPr>
+              <a:t>Personal Finance Manager</a:t>
+            </a:r>
+          </a:p>
+        </p:txBody>
+      </p:sp>
+      <p:sp>
+        <p:nvSpPr>
+          <p:cNvPr id="5" name="Text Placeholder 4"/>
+          <p:cNvSpPr>
+            <a:spLocks noGrp="1"/>
+          </p:cNvSpPr>
+          <p:nvPr>
+            <p:ph type="body" idx="1"/>
+          </p:nvPr>
+        </p:nvSpPr>
+        <p:spPr>
+          <a:xfrm>
+            <a:off x="3732367" y="3104151"/>
+            <a:ext cx="10515600" cy="1500187"/>
+          </a:xfrm>
+        </p:spPr>
+        <p:txBody>
+          <a:bodyPr/>
+          <a:lstStyle/>
+          <a:p>
+            <a:r>
+              <a:rPr lang="en-US" b="1" dirty="0">
+                <a:solidFill>
+                  <a:srgbClr val="002060"/>
+                </a:solidFill>
+              </a:rPr>
+              <a:t>Architecture and Design</a:t>
+            </a:r>
+          </a:p>
+        </p:txBody>
+      </p:sp>
+      <p:pic>
+        <p:nvPicPr>
+          <p:cNvPr id="2050" name="Picture 2" descr="Financial Planning PNGs for Free Download">
+            <a:extLst>
+              <a:ext uri="{FF2B5EF4-FFF2-40B4-BE49-F238E27FC236}">
+                <a16:creationId xmlns:a16="http://schemas.microsoft.com/office/drawing/2014/main" id="{C82990A9-5D8E-8CE1-2BF3-B955BF8575C8}"/>
+              </a:ext>
+            </a:extLst>
+          </p:cNvPr>
           <p:cNvPicPr>
             <a:picLocks noChangeAspect="1" noChangeArrowheads="1"/>
           </p:cNvPicPr>
@@ -6148,8 +6481,8 @@
         </p:blipFill>
         <p:spPr bwMode="auto">
           <a:xfrm>
-            <a:off x="2713703" y="2427914"/>
-            <a:ext cx="7531309" cy="5205679"/>
+            <a:off x="6813755" y="3104150"/>
+            <a:ext cx="5123990" cy="3522791"/>
           </a:xfrm>
           <a:prstGeom prst="rect">
             <a:avLst/>
@@ -6166,79 +6499,15 @@
           </a:extLst>
         </p:spPr>
       </p:pic>
-      <p:sp>
-        <p:nvSpPr>
-          <p:cNvPr id="4" name="TextBox 3"/>
-          <p:cNvSpPr txBox="1"/>
-          <p:nvPr/>
-        </p:nvSpPr>
-        <p:spPr>
-          <a:xfrm>
-            <a:off x="3987534" y="310273"/>
-            <a:ext cx="6458138" cy="2585323"/>
-          </a:xfrm>
-          <a:prstGeom prst="rect">
-            <a:avLst/>
-          </a:prstGeom>
-          <a:noFill/>
-        </p:spPr>
-        <p:txBody>
-          <a:bodyPr wrap="square" rtlCol="0">
-            <a:spAutoFit/>
-          </a:bodyPr>
-          <a:lstStyle/>
-          <a:p>
-            <a:r>
-              <a:rPr lang="en-US" sz="5400" b="1" dirty="0">
-                <a:solidFill>
-                  <a:schemeClr val="bg2">
-                    <a:lumMod val="10000"/>
-                  </a:schemeClr>
-                </a:solidFill>
-              </a:rPr>
-              <a:t>WORKSHOP </a:t>
-            </a:r>
-            <a:endParaRPr lang="en-US" sz="5400" b="1" dirty="0">
-              <a:solidFill>
-                <a:schemeClr val="bg2">
-                  <a:lumMod val="10000"/>
-                </a:schemeClr>
-              </a:solidFill>
-            </a:endParaRPr>
-          </a:p>
-          <a:p>
-            <a:r>
-              <a:rPr lang="en-US" sz="5400" b="1" dirty="0"/>
-              <a:t>          IN </a:t>
-            </a:r>
-            <a:endParaRPr lang="en-US" sz="5400" b="1" dirty="0"/>
-          </a:p>
-          <a:p>
-            <a:r>
-              <a:rPr lang="en-US" sz="5400" b="1" dirty="0">
-                <a:solidFill>
-                  <a:schemeClr val="accent4">
-                    <a:lumMod val="60000"/>
-                    <a:lumOff val="40000"/>
-                  </a:schemeClr>
-                </a:solidFill>
-              </a:rPr>
-              <a:t>MEAN  STACK</a:t>
-            </a:r>
-            <a:endParaRPr lang="en-US" sz="5400" b="1" dirty="0">
-              <a:solidFill>
-                <a:schemeClr val="accent4">
-                  <a:lumMod val="60000"/>
-                  <a:lumOff val="40000"/>
-                </a:schemeClr>
-              </a:solidFill>
-            </a:endParaRPr>
-          </a:p>
-        </p:txBody>
-      </p:sp>
       <p:pic>
         <p:nvPicPr>
-          <p:cNvPr id="8" name="Picture 7"/>
+          <p:cNvPr id="2" name="Picture 1">
+            <a:extLst>
+              <a:ext uri="{FF2B5EF4-FFF2-40B4-BE49-F238E27FC236}">
+                <a16:creationId xmlns:a16="http://schemas.microsoft.com/office/drawing/2014/main" id="{13DEF62D-00D7-B436-3656-A09189C65D46}"/>
+              </a:ext>
+            </a:extLst>
+          </p:cNvPr>
           <p:cNvPicPr>
             <a:picLocks noChangeAspect="1"/>
           </p:cNvPicPr>
@@ -6252,76 +6521,14 @@
         </p:blipFill>
         <p:spPr>
           <a:xfrm>
-            <a:off x="7769141" y="4738380"/>
-            <a:ext cx="1125066" cy="587828"/>
+            <a:off x="254255" y="6132269"/>
+            <a:ext cx="1187195" cy="587879"/>
           </a:xfrm>
           <a:prstGeom prst="rect">
             <a:avLst/>
           </a:prstGeom>
         </p:spPr>
       </p:pic>
-    </p:spTree>
-  </p:cSld>
-  <p:clrMapOvr>
-    <a:masterClrMapping/>
-  </p:clrMapOvr>
-</p:sld>
-</file>
-
-<file path=ppt/slides/slide10.xml><?xml version="1.0" encoding="utf-8"?>
-<p:sld xmlns:a="http://schemas.openxmlformats.org/drawingml/2006/main" xmlns:r="http://schemas.openxmlformats.org/officeDocument/2006/relationships" xmlns:p="http://schemas.openxmlformats.org/presentationml/2006/main">
-  <p:cSld>
-    <p:spTree>
-      <p:nvGrpSpPr>
-        <p:cNvPr id="1" name=""/>
-        <p:cNvGrpSpPr/>
-        <p:nvPr/>
-      </p:nvGrpSpPr>
-      <p:grpSpPr/>
-      <p:sp>
-        <p:nvSpPr>
-          <p:cNvPr id="4" name="Title 3"/>
-          <p:cNvSpPr>
-            <a:spLocks noGrp="1"/>
-          </p:cNvSpPr>
-          <p:nvPr>
-            <p:ph type="title"/>
-          </p:nvPr>
-        </p:nvSpPr>
-        <p:spPr/>
-        <p:txBody>
-          <a:bodyPr/>
-          <a:p>
-            <a:r>
-              <a:rPr lang="en-US"/>
-              <a:t>Personal Finance Manager</a:t>
-            </a:r>
-            <a:endParaRPr lang="en-US"/>
-          </a:p>
-        </p:txBody>
-      </p:sp>
-      <p:sp>
-        <p:nvSpPr>
-          <p:cNvPr id="5" name="Text Placeholder 4"/>
-          <p:cNvSpPr>
-            <a:spLocks noGrp="1"/>
-          </p:cNvSpPr>
-          <p:nvPr>
-            <p:ph type="body" idx="1"/>
-          </p:nvPr>
-        </p:nvSpPr>
-        <p:spPr/>
-        <p:txBody>
-          <a:bodyPr/>
-          <a:p>
-            <a:r>
-              <a:rPr lang="en-US"/>
-              <a:t>Architecture and Design</a:t>
-            </a:r>
-            <a:endParaRPr lang="en-US"/>
-          </a:p>
-        </p:txBody>
-      </p:sp>
     </p:spTree>
   </p:cSld>
   <p:clrMapOvr>
@@ -6339,7 +6546,14 @@
         <p:cNvGrpSpPr/>
         <p:nvPr/>
       </p:nvGrpSpPr>
-      <p:grpSpPr/>
+      <p:grpSpPr>
+        <a:xfrm>
+          <a:off x="0" y="0"/>
+          <a:ext cx="0" cy="0"/>
+          <a:chOff x="0" y="0"/>
+          <a:chExt cx="0" cy="0"/>
+        </a:xfrm>
+      </p:grpSpPr>
       <p:sp>
         <p:nvSpPr>
           <p:cNvPr id="4" name="Title 3"/>
@@ -6353,12 +6567,12 @@
         <p:spPr/>
         <p:txBody>
           <a:bodyPr/>
+          <a:lstStyle/>
           <a:p>
             <a:r>
               <a:rPr lang="en-US"/>
               <a:t>MEAN Stack Architecture</a:t>
             </a:r>
-            <a:endParaRPr lang="en-US"/>
           </a:p>
         </p:txBody>
       </p:sp>
@@ -6366,14 +6580,14 @@
         <p:nvPicPr>
           <p:cNvPr id="6" name="Content Placeholder 5" descr="1_DR0kmQ2vKfN9rAOxmLKGKA"/>
           <p:cNvPicPr>
-            <a:picLocks noChangeAspect="1"/>
+            <a:picLocks noGrp="1" noChangeAspect="1"/>
           </p:cNvPicPr>
           <p:nvPr>
             <p:ph idx="1"/>
           </p:nvPr>
         </p:nvPicPr>
         <p:blipFill>
-          <a:blip r:embed="rId1"/>
+          <a:blip r:embed="rId2"/>
           <a:stretch>
             <a:fillRect/>
           </a:stretch>
@@ -6382,6 +6596,36 @@
           <a:xfrm>
             <a:off x="335915" y="1734820"/>
             <a:ext cx="11485245" cy="4533265"/>
+          </a:xfrm>
+          <a:prstGeom prst="rect">
+            <a:avLst/>
+          </a:prstGeom>
+        </p:spPr>
+      </p:pic>
+      <p:pic>
+        <p:nvPicPr>
+          <p:cNvPr id="2" name="Picture 1">
+            <a:extLst>
+              <a:ext uri="{FF2B5EF4-FFF2-40B4-BE49-F238E27FC236}">
+                <a16:creationId xmlns:a16="http://schemas.microsoft.com/office/drawing/2014/main" id="{671D35FB-30F2-15C2-E8F8-5EA6CF659143}"/>
+              </a:ext>
+            </a:extLst>
+          </p:cNvPr>
+          <p:cNvPicPr>
+            <a:picLocks noChangeAspect="1"/>
+          </p:cNvPicPr>
+          <p:nvPr/>
+        </p:nvPicPr>
+        <p:blipFill>
+          <a:blip r:embed="rId3"/>
+          <a:stretch>
+            <a:fillRect/>
+          </a:stretch>
+        </p:blipFill>
+        <p:spPr>
+          <a:xfrm>
+            <a:off x="0" y="6269920"/>
+            <a:ext cx="1187195" cy="587879"/>
           </a:xfrm>
           <a:prstGeom prst="rect">
             <a:avLst/>
@@ -6422,7 +6666,7 @@
           <p:nvPr/>
         </p:nvPicPr>
         <p:blipFill>
-          <a:blip r:embed="rId1">
+          <a:blip r:embed="rId2">
             <a:extLst>
               <a:ext uri="{28A0092B-C50C-407E-A947-70E740481C1C}">
                 <a14:useLocalDpi xmlns:a14="http://schemas.microsoft.com/office/drawing/2010/main" val="0"/>
@@ -6582,11 +6826,6 @@
               </a:rPr>
               <a:t>Expense</a:t>
             </a:r>
-            <a:endParaRPr lang="en-US" sz="2400" b="1" dirty="0">
-              <a:solidFill>
-                <a:schemeClr val="tx1"/>
-              </a:solidFill>
-            </a:endParaRPr>
           </a:p>
         </p:txBody>
       </p:sp>
@@ -6616,7 +6855,6 @@
               <a:rPr lang="en-US" sz="2400" b="1" dirty="0"/>
               <a:t>Income</a:t>
             </a:r>
-            <a:endParaRPr lang="en-US" sz="2400" b="1" dirty="0"/>
           </a:p>
         </p:txBody>
       </p:sp>
@@ -6660,7 +6898,6 @@
               <a:rPr lang="en-US" dirty="0"/>
               <a:t>Add income</a:t>
             </a:r>
-            <a:endParaRPr lang="en-US" dirty="0"/>
           </a:p>
         </p:txBody>
       </p:sp>
@@ -6704,7 +6941,6 @@
               <a:rPr lang="en-US" dirty="0"/>
               <a:t>View income</a:t>
             </a:r>
-            <a:endParaRPr lang="en-US" dirty="0"/>
           </a:p>
         </p:txBody>
       </p:sp>
@@ -6748,7 +6984,6 @@
               <a:rPr lang="en-US" dirty="0"/>
               <a:t>Delete income</a:t>
             </a:r>
-            <a:endParaRPr lang="en-US" dirty="0"/>
           </a:p>
         </p:txBody>
       </p:sp>
@@ -6792,7 +7027,6 @@
               <a:rPr lang="en-US" dirty="0"/>
               <a:t>Delete expense</a:t>
             </a:r>
-            <a:endParaRPr lang="en-US" dirty="0"/>
           </a:p>
         </p:txBody>
       </p:sp>
@@ -6836,7 +7070,6 @@
               <a:rPr lang="en-US" dirty="0"/>
               <a:t>View expense</a:t>
             </a:r>
-            <a:endParaRPr lang="en-US" dirty="0"/>
           </a:p>
         </p:txBody>
       </p:sp>
@@ -6880,7 +7113,6 @@
               <a:rPr lang="en-US" dirty="0"/>
               <a:t>Add expense</a:t>
             </a:r>
-            <a:endParaRPr lang="en-US" dirty="0"/>
           </a:p>
         </p:txBody>
       </p:sp>
@@ -6969,13 +7201,6 @@
               </a:rPr>
               <a:t>View Balance</a:t>
             </a:r>
-            <a:endParaRPr lang="en-US" b="1" dirty="0">
-              <a:solidFill>
-                <a:schemeClr val="bg2">
-                  <a:lumMod val="10000"/>
-                </a:schemeClr>
-              </a:solidFill>
-            </a:endParaRPr>
           </a:p>
         </p:txBody>
       </p:sp>
@@ -7005,7 +7230,6 @@
               <a:rPr lang="en-US" sz="3200" b="1" dirty="0"/>
               <a:t>user</a:t>
             </a:r>
-            <a:endParaRPr lang="en-US" sz="3200" b="1" dirty="0"/>
           </a:p>
         </p:txBody>
       </p:sp>
@@ -7039,11 +7263,6 @@
               </a:rPr>
               <a:t>User case diagram</a:t>
             </a:r>
-            <a:endParaRPr lang="en-US" sz="4000" b="1" dirty="0">
-              <a:solidFill>
-                <a:srgbClr val="002060"/>
-              </a:solidFill>
-            </a:endParaRPr>
           </a:p>
         </p:txBody>
       </p:sp>
@@ -7342,13 +7561,6 @@
               </a:rPr>
               <a:t>View total</a:t>
             </a:r>
-            <a:endParaRPr lang="en-US" b="1" dirty="0">
-              <a:solidFill>
-                <a:schemeClr val="bg2">
-                  <a:lumMod val="10000"/>
-                </a:schemeClr>
-              </a:solidFill>
-            </a:endParaRPr>
           </a:p>
           <a:p>
             <a:pPr algn="ctr"/>
@@ -7362,13 +7574,6 @@
               </a:rPr>
               <a:t>income</a:t>
             </a:r>
-            <a:endParaRPr lang="en-US" b="1" dirty="0">
-              <a:solidFill>
-                <a:schemeClr val="bg2">
-                  <a:lumMod val="10000"/>
-                </a:schemeClr>
-              </a:solidFill>
-            </a:endParaRPr>
           </a:p>
         </p:txBody>
       </p:sp>
@@ -7424,13 +7629,6 @@
               </a:rPr>
               <a:t>View total expense</a:t>
             </a:r>
-            <a:endParaRPr lang="en-US" b="1" dirty="0">
-              <a:solidFill>
-                <a:schemeClr val="bg2">
-                  <a:lumMod val="10000"/>
-                </a:schemeClr>
-              </a:solidFill>
-            </a:endParaRPr>
           </a:p>
         </p:txBody>
       </p:sp>
@@ -7720,13 +7918,6 @@
               </a:rPr>
               <a:t>Chart generation</a:t>
             </a:r>
-            <a:endParaRPr lang="en-US" b="1" dirty="0">
-              <a:solidFill>
-                <a:schemeClr val="bg2">
-                  <a:lumMod val="10000"/>
-                </a:schemeClr>
-              </a:solidFill>
-            </a:endParaRPr>
           </a:p>
         </p:txBody>
       </p:sp>
@@ -7772,14 +7963,14 @@
           <p:nvPr/>
         </p:nvPicPr>
         <p:blipFill>
-          <a:blip r:embed="rId2"/>
+          <a:blip r:embed="rId3"/>
           <a:stretch>
             <a:fillRect/>
           </a:stretch>
         </p:blipFill>
         <p:spPr>
           <a:xfrm>
-            <a:off x="10393854" y="6214167"/>
+            <a:off x="140723" y="6155174"/>
             <a:ext cx="1125066" cy="554476"/>
           </a:xfrm>
           <a:prstGeom prst="rect">
@@ -7821,7 +8012,7 @@
           <p:nvPr/>
         </p:nvPicPr>
         <p:blipFill>
-          <a:blip r:embed="rId1"/>
+          <a:blip r:embed="rId2"/>
           <a:stretch>
             <a:fillRect/>
           </a:stretch>
@@ -7845,7 +8036,7 @@
           <p:nvPr/>
         </p:nvPicPr>
         <p:blipFill>
-          <a:blip r:embed="rId2"/>
+          <a:blip r:embed="rId3"/>
           <a:stretch>
             <a:fillRect/>
           </a:stretch>
@@ -7890,14 +8081,39 @@
               </a:rPr>
               <a:t>Domain Model</a:t>
             </a:r>
-            <a:endParaRPr lang="en-US" sz="4400" b="1" dirty="0">
-              <a:solidFill>
-                <a:srgbClr val="002060"/>
-              </a:solidFill>
-            </a:endParaRPr>
-          </a:p>
-        </p:txBody>
-      </p:sp>
+          </a:p>
+        </p:txBody>
+      </p:sp>
+      <p:pic>
+        <p:nvPicPr>
+          <p:cNvPr id="2" name="Picture 1">
+            <a:extLst>
+              <a:ext uri="{FF2B5EF4-FFF2-40B4-BE49-F238E27FC236}">
+                <a16:creationId xmlns:a16="http://schemas.microsoft.com/office/drawing/2014/main" id="{56C68068-0203-6BD3-EEEA-78BEFE9EB712}"/>
+              </a:ext>
+            </a:extLst>
+          </p:cNvPr>
+          <p:cNvPicPr>
+            <a:picLocks noChangeAspect="1"/>
+          </p:cNvPicPr>
+          <p:nvPr/>
+        </p:nvPicPr>
+        <p:blipFill>
+          <a:blip r:embed="rId4"/>
+          <a:stretch>
+            <a:fillRect/>
+          </a:stretch>
+        </p:blipFill>
+        <p:spPr>
+          <a:xfrm>
+            <a:off x="270875" y="6176865"/>
+            <a:ext cx="1187195" cy="587879"/>
+          </a:xfrm>
+          <a:prstGeom prst="rect">
+            <a:avLst/>
+          </a:prstGeom>
+        </p:spPr>
+      </p:pic>
     </p:spTree>
   </p:cSld>
   <p:clrMapOvr>
@@ -7953,14 +8169,39 @@
               </a:rPr>
               <a:t>Components of Personal Finance Manager</a:t>
             </a:r>
-            <a:endParaRPr lang="en-US" b="1" dirty="0">
-              <a:solidFill>
-                <a:srgbClr val="002060"/>
-              </a:solidFill>
-            </a:endParaRPr>
-          </a:p>
-        </p:txBody>
-      </p:sp>
+          </a:p>
+        </p:txBody>
+      </p:sp>
+      <p:pic>
+        <p:nvPicPr>
+          <p:cNvPr id="3" name="Picture 2">
+            <a:extLst>
+              <a:ext uri="{FF2B5EF4-FFF2-40B4-BE49-F238E27FC236}">
+                <a16:creationId xmlns:a16="http://schemas.microsoft.com/office/drawing/2014/main" id="{17D218CC-CCB6-9403-E62B-05672A9C1AE0}"/>
+              </a:ext>
+            </a:extLst>
+          </p:cNvPr>
+          <p:cNvPicPr>
+            <a:picLocks noChangeAspect="1"/>
+          </p:cNvPicPr>
+          <p:nvPr/>
+        </p:nvPicPr>
+        <p:blipFill>
+          <a:blip r:embed="rId2"/>
+          <a:stretch>
+            <a:fillRect/>
+          </a:stretch>
+        </p:blipFill>
+        <p:spPr>
+          <a:xfrm>
+            <a:off x="167149" y="6063442"/>
+            <a:ext cx="1187195" cy="587879"/>
+          </a:xfrm>
+          <a:prstGeom prst="rect">
+            <a:avLst/>
+          </a:prstGeom>
+        </p:spPr>
+      </p:pic>
     </p:spTree>
   </p:cSld>
   <p:clrMapOvr>
@@ -8038,7 +8279,7 @@
           <p:nvPr/>
         </p:nvPicPr>
         <p:blipFill>
-          <a:blip r:embed="rId1"/>
+          <a:blip r:embed="rId2"/>
           <a:stretch>
             <a:fillRect/>
           </a:stretch>
@@ -8218,11 +8459,6 @@
               </a:rPr>
               <a:t>       Personal Finance Manager</a:t>
             </a:r>
-            <a:endParaRPr lang="en-US" sz="3600" b="1" dirty="0">
-              <a:solidFill>
-                <a:srgbClr val="002060"/>
-              </a:solidFill>
-            </a:endParaRPr>
           </a:p>
         </p:txBody>
       </p:sp>
@@ -8235,14 +8471,14 @@
           <p:nvPr/>
         </p:nvPicPr>
         <p:blipFill>
-          <a:blip r:embed="rId2"/>
+          <a:blip r:embed="rId3"/>
           <a:stretch>
             <a:fillRect/>
           </a:stretch>
         </p:blipFill>
         <p:spPr>
           <a:xfrm>
-            <a:off x="10561002" y="6060527"/>
+            <a:off x="296124" y="6374178"/>
             <a:ext cx="1125066" cy="554476"/>
           </a:xfrm>
           <a:prstGeom prst="rect">
@@ -8253,36 +8489,6 @@
       <p:pic>
         <p:nvPicPr>
           <p:cNvPr id="11" name="Picture 10"/>
-          <p:cNvPicPr>
-            <a:picLocks noChangeAspect="1"/>
-          </p:cNvPicPr>
-          <p:nvPr/>
-        </p:nvPicPr>
-        <p:blipFill>
-          <a:blip r:embed="rId3">
-            <a:extLst>
-              <a:ext uri="{28A0092B-C50C-407E-A947-70E740481C1C}">
-                <a14:useLocalDpi xmlns:a14="http://schemas.microsoft.com/office/drawing/2010/main" val="0"/>
-              </a:ext>
-            </a:extLst>
-          </a:blip>
-          <a:stretch>
-            <a:fillRect/>
-          </a:stretch>
-        </p:blipFill>
-        <p:spPr>
-          <a:xfrm>
-            <a:off x="4524375" y="1000390"/>
-            <a:ext cx="7443691" cy="4857219"/>
-          </a:xfrm>
-          <a:prstGeom prst="rect">
-            <a:avLst/>
-          </a:prstGeom>
-        </p:spPr>
-      </p:pic>
-      <p:pic>
-        <p:nvPicPr>
-          <p:cNvPr id="21" name="Picture 20"/>
           <p:cNvPicPr>
             <a:picLocks noChangeAspect="1"/>
           </p:cNvPicPr>
@@ -8302,6 +8508,36 @@
         </p:blipFill>
         <p:spPr>
           <a:xfrm>
+            <a:off x="4524375" y="1000390"/>
+            <a:ext cx="7443691" cy="4857219"/>
+          </a:xfrm>
+          <a:prstGeom prst="rect">
+            <a:avLst/>
+          </a:prstGeom>
+        </p:spPr>
+      </p:pic>
+      <p:pic>
+        <p:nvPicPr>
+          <p:cNvPr id="21" name="Picture 20"/>
+          <p:cNvPicPr>
+            <a:picLocks noChangeAspect="1"/>
+          </p:cNvPicPr>
+          <p:nvPr/>
+        </p:nvPicPr>
+        <p:blipFill>
+          <a:blip r:embed="rId5">
+            <a:extLst>
+              <a:ext uri="{28A0092B-C50C-407E-A947-70E740481C1C}">
+                <a14:useLocalDpi xmlns:a14="http://schemas.microsoft.com/office/drawing/2010/main" val="0"/>
+              </a:ext>
+            </a:extLst>
+          </a:blip>
+          <a:stretch>
+            <a:fillRect/>
+          </a:stretch>
+        </p:blipFill>
+        <p:spPr>
+          <a:xfrm>
             <a:off x="4636342" y="870266"/>
             <a:ext cx="7443691" cy="5186929"/>
           </a:xfrm>
@@ -8319,7 +8555,7 @@
           <p:nvPr/>
         </p:nvPicPr>
         <p:blipFill>
-          <a:blip r:embed="rId5">
+          <a:blip r:embed="rId6">
             <a:extLst>
               <a:ext uri="{28A0092B-C50C-407E-A947-70E740481C1C}">
                 <a14:useLocalDpi xmlns:a14="http://schemas.microsoft.com/office/drawing/2010/main" val="0"/>
@@ -9350,7 +9586,6 @@
               <a:rPr lang="en-US" sz="5400" b="1" dirty="0"/>
               <a:t>               Thanks!!</a:t>
             </a:r>
-            <a:endParaRPr lang="en-US" sz="5400" b="1" dirty="0"/>
           </a:p>
         </p:txBody>
       </p:sp>
@@ -9544,11 +9779,6 @@
               </a:rPr>
               <a:t>Introduction to MEAN Stack</a:t>
             </a:r>
-            <a:endParaRPr lang="en-US" sz="4000" b="1" dirty="0">
-              <a:solidFill>
-                <a:srgbClr val="002060"/>
-              </a:solidFill>
-            </a:endParaRPr>
           </a:p>
         </p:txBody>
       </p:sp>
@@ -9561,7 +9791,7 @@
           <p:nvPr/>
         </p:nvPicPr>
         <p:blipFill>
-          <a:blip r:embed="rId1">
+          <a:blip r:embed="rId2">
             <a:extLst>
               <a:ext uri="{28A0092B-C50C-407E-A947-70E740481C1C}">
                 <a14:useLocalDpi xmlns:a14="http://schemas.microsoft.com/office/drawing/2010/main" val="0"/>
@@ -9672,13 +9902,6 @@
               </a:rPr>
               <a:t>A NoSQL database that stores data in a flexible, </a:t>
             </a:r>
-            <a:endParaRPr lang="en-US" sz="1800" b="1" i="0" u="none" strike="noStrike" dirty="0">
-              <a:solidFill>
-                <a:schemeClr val="tx1"/>
-              </a:solidFill>
-              <a:effectLst/>
-              <a:latin typeface="Arial" panose="020B0604020202020204" pitchFamily="34" charset="0"/>
-            </a:endParaRPr>
           </a:p>
           <a:p>
             <a:pPr marL="914400" rtl="0" fontAlgn="base">
@@ -9728,13 +9951,6 @@
               </a:rPr>
               <a:t>A web application framework for Node.js.</a:t>
             </a:r>
-            <a:endParaRPr lang="en-US" sz="1800" b="1" i="0" u="none" strike="noStrike" dirty="0">
-              <a:solidFill>
-                <a:schemeClr val="tx1"/>
-              </a:solidFill>
-              <a:effectLst/>
-              <a:latin typeface="Arial" panose="020B0604020202020204" pitchFamily="34" charset="0"/>
-            </a:endParaRPr>
           </a:p>
           <a:p>
             <a:pPr marL="914400" rtl="0" fontAlgn="base">
@@ -9792,13 +10008,6 @@
               </a:rPr>
               <a:t>A JavaScript framework for building dynamic, single-page web applications</a:t>
             </a:r>
-            <a:endParaRPr lang="en-US" sz="1800" b="1" i="0" u="none" strike="noStrike" dirty="0">
-              <a:solidFill>
-                <a:schemeClr val="tx1"/>
-              </a:solidFill>
-              <a:effectLst/>
-              <a:latin typeface="Arial" panose="020B0604020202020204" pitchFamily="34" charset="0"/>
-            </a:endParaRPr>
           </a:p>
           <a:p>
             <a:pPr marL="914400" rtl="0" fontAlgn="base">
@@ -9866,16 +10075,39 @@
               </a:rPr>
               <a:t>. </a:t>
             </a:r>
-            <a:endParaRPr lang="en-US" sz="1800" b="1" i="0" u="none" strike="noStrike" dirty="0">
-              <a:solidFill>
-                <a:srgbClr val="000000"/>
-              </a:solidFill>
-              <a:effectLst/>
-              <a:latin typeface="Arial" panose="020B0604020202020204" pitchFamily="34" charset="0"/>
-            </a:endParaRPr>
-          </a:p>
-        </p:txBody>
-      </p:sp>
+          </a:p>
+        </p:txBody>
+      </p:sp>
+      <p:pic>
+        <p:nvPicPr>
+          <p:cNvPr id="2" name="Picture 1">
+            <a:extLst>
+              <a:ext uri="{FF2B5EF4-FFF2-40B4-BE49-F238E27FC236}">
+                <a16:creationId xmlns:a16="http://schemas.microsoft.com/office/drawing/2014/main" id="{23FFAF9C-3BE5-10AE-6CF5-E6958C1CF0E1}"/>
+              </a:ext>
+            </a:extLst>
+          </p:cNvPr>
+          <p:cNvPicPr>
+            <a:picLocks noChangeAspect="1"/>
+          </p:cNvPicPr>
+          <p:nvPr/>
+        </p:nvPicPr>
+        <p:blipFill>
+          <a:blip r:embed="rId3"/>
+          <a:stretch>
+            <a:fillRect/>
+          </a:stretch>
+        </p:blipFill>
+        <p:spPr>
+          <a:xfrm>
+            <a:off x="501445" y="6105832"/>
+            <a:ext cx="1455174" cy="689276"/>
+          </a:xfrm>
+          <a:prstGeom prst="rect">
+            <a:avLst/>
+          </a:prstGeom>
+        </p:spPr>
+      </p:pic>
     </p:spTree>
   </p:cSld>
   <p:clrMapOvr>
@@ -9910,7 +10142,7 @@
           <p:nvPr/>
         </p:nvPicPr>
         <p:blipFill>
-          <a:blip r:embed="rId1">
+          <a:blip r:embed="rId2">
             <a:extLst>
               <a:ext uri="{28A0092B-C50C-407E-A947-70E740481C1C}">
                 <a14:useLocalDpi xmlns:a14="http://schemas.microsoft.com/office/drawing/2010/main" val="0"/>
@@ -10010,13 +10242,6 @@
               </a:rPr>
               <a:t>Used to create modern, real time, full-stack web applications using JavaScript</a:t>
             </a:r>
-            <a:endParaRPr lang="en-US" sz="2400" b="0" i="0" u="none" strike="noStrike" dirty="0">
-              <a:solidFill>
-                <a:srgbClr val="000000"/>
-              </a:solidFill>
-              <a:effectLst/>
-              <a:latin typeface="Arial" panose="020B0604020202020204" pitchFamily="34" charset="0"/>
-            </a:endParaRPr>
           </a:p>
           <a:p>
             <a:pPr marL="457200" rtl="0" fontAlgn="base">
@@ -10058,13 +10283,6 @@
               </a:rPr>
               <a:t> This unified technology stack promotes code reusability, simplifies development workflows</a:t>
             </a:r>
-            <a:endParaRPr lang="en-US" sz="2400" b="0" i="0" u="none" strike="noStrike" dirty="0">
-              <a:solidFill>
-                <a:srgbClr val="000000"/>
-              </a:solidFill>
-              <a:effectLst/>
-              <a:latin typeface="Arial" panose="020B0604020202020204" pitchFamily="34" charset="0"/>
-            </a:endParaRPr>
           </a:p>
           <a:p>
             <a:pPr marL="457200" rtl="0" fontAlgn="base">
@@ -10106,13 +10324,6 @@
               </a:rPr>
               <a:t> Can be deployed easily and are suitable for building highly scalable application</a:t>
             </a:r>
-            <a:endParaRPr lang="en-US" sz="2400" b="0" i="0" u="none" strike="noStrike" dirty="0">
-              <a:solidFill>
-                <a:srgbClr val="000000"/>
-              </a:solidFill>
-              <a:effectLst/>
-              <a:latin typeface="Arial" panose="020B0604020202020204" pitchFamily="34" charset="0"/>
-            </a:endParaRPr>
           </a:p>
         </p:txBody>
       </p:sp>
@@ -10146,14 +10357,39 @@
               </a:rPr>
               <a:t>Objectives of MEAN</a:t>
             </a:r>
-            <a:endParaRPr lang="en-US" sz="4000" b="1" dirty="0">
-              <a:solidFill>
-                <a:srgbClr val="002060"/>
-              </a:solidFill>
-            </a:endParaRPr>
-          </a:p>
-        </p:txBody>
-      </p:sp>
+          </a:p>
+        </p:txBody>
+      </p:sp>
+      <p:pic>
+        <p:nvPicPr>
+          <p:cNvPr id="3" name="Picture 2">
+            <a:extLst>
+              <a:ext uri="{FF2B5EF4-FFF2-40B4-BE49-F238E27FC236}">
+                <a16:creationId xmlns:a16="http://schemas.microsoft.com/office/drawing/2014/main" id="{057C83AF-3EE5-5D59-A29D-448C277C1485}"/>
+              </a:ext>
+            </a:extLst>
+          </p:cNvPr>
+          <p:cNvPicPr>
+            <a:picLocks noChangeAspect="1"/>
+          </p:cNvPicPr>
+          <p:nvPr/>
+        </p:nvPicPr>
+        <p:blipFill>
+          <a:blip r:embed="rId3"/>
+          <a:stretch>
+            <a:fillRect/>
+          </a:stretch>
+        </p:blipFill>
+        <p:spPr>
+          <a:xfrm>
+            <a:off x="177282" y="6103409"/>
+            <a:ext cx="1455174" cy="689276"/>
+          </a:xfrm>
+          <a:prstGeom prst="rect">
+            <a:avLst/>
+          </a:prstGeom>
+        </p:spPr>
+      </p:pic>
     </p:spTree>
   </p:cSld>
   <p:clrMapOvr>
@@ -10171,155 +10407,602 @@
         <p:cNvGrpSpPr/>
         <p:nvPr/>
       </p:nvGrpSpPr>
-      <p:grpSpPr/>
-      <p:sp>
-        <p:nvSpPr>
-          <p:cNvPr id="2" name="Title 1"/>
-          <p:cNvSpPr>
-            <a:spLocks noGrp="1"/>
-          </p:cNvSpPr>
-          <p:nvPr>
-            <p:ph type="title"/>
-          </p:nvPr>
-        </p:nvSpPr>
-        <p:spPr/>
-        <p:txBody>
-          <a:bodyPr/>
-          <a:p>
-            <a:r>
-              <a:rPr lang="en-US"/>
-              <a:t> Workshop Objectives</a:t>
-            </a:r>
-            <a:endParaRPr lang="en-US"/>
-          </a:p>
-        </p:txBody>
-      </p:sp>
-      <p:sp>
-        <p:nvSpPr>
-          <p:cNvPr id="3" name="Content Placeholder 2"/>
-          <p:cNvSpPr>
-            <a:spLocks noGrp="1"/>
-          </p:cNvSpPr>
-          <p:nvPr>
-            <p:ph idx="1"/>
-          </p:nvPr>
-        </p:nvSpPr>
-        <p:spPr/>
-        <p:txBody>
-          <a:bodyPr>
-            <a:normAutofit fontScale="70000"/>
-          </a:bodyPr>
-          <a:p>
-            <a:r>
-              <a:rPr lang="en-US" b="1">
+      <p:grpSpPr>
+        <a:xfrm>
+          <a:off x="0" y="0"/>
+          <a:ext cx="0" cy="0"/>
+          <a:chOff x="0" y="0"/>
+          <a:chExt cx="0" cy="0"/>
+        </a:xfrm>
+      </p:grpSpPr>
+      <p:pic>
+        <p:nvPicPr>
+          <p:cNvPr id="4" name="Picture 4" descr="Cartoon character of a young Businessman. 24294181 Vector Art at Vecteezy">
+            <a:extLst>
+              <a:ext uri="{FF2B5EF4-FFF2-40B4-BE49-F238E27FC236}">
+                <a16:creationId xmlns:a16="http://schemas.microsoft.com/office/drawing/2014/main" id="{3002B273-ECE0-AD7D-36FF-E02EE09B0185}"/>
+              </a:ext>
+            </a:extLst>
+          </p:cNvPr>
+          <p:cNvPicPr>
+            <a:picLocks noChangeAspect="1" noChangeArrowheads="1"/>
+          </p:cNvPicPr>
+          <p:nvPr/>
+        </p:nvPicPr>
+        <p:blipFill>
+          <a:blip r:embed="rId3">
+            <a:extLst>
+              <a:ext uri="{28A0092B-C50C-407E-A947-70E740481C1C}">
+                <a14:useLocalDpi xmlns:a14="http://schemas.microsoft.com/office/drawing/2010/main" val="0"/>
+              </a:ext>
+            </a:extLst>
+          </a:blip>
+          <a:srcRect/>
+          <a:stretch>
+            <a:fillRect/>
+          </a:stretch>
+        </p:blipFill>
+        <p:spPr bwMode="auto">
+          <a:xfrm>
+            <a:off x="737419" y="1280585"/>
+            <a:ext cx="3844413" cy="5093160"/>
+          </a:xfrm>
+          <a:prstGeom prst="rect">
+            <a:avLst/>
+          </a:prstGeom>
+          <a:noFill/>
+          <a:extLst>
+            <a:ext uri="{909E8E84-426E-40DD-AFC4-6F175D3DCCD1}">
+              <a14:hiddenFill xmlns:a14="http://schemas.microsoft.com/office/drawing/2010/main">
+                <a:solidFill>
+                  <a:srgbClr val="FFFFFF"/>
+                </a:solidFill>
+              </a14:hiddenFill>
+            </a:ext>
+          </a:extLst>
+        </p:spPr>
+      </p:pic>
+      <p:sp>
+        <p:nvSpPr>
+          <p:cNvPr id="5" name="Rectangle: Rounded Corners 4">
+            <a:extLst>
+              <a:ext uri="{FF2B5EF4-FFF2-40B4-BE49-F238E27FC236}">
+                <a16:creationId xmlns:a16="http://schemas.microsoft.com/office/drawing/2014/main" id="{A35E2D63-9EA7-8475-52B5-ED00C9997EA9}"/>
+              </a:ext>
+            </a:extLst>
+          </p:cNvPr>
+          <p:cNvSpPr/>
+          <p:nvPr/>
+        </p:nvSpPr>
+        <p:spPr>
+          <a:xfrm>
+            <a:off x="5557435" y="972675"/>
+            <a:ext cx="5374433" cy="615820"/>
+          </a:xfrm>
+          <a:prstGeom prst="roundRect">
+            <a:avLst/>
+          </a:prstGeom>
+          <a:solidFill>
+            <a:schemeClr val="accent1">
+              <a:lumMod val="60000"/>
+              <a:lumOff val="40000"/>
+            </a:schemeClr>
+          </a:solidFill>
+        </p:spPr>
+        <p:style>
+          <a:lnRef idx="2">
+            <a:schemeClr val="accent1">
+              <a:shade val="15000"/>
+            </a:schemeClr>
+          </a:lnRef>
+          <a:fillRef idx="1">
+            <a:schemeClr val="accent1"/>
+          </a:fillRef>
+          <a:effectRef idx="0">
+            <a:schemeClr val="accent1"/>
+          </a:effectRef>
+          <a:fontRef idx="minor">
+            <a:schemeClr val="lt1"/>
+          </a:fontRef>
+        </p:style>
+        <p:txBody>
+          <a:bodyPr rtlCol="0" anchor="ctr"/>
+          <a:lstStyle/>
+          <a:p>
+            <a:pPr algn="ctr"/>
+            <a:r>
+              <a:rPr lang="en-US" sz="2400" b="1" dirty="0">
+                <a:solidFill>
+                  <a:schemeClr val="bg2">
+                    <a:lumMod val="10000"/>
+                  </a:schemeClr>
+                </a:solidFill>
                 <a:sym typeface="+mn-ea"/>
               </a:rPr>
-              <a:t>Familiarisation Objective:</a:t>
-            </a:r>
-            <a:r>
-              <a:rPr lang="en-US">
+              <a:t>Familiarization Objective</a:t>
+            </a:r>
+            <a:endParaRPr lang="en-AE" sz="2400" dirty="0">
+              <a:solidFill>
+                <a:schemeClr val="bg2">
+                  <a:lumMod val="10000"/>
+                </a:schemeClr>
+              </a:solidFill>
+            </a:endParaRPr>
+          </a:p>
+        </p:txBody>
+      </p:sp>
+      <p:sp>
+        <p:nvSpPr>
+          <p:cNvPr id="7" name="Rectangle: Rounded Corners 6">
+            <a:extLst>
+              <a:ext uri="{FF2B5EF4-FFF2-40B4-BE49-F238E27FC236}">
+                <a16:creationId xmlns:a16="http://schemas.microsoft.com/office/drawing/2014/main" id="{CBA68E6A-7BB5-1517-D1C4-B578FDFFC23C}"/>
+              </a:ext>
+            </a:extLst>
+          </p:cNvPr>
+          <p:cNvSpPr/>
+          <p:nvPr/>
+        </p:nvSpPr>
+        <p:spPr>
+          <a:xfrm>
+            <a:off x="5557435" y="1780966"/>
+            <a:ext cx="5374432" cy="615820"/>
+          </a:xfrm>
+          <a:prstGeom prst="roundRect">
+            <a:avLst/>
+          </a:prstGeom>
+        </p:spPr>
+        <p:style>
+          <a:lnRef idx="2">
+            <a:schemeClr val="accent1">
+              <a:shade val="15000"/>
+            </a:schemeClr>
+          </a:lnRef>
+          <a:fillRef idx="1">
+            <a:schemeClr val="accent1"/>
+          </a:fillRef>
+          <a:effectRef idx="0">
+            <a:schemeClr val="accent1"/>
+          </a:effectRef>
+          <a:fontRef idx="minor">
+            <a:schemeClr val="lt1"/>
+          </a:fontRef>
+        </p:style>
+        <p:txBody>
+          <a:bodyPr rtlCol="0" anchor="ctr"/>
+          <a:lstStyle/>
+          <a:p>
+            <a:pPr algn="ctr"/>
+            <a:r>
+              <a:rPr lang="en-US" sz="2400" b="1" dirty="0">
+                <a:solidFill>
+                  <a:schemeClr val="bg2">
+                    <a:lumMod val="10000"/>
+                  </a:schemeClr>
+                </a:solidFill>
                 <a:sym typeface="+mn-ea"/>
               </a:rPr>
-              <a:t> Introduce participants to the basic concepts of the MEAN stack and Docker.</a:t>
-            </a:r>
-            <a:endParaRPr lang="en-US"/>
-          </a:p>
-          <a:p>
-            <a:r>
-              <a:rPr lang="en-US" b="1">
+              <a:t>Hands-On Experience</a:t>
+            </a:r>
+            <a:endParaRPr lang="en-AE" sz="2400" dirty="0">
+              <a:solidFill>
+                <a:schemeClr val="bg2">
+                  <a:lumMod val="10000"/>
+                </a:schemeClr>
+              </a:solidFill>
+            </a:endParaRPr>
+          </a:p>
+        </p:txBody>
+      </p:sp>
+      <p:sp>
+        <p:nvSpPr>
+          <p:cNvPr id="19" name="TextBox 18">
+            <a:extLst>
+              <a:ext uri="{FF2B5EF4-FFF2-40B4-BE49-F238E27FC236}">
+                <a16:creationId xmlns:a16="http://schemas.microsoft.com/office/drawing/2014/main" id="{198D1817-C74A-F67F-A903-2D658F77097E}"/>
+              </a:ext>
+            </a:extLst>
+          </p:cNvPr>
+          <p:cNvSpPr txBox="1"/>
+          <p:nvPr/>
+        </p:nvSpPr>
+        <p:spPr>
+          <a:xfrm>
+            <a:off x="3627275" y="74129"/>
+            <a:ext cx="6097554" cy="646331"/>
+          </a:xfrm>
+          <a:prstGeom prst="rect">
+            <a:avLst/>
+          </a:prstGeom>
+          <a:noFill/>
+        </p:spPr>
+        <p:txBody>
+          <a:bodyPr wrap="square">
+            <a:spAutoFit/>
+          </a:bodyPr>
+          <a:lstStyle/>
+          <a:p>
+            <a:r>
+              <a:rPr lang="en-US" sz="3600" b="1" dirty="0">
+                <a:solidFill>
+                  <a:srgbClr val="002060"/>
+                </a:solidFill>
+              </a:rPr>
+              <a:t>Workshop Objectives</a:t>
+            </a:r>
+            <a:endParaRPr lang="en-AE" sz="3600" b="1" dirty="0"/>
+          </a:p>
+        </p:txBody>
+      </p:sp>
+      <p:sp>
+        <p:nvSpPr>
+          <p:cNvPr id="20" name="Rectangle: Rounded Corners 19">
+            <a:extLst>
+              <a:ext uri="{FF2B5EF4-FFF2-40B4-BE49-F238E27FC236}">
+                <a16:creationId xmlns:a16="http://schemas.microsoft.com/office/drawing/2014/main" id="{F5685FE1-0A7E-01A6-AC1E-4DEFAB16E817}"/>
+              </a:ext>
+            </a:extLst>
+          </p:cNvPr>
+          <p:cNvSpPr/>
+          <p:nvPr/>
+        </p:nvSpPr>
+        <p:spPr>
+          <a:xfrm>
+            <a:off x="5557435" y="4166910"/>
+            <a:ext cx="5374432" cy="615820"/>
+          </a:xfrm>
+          <a:prstGeom prst="roundRect">
+            <a:avLst/>
+          </a:prstGeom>
+          <a:solidFill>
+            <a:schemeClr val="accent1">
+              <a:lumMod val="60000"/>
+              <a:lumOff val="40000"/>
+            </a:schemeClr>
+          </a:solidFill>
+        </p:spPr>
+        <p:style>
+          <a:lnRef idx="2">
+            <a:schemeClr val="accent1">
+              <a:shade val="15000"/>
+            </a:schemeClr>
+          </a:lnRef>
+          <a:fillRef idx="1">
+            <a:schemeClr val="accent1"/>
+          </a:fillRef>
+          <a:effectRef idx="0">
+            <a:schemeClr val="accent1"/>
+          </a:effectRef>
+          <a:fontRef idx="minor">
+            <a:schemeClr val="lt1"/>
+          </a:fontRef>
+        </p:style>
+        <p:txBody>
+          <a:bodyPr rtlCol="0" anchor="ctr"/>
+          <a:lstStyle/>
+          <a:p>
+            <a:pPr algn="ctr"/>
+            <a:r>
+              <a:rPr lang="en-US" sz="2400" b="1" dirty="0">
+                <a:solidFill>
+                  <a:schemeClr val="bg2">
+                    <a:lumMod val="10000"/>
+                  </a:schemeClr>
+                </a:solidFill>
                 <a:sym typeface="+mn-ea"/>
               </a:rPr>
-              <a:t>Hands-On Experience:</a:t>
-            </a:r>
-            <a:r>
-              <a:rPr lang="en-US">
+              <a:t>Practical Exposure</a:t>
+            </a:r>
+            <a:endParaRPr lang="en-AE" sz="2400" dirty="0">
+              <a:solidFill>
+                <a:schemeClr val="bg2">
+                  <a:lumMod val="10000"/>
+                </a:schemeClr>
+              </a:solidFill>
+            </a:endParaRPr>
+          </a:p>
+        </p:txBody>
+      </p:sp>
+      <p:sp>
+        <p:nvSpPr>
+          <p:cNvPr id="21" name="Rectangle: Rounded Corners 20">
+            <a:extLst>
+              <a:ext uri="{FF2B5EF4-FFF2-40B4-BE49-F238E27FC236}">
+                <a16:creationId xmlns:a16="http://schemas.microsoft.com/office/drawing/2014/main" id="{963821B7-D5C8-9695-59D5-F08B326855A8}"/>
+              </a:ext>
+            </a:extLst>
+          </p:cNvPr>
+          <p:cNvSpPr/>
+          <p:nvPr/>
+        </p:nvSpPr>
+        <p:spPr>
+          <a:xfrm>
+            <a:off x="5557435" y="2561630"/>
+            <a:ext cx="5374432" cy="615820"/>
+          </a:xfrm>
+          <a:prstGeom prst="roundRect">
+            <a:avLst/>
+          </a:prstGeom>
+          <a:solidFill>
+            <a:schemeClr val="accent1">
+              <a:lumMod val="60000"/>
+              <a:lumOff val="40000"/>
+            </a:schemeClr>
+          </a:solidFill>
+        </p:spPr>
+        <p:style>
+          <a:lnRef idx="2">
+            <a:schemeClr val="accent1">
+              <a:shade val="15000"/>
+            </a:schemeClr>
+          </a:lnRef>
+          <a:fillRef idx="1">
+            <a:schemeClr val="accent1"/>
+          </a:fillRef>
+          <a:effectRef idx="0">
+            <a:schemeClr val="accent1"/>
+          </a:effectRef>
+          <a:fontRef idx="minor">
+            <a:schemeClr val="lt1"/>
+          </a:fontRef>
+        </p:style>
+        <p:txBody>
+          <a:bodyPr rtlCol="0" anchor="ctr"/>
+          <a:lstStyle/>
+          <a:p>
+            <a:pPr algn="ctr"/>
+            <a:r>
+              <a:rPr lang="en-US" sz="2400" b="1" dirty="0">
+                <a:solidFill>
+                  <a:schemeClr val="bg2">
+                    <a:lumMod val="10000"/>
+                  </a:schemeClr>
+                </a:solidFill>
                 <a:sym typeface="+mn-ea"/>
               </a:rPr>
-              <a:t> Provide opportunities for hands-on exploration and experimentation.</a:t>
-            </a:r>
-            <a:endParaRPr lang="en-US"/>
-          </a:p>
-          <a:p>
-            <a:r>
-              <a:rPr lang="en-US" b="1">
+              <a:t>Understanding Ecosystem</a:t>
+            </a:r>
+            <a:endParaRPr lang="en-AE" sz="2400" dirty="0">
+              <a:solidFill>
+                <a:schemeClr val="bg2">
+                  <a:lumMod val="10000"/>
+                </a:schemeClr>
+              </a:solidFill>
+            </a:endParaRPr>
+          </a:p>
+        </p:txBody>
+      </p:sp>
+      <p:sp>
+        <p:nvSpPr>
+          <p:cNvPr id="22" name="Rectangle: Rounded Corners 21">
+            <a:extLst>
+              <a:ext uri="{FF2B5EF4-FFF2-40B4-BE49-F238E27FC236}">
+                <a16:creationId xmlns:a16="http://schemas.microsoft.com/office/drawing/2014/main" id="{1611EDC1-26B8-BA69-3295-AFBC39076086}"/>
+              </a:ext>
+            </a:extLst>
+          </p:cNvPr>
+          <p:cNvSpPr/>
+          <p:nvPr/>
+        </p:nvSpPr>
+        <p:spPr>
+          <a:xfrm>
+            <a:off x="5557435" y="3369921"/>
+            <a:ext cx="5374432" cy="615820"/>
+          </a:xfrm>
+          <a:prstGeom prst="roundRect">
+            <a:avLst/>
+          </a:prstGeom>
+        </p:spPr>
+        <p:style>
+          <a:lnRef idx="2">
+            <a:schemeClr val="accent1">
+              <a:shade val="15000"/>
+            </a:schemeClr>
+          </a:lnRef>
+          <a:fillRef idx="1">
+            <a:schemeClr val="accent1"/>
+          </a:fillRef>
+          <a:effectRef idx="0">
+            <a:schemeClr val="accent1"/>
+          </a:effectRef>
+          <a:fontRef idx="minor">
+            <a:schemeClr val="lt1"/>
+          </a:fontRef>
+        </p:style>
+        <p:txBody>
+          <a:bodyPr rtlCol="0" anchor="ctr"/>
+          <a:lstStyle/>
+          <a:p>
+            <a:pPr algn="ctr"/>
+            <a:r>
+              <a:rPr lang="en-US" sz="2400" b="1" dirty="0">
+                <a:solidFill>
+                  <a:schemeClr val="bg2">
+                    <a:lumMod val="10000"/>
+                  </a:schemeClr>
+                </a:solidFill>
                 <a:sym typeface="+mn-ea"/>
               </a:rPr>
-              <a:t>Understanding Ecosystem:</a:t>
-            </a:r>
-            <a:r>
-              <a:rPr lang="en-US">
+              <a:t>Containerization Overview</a:t>
+            </a:r>
+            <a:endParaRPr lang="en-AE" sz="2400" dirty="0">
+              <a:solidFill>
+                <a:schemeClr val="bg2">
+                  <a:lumMod val="10000"/>
+                </a:schemeClr>
+              </a:solidFill>
+            </a:endParaRPr>
+          </a:p>
+        </p:txBody>
+      </p:sp>
+      <p:sp>
+        <p:nvSpPr>
+          <p:cNvPr id="23" name="Rectangle: Rounded Corners 22">
+            <a:extLst>
+              <a:ext uri="{FF2B5EF4-FFF2-40B4-BE49-F238E27FC236}">
+                <a16:creationId xmlns:a16="http://schemas.microsoft.com/office/drawing/2014/main" id="{03EB5F39-DE4B-4CEA-2775-8199053B747C}"/>
+              </a:ext>
+            </a:extLst>
+          </p:cNvPr>
+          <p:cNvSpPr/>
+          <p:nvPr/>
+        </p:nvSpPr>
+        <p:spPr>
+          <a:xfrm>
+            <a:off x="5562099" y="5049845"/>
+            <a:ext cx="5374432" cy="615820"/>
+          </a:xfrm>
+          <a:prstGeom prst="roundRect">
+            <a:avLst/>
+          </a:prstGeom>
+        </p:spPr>
+        <p:style>
+          <a:lnRef idx="2">
+            <a:schemeClr val="accent1">
+              <a:shade val="15000"/>
+            </a:schemeClr>
+          </a:lnRef>
+          <a:fillRef idx="1">
+            <a:schemeClr val="accent1"/>
+          </a:fillRef>
+          <a:effectRef idx="0">
+            <a:schemeClr val="accent1"/>
+          </a:effectRef>
+          <a:fontRef idx="minor">
+            <a:schemeClr val="lt1"/>
+          </a:fontRef>
+        </p:style>
+        <p:txBody>
+          <a:bodyPr rtlCol="0" anchor="ctr"/>
+          <a:lstStyle/>
+          <a:p>
+            <a:pPr algn="ctr"/>
+            <a:r>
+              <a:rPr lang="en-US" sz="2400" b="1" dirty="0">
+                <a:solidFill>
+                  <a:schemeClr val="bg2">
+                    <a:lumMod val="10000"/>
+                  </a:schemeClr>
+                </a:solidFill>
                 <a:sym typeface="+mn-ea"/>
               </a:rPr>
-              <a:t> Gain familiarity with the components and interactions within the MEAN stack.</a:t>
-            </a:r>
-            <a:endParaRPr lang="en-US"/>
-          </a:p>
-          <a:p>
-            <a:r>
-              <a:rPr lang="en-US" b="1">
+              <a:t>No In-Depth Learning</a:t>
+            </a:r>
+            <a:endParaRPr lang="en-AE" sz="2400" b="1" dirty="0">
+              <a:solidFill>
+                <a:schemeClr val="bg2">
+                  <a:lumMod val="10000"/>
+                </a:schemeClr>
+              </a:solidFill>
+            </a:endParaRPr>
+          </a:p>
+        </p:txBody>
+      </p:sp>
+      <p:sp>
+        <p:nvSpPr>
+          <p:cNvPr id="26" name="Rectangle: Rounded Corners 25">
+            <a:extLst>
+              <a:ext uri="{FF2B5EF4-FFF2-40B4-BE49-F238E27FC236}">
+                <a16:creationId xmlns:a16="http://schemas.microsoft.com/office/drawing/2014/main" id="{0FB4F795-BE04-B9A5-2964-F8F82FD5A974}"/>
+              </a:ext>
+            </a:extLst>
+          </p:cNvPr>
+          <p:cNvSpPr/>
+          <p:nvPr/>
+        </p:nvSpPr>
+        <p:spPr>
+          <a:xfrm>
+            <a:off x="5557435" y="5885325"/>
+            <a:ext cx="5374432" cy="615820"/>
+          </a:xfrm>
+          <a:prstGeom prst="roundRect">
+            <a:avLst/>
+          </a:prstGeom>
+          <a:solidFill>
+            <a:schemeClr val="accent1">
+              <a:lumMod val="60000"/>
+              <a:lumOff val="40000"/>
+            </a:schemeClr>
+          </a:solidFill>
+        </p:spPr>
+        <p:style>
+          <a:lnRef idx="2">
+            <a:schemeClr val="accent1">
+              <a:shade val="15000"/>
+            </a:schemeClr>
+          </a:lnRef>
+          <a:fillRef idx="1">
+            <a:schemeClr val="accent1"/>
+          </a:fillRef>
+          <a:effectRef idx="0">
+            <a:schemeClr val="accent1"/>
+          </a:effectRef>
+          <a:fontRef idx="minor">
+            <a:schemeClr val="lt1"/>
+          </a:fontRef>
+        </p:style>
+        <p:txBody>
+          <a:bodyPr rtlCol="0" anchor="ctr"/>
+          <a:lstStyle/>
+          <a:p>
+            <a:pPr algn="ctr"/>
+            <a:r>
+              <a:rPr lang="en-US" sz="2400" b="1" dirty="0">
+                <a:solidFill>
+                  <a:schemeClr val="bg2">
+                    <a:lumMod val="10000"/>
+                  </a:schemeClr>
+                </a:solidFill>
                 <a:sym typeface="+mn-ea"/>
               </a:rPr>
-              <a:t>Containerization Overview:</a:t>
-            </a:r>
-            <a:r>
-              <a:rPr lang="en-US">
-                <a:sym typeface="+mn-ea"/>
-              </a:rPr>
-              <a:t> Offer an overview of Docker and its role in modern web development.</a:t>
-            </a:r>
-            <a:endParaRPr lang="en-US"/>
-          </a:p>
-          <a:p>
-            <a:r>
-              <a:rPr lang="en-US" b="1">
-                <a:sym typeface="+mn-ea"/>
-              </a:rPr>
-              <a:t>Practical Exposure:</a:t>
-            </a:r>
-            <a:r>
-              <a:rPr lang="en-US">
-                <a:sym typeface="+mn-ea"/>
-              </a:rPr>
-              <a:t> Focus on practical exercises to give participants a feel for working with MEAN and Docker.</a:t>
-            </a:r>
-            <a:endParaRPr lang="en-US"/>
-          </a:p>
-          <a:p>
-            <a:r>
-              <a:rPr lang="en-US" b="1">
-                <a:sym typeface="+mn-ea"/>
-              </a:rPr>
-              <a:t>No In-Depth Learning:</a:t>
-            </a:r>
-            <a:r>
-              <a:rPr lang="en-US">
-                <a:sym typeface="+mn-ea"/>
-              </a:rPr>
-              <a:t> Clarify that the workshop is not designed for in-depth learning but rather for getting acquainted with the technologies.</a:t>
-            </a:r>
-            <a:endParaRPr lang="en-US"/>
-          </a:p>
-          <a:p>
-            <a:r>
-              <a:rPr lang="en-US" b="1">
-                <a:sym typeface="+mn-ea"/>
-              </a:rPr>
-              <a:t>Preparation for Further Learning:</a:t>
-            </a:r>
-            <a:r>
-              <a:rPr lang="en-US">
-                <a:sym typeface="+mn-ea"/>
-              </a:rPr>
-              <a:t> Lay the groundwork for participants to pursue further learning on their own after the workshop.</a:t>
-            </a:r>
-            <a:endParaRPr lang="en-US"/>
-          </a:p>
-          <a:p>
-            <a:endParaRPr lang="en-US"/>
-          </a:p>
-        </p:txBody>
-      </p:sp>
+              <a:t>Preparation for Further Learning</a:t>
+            </a:r>
+            <a:endParaRPr lang="en-AE" sz="2400" dirty="0">
+              <a:solidFill>
+                <a:schemeClr val="bg2">
+                  <a:lumMod val="10000"/>
+                </a:schemeClr>
+              </a:solidFill>
+            </a:endParaRPr>
+          </a:p>
+        </p:txBody>
+      </p:sp>
+      <p:pic>
+        <p:nvPicPr>
+          <p:cNvPr id="27" name="Picture 26">
+            <a:extLst>
+              <a:ext uri="{FF2B5EF4-FFF2-40B4-BE49-F238E27FC236}">
+                <a16:creationId xmlns:a16="http://schemas.microsoft.com/office/drawing/2014/main" id="{35A1AB48-85B2-546A-2E81-F525E6CA18BC}"/>
+              </a:ext>
+            </a:extLst>
+          </p:cNvPr>
+          <p:cNvPicPr>
+            <a:picLocks noChangeAspect="1"/>
+          </p:cNvPicPr>
+          <p:nvPr/>
+        </p:nvPicPr>
+        <p:blipFill>
+          <a:blip r:embed="rId4"/>
+          <a:stretch>
+            <a:fillRect/>
+          </a:stretch>
+        </p:blipFill>
+        <p:spPr>
+          <a:xfrm>
+            <a:off x="117987" y="6156507"/>
+            <a:ext cx="1455174" cy="689276"/>
+          </a:xfrm>
+          <a:prstGeom prst="rect">
+            <a:avLst/>
+          </a:prstGeom>
+        </p:spPr>
+      </p:pic>
     </p:spTree>
+    <p:extLst>
+      <p:ext uri="{BB962C8B-B14F-4D97-AF65-F5344CB8AC3E}">
+        <p14:creationId xmlns:p14="http://schemas.microsoft.com/office/powerpoint/2010/main" val="1658361968"/>
+      </p:ext>
+    </p:extLst>
   </p:cSld>
   <p:clrMapOvr>
     <a:masterClrMapping/>
@@ -10394,11 +11077,6 @@
               </a:rPr>
               <a:t>HTML</a:t>
             </a:r>
-            <a:endParaRPr lang="en-US" b="1" dirty="0">
-              <a:solidFill>
-                <a:schemeClr val="tx1"/>
-              </a:solidFill>
-            </a:endParaRPr>
           </a:p>
         </p:txBody>
       </p:sp>
@@ -10446,11 +11124,6 @@
               </a:rPr>
               <a:t>CSS</a:t>
             </a:r>
-            <a:endParaRPr lang="en-US" b="1" dirty="0">
-              <a:solidFill>
-                <a:schemeClr val="tx1"/>
-              </a:solidFill>
-            </a:endParaRPr>
           </a:p>
         </p:txBody>
       </p:sp>
@@ -10504,11 +11177,6 @@
               </a:rPr>
               <a:t>JAVASCRIPT</a:t>
             </a:r>
-            <a:endParaRPr lang="en-US" b="1" dirty="0">
-              <a:solidFill>
-                <a:schemeClr val="tx1"/>
-              </a:solidFill>
-            </a:endParaRPr>
           </a:p>
         </p:txBody>
       </p:sp>
@@ -10556,11 +11224,6 @@
               </a:rPr>
               <a:t>BOOTSTRAP</a:t>
             </a:r>
-            <a:endParaRPr lang="en-US" b="1" dirty="0">
-              <a:solidFill>
-                <a:schemeClr val="tx1"/>
-              </a:solidFill>
-            </a:endParaRPr>
           </a:p>
         </p:txBody>
       </p:sp>
@@ -10614,11 +11277,6 @@
               </a:rPr>
               <a:t>ANGULAR</a:t>
             </a:r>
-            <a:endParaRPr lang="en-US" b="1" dirty="0">
-              <a:solidFill>
-                <a:schemeClr val="tx1"/>
-              </a:solidFill>
-            </a:endParaRPr>
           </a:p>
         </p:txBody>
       </p:sp>
@@ -10663,7 +11321,7 @@
           <p:nvPr/>
         </p:nvPicPr>
         <p:blipFill>
-          <a:blip r:embed="rId1"/>
+          <a:blip r:embed="rId2"/>
           <a:stretch>
             <a:fillRect/>
           </a:stretch>
@@ -10728,11 +11386,6 @@
               </a:rPr>
               <a:t>TYPESCRIPT</a:t>
             </a:r>
-            <a:endParaRPr lang="en-US" b="1" dirty="0">
-              <a:solidFill>
-                <a:schemeClr val="tx1"/>
-              </a:solidFill>
-            </a:endParaRPr>
           </a:p>
         </p:txBody>
       </p:sp>
@@ -10780,11 +11433,6 @@
               </a:rPr>
               <a:t>NODE JS</a:t>
             </a:r>
-            <a:endParaRPr lang="en-US" b="1" dirty="0">
-              <a:solidFill>
-                <a:schemeClr val="tx1"/>
-              </a:solidFill>
-            </a:endParaRPr>
           </a:p>
         </p:txBody>
       </p:sp>
@@ -10838,11 +11486,6 @@
               </a:rPr>
               <a:t>EXPRESS</a:t>
             </a:r>
-            <a:endParaRPr lang="en-US" b="1" dirty="0">
-              <a:solidFill>
-                <a:schemeClr val="tx1"/>
-              </a:solidFill>
-            </a:endParaRPr>
           </a:p>
         </p:txBody>
       </p:sp>
@@ -10890,11 +11533,6 @@
               </a:rPr>
               <a:t>MONGO DB</a:t>
             </a:r>
-            <a:endParaRPr lang="en-US" b="1" dirty="0">
-              <a:solidFill>
-                <a:schemeClr val="tx1"/>
-              </a:solidFill>
-            </a:endParaRPr>
           </a:p>
         </p:txBody>
       </p:sp>
@@ -10948,11 +11586,6 @@
               </a:rPr>
               <a:t>DOCKER</a:t>
             </a:r>
-            <a:endParaRPr lang="en-US" b="1" dirty="0">
-              <a:solidFill>
-                <a:schemeClr val="tx1"/>
-              </a:solidFill>
-            </a:endParaRPr>
           </a:p>
         </p:txBody>
       </p:sp>
@@ -10973,7 +11606,14 @@
         <p:cNvGrpSpPr/>
         <p:nvPr/>
       </p:nvGrpSpPr>
-      <p:grpSpPr/>
+      <p:grpSpPr>
+        <a:xfrm>
+          <a:off x="0" y="0"/>
+          <a:ext cx="0" cy="0"/>
+          <a:chOff x="0" y="0"/>
+          <a:chExt cx="0" cy="0"/>
+        </a:xfrm>
+      </p:grpSpPr>
       <p:sp>
         <p:nvSpPr>
           <p:cNvPr id="4" name="Title 3"/>
@@ -10984,15 +11624,24 @@
             <p:ph type="title"/>
           </p:nvPr>
         </p:nvSpPr>
-        <p:spPr/>
+        <p:spPr>
+          <a:xfrm>
+            <a:off x="1254637" y="428266"/>
+            <a:ext cx="10515600" cy="1848568"/>
+          </a:xfrm>
+        </p:spPr>
         <p:txBody>
           <a:bodyPr/>
-          <a:p>
-            <a:r>
-              <a:rPr lang="en-US"/>
+          <a:lstStyle/>
+          <a:p>
+            <a:r>
+              <a:rPr lang="en-US" b="1" dirty="0">
+                <a:solidFill>
+                  <a:srgbClr val="002060"/>
+                </a:solidFill>
+              </a:rPr>
               <a:t>Personal Finance Manager</a:t>
             </a:r>
-            <a:endParaRPr lang="en-US"/>
           </a:p>
         </p:txBody>
       </p:sp>
@@ -11006,18 +11655,104 @@
             <p:ph type="body" idx="1"/>
           </p:nvPr>
         </p:nvSpPr>
-        <p:spPr/>
+        <p:spPr>
+          <a:xfrm>
+            <a:off x="3289915" y="2534520"/>
+            <a:ext cx="10515600" cy="1500187"/>
+          </a:xfrm>
+        </p:spPr>
         <p:txBody>
           <a:bodyPr/>
-          <a:p>
-            <a:r>
-              <a:rPr lang="en-US"/>
+          <a:lstStyle/>
+          <a:p>
+            <a:r>
+              <a:rPr lang="en-US" b="1" dirty="0">
+                <a:solidFill>
+                  <a:srgbClr val="002060"/>
+                </a:solidFill>
+              </a:rPr>
               <a:t>Product Introduction</a:t>
             </a:r>
-            <a:endParaRPr lang="en-US"/>
-          </a:p>
-        </p:txBody>
-      </p:sp>
+          </a:p>
+        </p:txBody>
+      </p:sp>
+      <p:pic>
+        <p:nvPicPr>
+          <p:cNvPr id="1026" name="Picture 2" descr="Financial Planning PNGs for Free Download">
+            <a:extLst>
+              <a:ext uri="{FF2B5EF4-FFF2-40B4-BE49-F238E27FC236}">
+                <a16:creationId xmlns:a16="http://schemas.microsoft.com/office/drawing/2014/main" id="{2FF0121B-B99A-1F37-E7A3-47AFFFE5AC5F}"/>
+              </a:ext>
+            </a:extLst>
+          </p:cNvPr>
+          <p:cNvPicPr>
+            <a:picLocks noChangeAspect="1" noChangeArrowheads="1"/>
+          </p:cNvPicPr>
+          <p:nvPr/>
+        </p:nvPicPr>
+        <p:blipFill>
+          <a:blip r:embed="rId2">
+            <a:extLst>
+              <a:ext uri="{28A0092B-C50C-407E-A947-70E740481C1C}">
+                <a14:useLocalDpi xmlns:a14="http://schemas.microsoft.com/office/drawing/2010/main" val="0"/>
+              </a:ext>
+            </a:extLst>
+          </a:blip>
+          <a:srcRect/>
+          <a:stretch>
+            <a:fillRect/>
+          </a:stretch>
+        </p:blipFill>
+        <p:spPr bwMode="auto">
+          <a:xfrm>
+            <a:off x="6223819" y="2782530"/>
+            <a:ext cx="5441388" cy="4075470"/>
+          </a:xfrm>
+          <a:prstGeom prst="rect">
+            <a:avLst/>
+          </a:prstGeom>
+          <a:noFill/>
+          <a:extLst>
+            <a:ext uri="{909E8E84-426E-40DD-AFC4-6F175D3DCCD1}">
+              <a14:hiddenFill xmlns:a14="http://schemas.microsoft.com/office/drawing/2010/main">
+                <a:solidFill>
+                  <a:srgbClr val="FFFFFF"/>
+                </a:solidFill>
+              </a14:hiddenFill>
+            </a:ext>
+          </a:extLst>
+        </p:spPr>
+      </p:pic>
+      <p:pic>
+        <p:nvPicPr>
+          <p:cNvPr id="2" name="Picture 1">
+            <a:extLst>
+              <a:ext uri="{FF2B5EF4-FFF2-40B4-BE49-F238E27FC236}">
+                <a16:creationId xmlns:a16="http://schemas.microsoft.com/office/drawing/2014/main" id="{C2D97828-39EC-1ADB-E29D-62DE284277B3}"/>
+              </a:ext>
+            </a:extLst>
+          </p:cNvPr>
+          <p:cNvPicPr>
+            <a:picLocks noChangeAspect="1"/>
+          </p:cNvPicPr>
+          <p:nvPr/>
+        </p:nvPicPr>
+        <p:blipFill>
+          <a:blip r:embed="rId3"/>
+          <a:stretch>
+            <a:fillRect/>
+          </a:stretch>
+        </p:blipFill>
+        <p:spPr>
+          <a:xfrm>
+            <a:off x="501445" y="6105832"/>
+            <a:ext cx="1455174" cy="689276"/>
+          </a:xfrm>
+          <a:prstGeom prst="rect">
+            <a:avLst/>
+          </a:prstGeom>
+        </p:spPr>
+      </p:pic>
     </p:spTree>
   </p:cSld>
   <p:clrMapOvr>
@@ -11052,7 +11787,7 @@
           <p:nvPr/>
         </p:nvPicPr>
         <p:blipFill>
-          <a:blip r:embed="rId1"/>
+          <a:blip r:embed="rId2"/>
           <a:stretch>
             <a:fillRect/>
           </a:stretch>
@@ -11115,11 +11850,6 @@
               </a:rPr>
               <a:t>Add Expense:</a:t>
             </a:r>
-            <a:endParaRPr lang="en-US" sz="2800" b="1" dirty="0">
-              <a:solidFill>
-                <a:schemeClr val="bg2"/>
-              </a:solidFill>
-            </a:endParaRPr>
           </a:p>
           <a:p>
             <a:endParaRPr lang="en-US" sz="2800" b="1" dirty="0">
@@ -11137,11 +11867,6 @@
               </a:rPr>
               <a:t>Similar form-based interface for adding expense details.</a:t>
             </a:r>
-            <a:endParaRPr lang="en-US" sz="2400" dirty="0">
-              <a:solidFill>
-                <a:schemeClr val="bg2"/>
-              </a:solidFill>
-            </a:endParaRPr>
           </a:p>
           <a:p>
             <a:r>
@@ -11160,11 +11885,6 @@
               </a:rPr>
               <a:t>.</a:t>
             </a:r>
-            <a:endParaRPr lang="en-US" sz="2800" dirty="0">
-              <a:solidFill>
-                <a:schemeClr val="bg2"/>
-              </a:solidFill>
-            </a:endParaRPr>
           </a:p>
           <a:p>
             <a:endParaRPr lang="en-US" sz="2800" b="1" dirty="0">
@@ -11182,11 +11902,6 @@
               </a:rPr>
               <a:t>View Expense:</a:t>
             </a:r>
-            <a:endParaRPr lang="en-US" sz="2800" b="1" dirty="0">
-              <a:solidFill>
-                <a:schemeClr val="bg2"/>
-              </a:solidFill>
-            </a:endParaRPr>
           </a:p>
           <a:p>
             <a:endParaRPr lang="en-US" sz="2800" b="1" dirty="0">
@@ -11204,11 +11919,6 @@
               </a:rPr>
               <a:t>Display of all expense transactions with relevant details.</a:t>
             </a:r>
-            <a:endParaRPr lang="en-US" sz="2400" dirty="0">
-              <a:solidFill>
-                <a:schemeClr val="bg2"/>
-              </a:solidFill>
-            </a:endParaRPr>
           </a:p>
           <a:p>
             <a:r>
@@ -11219,11 +11929,6 @@
               </a:rPr>
               <a:t>Option to delete transactions if needed</a:t>
             </a:r>
-            <a:endParaRPr lang="en-US" sz="2400" dirty="0">
-              <a:solidFill>
-                <a:schemeClr val="bg2"/>
-              </a:solidFill>
-            </a:endParaRPr>
           </a:p>
         </p:txBody>
       </p:sp>
@@ -11257,14 +11962,39 @@
               </a:rPr>
               <a:t>Expense  Page</a:t>
             </a:r>
-            <a:endParaRPr lang="en-US" sz="4000" b="1" dirty="0">
-              <a:solidFill>
-                <a:srgbClr val="002060"/>
-              </a:solidFill>
-            </a:endParaRPr>
-          </a:p>
-        </p:txBody>
-      </p:sp>
+          </a:p>
+        </p:txBody>
+      </p:sp>
+      <p:pic>
+        <p:nvPicPr>
+          <p:cNvPr id="2" name="Picture 1">
+            <a:extLst>
+              <a:ext uri="{FF2B5EF4-FFF2-40B4-BE49-F238E27FC236}">
+                <a16:creationId xmlns:a16="http://schemas.microsoft.com/office/drawing/2014/main" id="{3450B667-E1F2-A381-CA60-747AB1F88280}"/>
+              </a:ext>
+            </a:extLst>
+          </p:cNvPr>
+          <p:cNvPicPr>
+            <a:picLocks noChangeAspect="1"/>
+          </p:cNvPicPr>
+          <p:nvPr/>
+        </p:nvPicPr>
+        <p:blipFill>
+          <a:blip r:embed="rId3"/>
+          <a:stretch>
+            <a:fillRect/>
+          </a:stretch>
+        </p:blipFill>
+        <p:spPr>
+          <a:xfrm>
+            <a:off x="0" y="6269920"/>
+            <a:ext cx="1187195" cy="587879"/>
+          </a:xfrm>
+          <a:prstGeom prst="rect">
+            <a:avLst/>
+          </a:prstGeom>
+        </p:spPr>
+      </p:pic>
     </p:spTree>
   </p:cSld>
   <p:clrMapOvr>
@@ -11299,7 +12029,7 @@
           <p:nvPr/>
         </p:nvPicPr>
         <p:blipFill>
-          <a:blip r:embed="rId1"/>
+          <a:blip r:embed="rId2"/>
           <a:stretch>
             <a:fillRect/>
           </a:stretch>
@@ -11369,11 +12099,6 @@
               </a:rPr>
               <a:t>Add Income</a:t>
             </a:r>
-            <a:endParaRPr lang="en-US" sz="2800" b="1" dirty="0">
-              <a:solidFill>
-                <a:schemeClr val="bg2"/>
-              </a:solidFill>
-            </a:endParaRPr>
           </a:p>
           <a:p>
             <a:endParaRPr lang="en-US" sz="2400" b="1" dirty="0">
@@ -11391,11 +12116,6 @@
               </a:rPr>
               <a:t>Form-based interface for adding income details.</a:t>
             </a:r>
-            <a:endParaRPr lang="en-US" sz="2400" dirty="0">
-              <a:solidFill>
-                <a:schemeClr val="bg2"/>
-              </a:solidFill>
-            </a:endParaRPr>
           </a:p>
           <a:p>
             <a:r>
@@ -11406,11 +12126,6 @@
               </a:rPr>
               <a:t>Fields for title, amount, date, category, and description</a:t>
             </a:r>
-            <a:endParaRPr lang="en-US" sz="2400" dirty="0">
-              <a:solidFill>
-                <a:schemeClr val="bg2"/>
-              </a:solidFill>
-            </a:endParaRPr>
           </a:p>
           <a:p>
             <a:endParaRPr lang="en-US" sz="2400" dirty="0">
@@ -11428,11 +12143,6 @@
               </a:rPr>
               <a:t>View Income</a:t>
             </a:r>
-            <a:endParaRPr lang="en-US" sz="2800" b="1" dirty="0">
-              <a:solidFill>
-                <a:schemeClr val="bg2"/>
-              </a:solidFill>
-            </a:endParaRPr>
           </a:p>
           <a:p>
             <a:endParaRPr lang="en-US" sz="2400" dirty="0">
@@ -11450,11 +12160,6 @@
               </a:rPr>
               <a:t>Display of all income transactions with relevant details.</a:t>
             </a:r>
-            <a:endParaRPr lang="en-US" sz="2400" dirty="0">
-              <a:solidFill>
-                <a:schemeClr val="bg2"/>
-              </a:solidFill>
-            </a:endParaRPr>
           </a:p>
           <a:p>
             <a:r>
@@ -11465,11 +12170,6 @@
               </a:rPr>
               <a:t>Option to delete transactions if needed.</a:t>
             </a:r>
-            <a:endParaRPr lang="en-US" sz="2400" dirty="0">
-              <a:solidFill>
-                <a:schemeClr val="bg2"/>
-              </a:solidFill>
-            </a:endParaRPr>
           </a:p>
         </p:txBody>
       </p:sp>
@@ -11503,14 +12203,39 @@
               </a:rPr>
               <a:t>Income  page</a:t>
             </a:r>
-            <a:endParaRPr lang="en-US" sz="4000" b="1" dirty="0">
-              <a:solidFill>
-                <a:srgbClr val="002060"/>
-              </a:solidFill>
-            </a:endParaRPr>
-          </a:p>
-        </p:txBody>
-      </p:sp>
+          </a:p>
+        </p:txBody>
+      </p:sp>
+      <p:pic>
+        <p:nvPicPr>
+          <p:cNvPr id="2" name="Picture 1">
+            <a:extLst>
+              <a:ext uri="{FF2B5EF4-FFF2-40B4-BE49-F238E27FC236}">
+                <a16:creationId xmlns:a16="http://schemas.microsoft.com/office/drawing/2014/main" id="{7CE2795C-274E-4689-B617-F29A9E00869C}"/>
+              </a:ext>
+            </a:extLst>
+          </p:cNvPr>
+          <p:cNvPicPr>
+            <a:picLocks noChangeAspect="1"/>
+          </p:cNvPicPr>
+          <p:nvPr/>
+        </p:nvPicPr>
+        <p:blipFill>
+          <a:blip r:embed="rId3"/>
+          <a:stretch>
+            <a:fillRect/>
+          </a:stretch>
+        </p:blipFill>
+        <p:spPr>
+          <a:xfrm>
+            <a:off x="0" y="6269920"/>
+            <a:ext cx="1111045" cy="587879"/>
+          </a:xfrm>
+          <a:prstGeom prst="rect">
+            <a:avLst/>
+          </a:prstGeom>
+        </p:spPr>
+      </p:pic>
     </p:spTree>
   </p:cSld>
   <p:clrMapOvr>
@@ -11545,7 +12270,7 @@
           <p:nvPr/>
         </p:nvPicPr>
         <p:blipFill>
-          <a:blip r:embed="rId1"/>
+          <a:blip r:embed="rId2"/>
           <a:stretch>
             <a:fillRect/>
           </a:stretch>
@@ -11615,11 +12340,6 @@
               </a:rPr>
               <a:t>Visual Representation:</a:t>
             </a:r>
-            <a:endParaRPr lang="en-US" sz="2400" b="1" dirty="0">
-              <a:solidFill>
-                <a:schemeClr val="bg1"/>
-              </a:solidFill>
-            </a:endParaRPr>
           </a:p>
           <a:p>
             <a:endParaRPr lang="en-US" dirty="0">
@@ -11637,11 +12357,6 @@
               </a:rPr>
               <a:t>Utilizes charts for a clear overview of transactions.</a:t>
             </a:r>
-            <a:endParaRPr lang="en-US" sz="2400" dirty="0">
-              <a:solidFill>
-                <a:schemeClr val="bg1"/>
-              </a:solidFill>
-            </a:endParaRPr>
           </a:p>
           <a:p>
             <a:r>
@@ -11652,11 +12367,6 @@
               </a:rPr>
               <a:t>Charts dynamically updated based on user data.</a:t>
             </a:r>
-            <a:endParaRPr lang="en-US" sz="2400" dirty="0">
-              <a:solidFill>
-                <a:schemeClr val="bg1"/>
-              </a:solidFill>
-            </a:endParaRPr>
           </a:p>
           <a:p>
             <a:endParaRPr lang="en-US" sz="2400" dirty="0">
@@ -11674,11 +12384,6 @@
               </a:rPr>
               <a:t>Statistics:</a:t>
             </a:r>
-            <a:endParaRPr lang="en-US" sz="2400" b="1" dirty="0">
-              <a:solidFill>
-                <a:schemeClr val="bg1"/>
-              </a:solidFill>
-            </a:endParaRPr>
           </a:p>
           <a:p>
             <a:endParaRPr lang="en-US" dirty="0">
@@ -11696,11 +12401,6 @@
               </a:rPr>
               <a:t>Displays total income, total expense, and overall balance.</a:t>
             </a:r>
-            <a:endParaRPr lang="en-US" sz="2400" dirty="0">
-              <a:solidFill>
-                <a:schemeClr val="bg1"/>
-              </a:solidFill>
-            </a:endParaRPr>
           </a:p>
           <a:p>
             <a:r>
@@ -11745,14 +12445,39 @@
               </a:rPr>
               <a:t>Dashboard page</a:t>
             </a:r>
-            <a:endParaRPr lang="en-US" sz="4000" b="1" dirty="0">
-              <a:solidFill>
-                <a:srgbClr val="002060"/>
-              </a:solidFill>
-            </a:endParaRPr>
-          </a:p>
-        </p:txBody>
-      </p:sp>
+          </a:p>
+        </p:txBody>
+      </p:sp>
+      <p:pic>
+        <p:nvPicPr>
+          <p:cNvPr id="2" name="Picture 1">
+            <a:extLst>
+              <a:ext uri="{FF2B5EF4-FFF2-40B4-BE49-F238E27FC236}">
+                <a16:creationId xmlns:a16="http://schemas.microsoft.com/office/drawing/2014/main" id="{0F52EC98-549C-B501-8B34-98156D0FA6DC}"/>
+              </a:ext>
+            </a:extLst>
+          </p:cNvPr>
+          <p:cNvPicPr>
+            <a:picLocks noChangeAspect="1"/>
+          </p:cNvPicPr>
+          <p:nvPr/>
+        </p:nvPicPr>
+        <p:blipFill>
+          <a:blip r:embed="rId3"/>
+          <a:stretch>
+            <a:fillRect/>
+          </a:stretch>
+        </p:blipFill>
+        <p:spPr>
+          <a:xfrm>
+            <a:off x="0" y="6269920"/>
+            <a:ext cx="1032387" cy="587879"/>
+          </a:xfrm>
+          <a:prstGeom prst="rect">
+            <a:avLst/>
+          </a:prstGeom>
+        </p:spPr>
+      </p:pic>
     </p:spTree>
   </p:cSld>
   <p:clrMapOvr>
@@ -12012,6 +12737,8 @@
       </a:bgFillStyleLst>
     </a:fmtScheme>
   </a:themeElements>
+  <a:objectDefaults/>
+  <a:extraClrSchemeLst/>
   <a:extLst>
     <a:ext uri="{05A4C25C-085E-4340-85A3-A5531E510DB2}">
       <thm15:themeFamily xmlns:thm15="http://schemas.microsoft.com/office/thememl/2012/main" name="Office Theme" id="{62F939B6-93AF-4DB8-9C6B-D6C7DFDC589F}" vid="{4A3C46E8-61CC-4603-A589-7422A47A8E4A}"/>
@@ -12271,6 +12998,8 @@
       </a:bgFillStyleLst>
     </a:fmtScheme>
   </a:themeElements>
+  <a:objectDefaults/>
+  <a:extraClrSchemeLst/>
   <a:extLst>
     <a:ext uri="{05A4C25C-085E-4340-85A3-A5531E510DB2}">
       <thm15:themeFamily xmlns:thm15="http://schemas.microsoft.com/office/thememl/2012/main" name="Office Theme" id="{62F939B6-93AF-4DB8-9C6B-D6C7DFDC589F}" vid="{4A3C46E8-61CC-4603-A589-7422A47A8E4A}"/>
@@ -12530,6 +13259,8 @@
       </a:bgFillStyleLst>
     </a:fmtScheme>
   </a:themeElements>
+  <a:objectDefaults/>
+  <a:extraClrSchemeLst/>
   <a:extLst>
     <a:ext uri="{05A4C25C-085E-4340-85A3-A5531E510DB2}">
       <thm15:themeFamily xmlns:thm15="http://schemas.microsoft.com/office/thememl/2012/main" name="Office Theme" id="{62F939B6-93AF-4DB8-9C6B-D6C7DFDC589F}" vid="{4A3C46E8-61CC-4603-A589-7422A47A8E4A}"/>
